--- a/Doc/Presentasi.pptx
+++ b/Doc/Presentasi.pptx
@@ -13,11 +13,16 @@
     <p:sldId id="265" r:id="rId7"/>
     <p:sldId id="261" r:id="rId8"/>
     <p:sldId id="269" r:id="rId9"/>
-    <p:sldId id="266" r:id="rId10"/>
-    <p:sldId id="268" r:id="rId11"/>
-    <p:sldId id="263" r:id="rId12"/>
-    <p:sldId id="264" r:id="rId13"/>
-    <p:sldId id="267" r:id="rId14"/>
+    <p:sldId id="270" r:id="rId10"/>
+    <p:sldId id="272" r:id="rId11"/>
+    <p:sldId id="273" r:id="rId12"/>
+    <p:sldId id="274" r:id="rId13"/>
+    <p:sldId id="263" r:id="rId14"/>
+    <p:sldId id="264" r:id="rId15"/>
+    <p:sldId id="267" r:id="rId16"/>
+    <p:sldId id="276" r:id="rId17"/>
+    <p:sldId id="275" r:id="rId18"/>
+    <p:sldId id="266" r:id="rId19"/>
   </p:sldIdLst>
   <p:sldSz cx="12192000" cy="6858000"/>
   <p:notesSz cx="6858000" cy="9144000"/>
@@ -128,9 +133,15 @@
             <p14:sldId id="260"/>
             <p14:sldId id="265"/>
             <p14:sldId id="261"/>
+          </p14:sldIdLst>
+        </p14:section>
+        <p14:section name="Testing ==&gt; Rizky" id="{C4575E37-2E01-4875-A920-7CF8164CD94E}">
+          <p14:sldIdLst>
             <p14:sldId id="269"/>
-            <p14:sldId id="266"/>
-            <p14:sldId id="268"/>
+            <p14:sldId id="270"/>
+            <p14:sldId id="272"/>
+            <p14:sldId id="273"/>
+            <p14:sldId id="274"/>
           </p14:sldIdLst>
         </p14:section>
         <p14:section name="Biaya" id="{BE633F0A-55D6-4965-BC9F-FC743EB8D4A7}">
@@ -138,6 +149,13 @@
             <p14:sldId id="263"/>
             <p14:sldId id="264"/>
             <p14:sldId id="267"/>
+          </p14:sldIdLst>
+        </p14:section>
+        <p14:section name="Revisian" id="{4C2555A7-DC2E-4185-8F60-855B8B6718DA}">
+          <p14:sldIdLst>
+            <p14:sldId id="276"/>
+            <p14:sldId id="275"/>
+            <p14:sldId id="266"/>
           </p14:sldIdLst>
         </p14:section>
       </p14:sectionLst>
@@ -3721,7 +3739,7 @@
         </p:spPr>
         <p:txBody>
           <a:bodyPr>
-            <a:normAutofit fontScale="92500" lnSpcReduction="20000"/>
+            <a:normAutofit fontScale="92500" lnSpcReduction="10000"/>
           </a:bodyPr>
           <a:lstStyle/>
           <a:p>
@@ -3736,12 +3754,14 @@
             </a:r>
           </a:p>
           <a:p>
+            <a:pPr algn="ctr"/>
             <a:r>
               <a:rPr lang="en-US" sz="3000" dirty="0"/>
               <a:t>XII Teknik audio video</a:t>
             </a:r>
           </a:p>
           <a:p>
+            <a:pPr algn="ctr"/>
             <a:r>
               <a:rPr lang="en-US" sz="3000" dirty="0"/>
               <a:t>SMK ANGKASA 1 KALIJATI</a:t>
@@ -3791,10 +3811,1375 @@
           <a:chExt cx="0" cy="0"/>
         </a:xfrm>
       </p:grpSpPr>
+      <mc:AlternateContent xmlns:mc="http://schemas.openxmlformats.org/markup-compatibility/2006">
+        <mc:Choice xmlns:a14="http://schemas.microsoft.com/office/drawing/2010/main" Requires="a14">
+          <p:sp>
+            <p:nvSpPr>
+              <p:cNvPr id="8" name="Content Placeholder 7">
+                <a:extLst>
+                  <a:ext uri="{FF2B5EF4-FFF2-40B4-BE49-F238E27FC236}">
+                    <a16:creationId xmlns:a16="http://schemas.microsoft.com/office/drawing/2014/main" id="{C10B5F32-080B-4D2D-89E1-7FB9211634F8}"/>
+                  </a:ext>
+                </a:extLst>
+              </p:cNvPr>
+              <p:cNvSpPr>
+                <a:spLocks noGrp="1"/>
+              </p:cNvSpPr>
+              <p:nvPr>
+                <p:ph idx="1"/>
+              </p:nvPr>
+            </p:nvSpPr>
+            <p:spPr>
+              <a:xfrm>
+                <a:off x="5043714" y="798974"/>
+                <a:ext cx="5703615" cy="1726067"/>
+              </a:xfrm>
+              <a:noFill/>
+            </p:spPr>
+            <p:txBody>
+              <a:bodyPr/>
+              <a:lstStyle/>
+              <a:p>
+                <a:pPr marL="0" indent="0">
+                  <a:buNone/>
+                </a:pPr>
+                <a:r>
+                  <a:rPr lang="en-ID" dirty="0"/>
+                  <a:t>Calculate power output</a:t>
+                </a:r>
+              </a:p>
+              <a:p>
+                <a:pPr marL="0" indent="0">
+                  <a:buNone/>
+                </a:pPr>
+                <a:r>
+                  <a:rPr lang="en-ID" dirty="0"/>
+                  <a:t>Formula : </a:t>
+                </a:r>
+                <a14:m>
+                  <m:oMath xmlns:m="http://schemas.openxmlformats.org/officeDocument/2006/math">
+                    <m:r>
+                      <a:rPr lang="en-ID" b="0" i="1" smtClean="0">
+                        <a:latin typeface="Cambria Math" panose="02040503050406030204" pitchFamily="18" charset="0"/>
+                      </a:rPr>
+                      <m:t>𝑃</m:t>
+                    </m:r>
+                    <m:r>
+                      <a:rPr lang="en-ID" b="0" i="1" smtClean="0">
+                        <a:latin typeface="Cambria Math" panose="02040503050406030204" pitchFamily="18" charset="0"/>
+                      </a:rPr>
+                      <m:t>=</m:t>
+                    </m:r>
+                    <m:r>
+                      <a:rPr lang="en-ID" b="0" i="1" smtClean="0">
+                        <a:latin typeface="Cambria Math" panose="02040503050406030204" pitchFamily="18" charset="0"/>
+                      </a:rPr>
+                      <m:t>𝑉</m:t>
+                    </m:r>
+                    <m:r>
+                      <a:rPr lang="en-ID" b="0" i="1" smtClean="0">
+                        <a:latin typeface="Cambria Math" panose="02040503050406030204" pitchFamily="18" charset="0"/>
+                      </a:rPr>
+                      <m:t>.</m:t>
+                    </m:r>
+                    <m:r>
+                      <a:rPr lang="en-ID" b="0" i="1" smtClean="0">
+                        <a:latin typeface="Cambria Math" panose="02040503050406030204" pitchFamily="18" charset="0"/>
+                      </a:rPr>
+                      <m:t>𝐼</m:t>
+                    </m:r>
+                  </m:oMath>
+                </a14:m>
+                <a:r>
+                  <a:rPr lang="en-ID" dirty="0"/>
+                  <a:t>   </a:t>
+                </a:r>
+                <a:r>
+                  <a:rPr lang="en-ID" i="1" dirty="0"/>
+                  <a:t>P =</a:t>
+                </a:r>
+                <a:r>
+                  <a:rPr lang="en-ID" dirty="0"/>
+                  <a:t> Power</a:t>
+                </a:r>
+                <a:r>
+                  <a:rPr lang="en-ID" i="1" dirty="0"/>
+                  <a:t>  V</a:t>
+                </a:r>
+                <a:r>
+                  <a:rPr lang="en-ID" dirty="0"/>
+                  <a:t>= Voltage, </a:t>
+                </a:r>
+                <a:r>
+                  <a:rPr lang="en-ID" i="1" dirty="0"/>
+                  <a:t>I</a:t>
+                </a:r>
+                <a:r>
+                  <a:rPr lang="en-ID" dirty="0"/>
+                  <a:t>= Current</a:t>
+                </a:r>
+              </a:p>
+              <a:p>
+                <a:pPr marL="0" indent="0">
+                  <a:buNone/>
+                </a:pPr>
+                <a:endParaRPr lang="id-ID" dirty="0"/>
+              </a:p>
+            </p:txBody>
+          </p:sp>
+        </mc:Choice>
+        <mc:Fallback>
+          <p:sp>
+            <p:nvSpPr>
+              <p:cNvPr id="8" name="Content Placeholder 7">
+                <a:extLst>
+                  <a:ext uri="{FF2B5EF4-FFF2-40B4-BE49-F238E27FC236}">
+                    <a16:creationId xmlns:a16="http://schemas.microsoft.com/office/drawing/2014/main" id="{C10B5F32-080B-4D2D-89E1-7FB9211634F8}"/>
+                  </a:ext>
+                </a:extLst>
+              </p:cNvPr>
+              <p:cNvSpPr>
+                <a:spLocks noGrp="1" noRot="1" noChangeAspect="1" noMove="1" noResize="1" noEditPoints="1" noAdjustHandles="1" noChangeArrowheads="1" noChangeShapeType="1" noTextEdit="1"/>
+              </p:cNvSpPr>
+              <p:nvPr>
+                <p:ph idx="1"/>
+              </p:nvPr>
+            </p:nvSpPr>
+            <p:spPr>
+              <a:xfrm>
+                <a:off x="5043714" y="798974"/>
+                <a:ext cx="5703615" cy="1726067"/>
+              </a:xfrm>
+              <a:blipFill>
+                <a:blip r:embed="rId2"/>
+                <a:stretch>
+                  <a:fillRect l="-1068" r="-1068"/>
+                </a:stretch>
+              </a:blipFill>
+            </p:spPr>
+            <p:txBody>
+              <a:bodyPr/>
+              <a:lstStyle/>
+              <a:p>
+                <a:r>
+                  <a:rPr lang="id-ID">
+                    <a:noFill/>
+                  </a:rPr>
+                  <a:t> </a:t>
+                </a:r>
+              </a:p>
+            </p:txBody>
+          </p:sp>
+        </mc:Fallback>
+      </mc:AlternateContent>
+      <p:sp>
+        <p:nvSpPr>
+          <p:cNvPr id="10" name="Rectangle: Rounded Corners 9">
+            <a:extLst>
+              <a:ext uri="{FF2B5EF4-FFF2-40B4-BE49-F238E27FC236}">
+                <a16:creationId xmlns:a16="http://schemas.microsoft.com/office/drawing/2014/main" id="{BC4140A5-0990-43B4-A2A6-EB0E9B5DB4B9}"/>
+              </a:ext>
+            </a:extLst>
+          </p:cNvPr>
+          <p:cNvSpPr/>
+          <p:nvPr/>
+        </p:nvSpPr>
+        <p:spPr>
+          <a:xfrm>
+            <a:off x="6096000" y="1537292"/>
+            <a:ext cx="980209" cy="301336"/>
+          </a:xfrm>
+          <a:prstGeom prst="roundRect">
+            <a:avLst/>
+          </a:prstGeom>
+          <a:noFill/>
+        </p:spPr>
+        <p:style>
+          <a:lnRef idx="2">
+            <a:schemeClr val="accent6">
+              <a:shade val="50000"/>
+            </a:schemeClr>
+          </a:lnRef>
+          <a:fillRef idx="1">
+            <a:schemeClr val="accent6"/>
+          </a:fillRef>
+          <a:effectRef idx="0">
+            <a:schemeClr val="accent6"/>
+          </a:effectRef>
+          <a:fontRef idx="minor">
+            <a:schemeClr val="lt1"/>
+          </a:fontRef>
+        </p:style>
+        <p:txBody>
+          <a:bodyPr rtlCol="0" anchor="ctr"/>
+          <a:lstStyle/>
+          <a:p>
+            <a:pPr algn="ctr"/>
+            <a:endParaRPr lang="id-ID"/>
+          </a:p>
+        </p:txBody>
+      </p:sp>
+      <p:sp>
+        <p:nvSpPr>
+          <p:cNvPr id="2" name="Title 1">
+            <a:extLst>
+              <a:ext uri="{FF2B5EF4-FFF2-40B4-BE49-F238E27FC236}">
+                <a16:creationId xmlns:a16="http://schemas.microsoft.com/office/drawing/2014/main" id="{16E1CA86-ED1E-438A-B00B-CF3E966A9266}"/>
+              </a:ext>
+            </a:extLst>
+          </p:cNvPr>
+          <p:cNvSpPr>
+            <a:spLocks noGrp="1"/>
+          </p:cNvSpPr>
+          <p:nvPr>
+            <p:ph type="title"/>
+          </p:nvPr>
+        </p:nvSpPr>
+        <p:spPr>
+          <a:xfrm>
+            <a:off x="1446585" y="-90012"/>
+            <a:ext cx="3273099" cy="1777972"/>
+          </a:xfrm>
+        </p:spPr>
+        <p:txBody>
+          <a:bodyPr/>
+          <a:lstStyle/>
+          <a:p>
+            <a:r>
+              <a:rPr lang="en-ID" dirty="0"/>
+              <a:t>Prepare the power supply</a:t>
+            </a:r>
+            <a:endParaRPr lang="id-ID" dirty="0"/>
+          </a:p>
+        </p:txBody>
+      </p:sp>
+      <p:sp>
+        <p:nvSpPr>
+          <p:cNvPr id="4" name="Text Placeholder 3">
+            <a:extLst>
+              <a:ext uri="{FF2B5EF4-FFF2-40B4-BE49-F238E27FC236}">
+                <a16:creationId xmlns:a16="http://schemas.microsoft.com/office/drawing/2014/main" id="{203407EF-7BE5-4BA1-AC6F-468967B35420}"/>
+              </a:ext>
+            </a:extLst>
+          </p:cNvPr>
+          <p:cNvSpPr>
+            <a:spLocks noGrp="1"/>
+          </p:cNvSpPr>
+          <p:nvPr>
+            <p:ph type="body" sz="half" idx="2"/>
+          </p:nvPr>
+        </p:nvSpPr>
+        <p:spPr>
+          <a:xfrm>
+            <a:off x="1444671" y="3205491"/>
+            <a:ext cx="3275013" cy="2250912"/>
+          </a:xfrm>
+        </p:spPr>
+        <p:txBody>
+          <a:bodyPr/>
+          <a:lstStyle/>
+          <a:p>
+            <a:r>
+              <a:rPr lang="en-ID" dirty="0"/>
+              <a:t>Type : Symmetrical Output</a:t>
+            </a:r>
+          </a:p>
+          <a:p>
+            <a:r>
+              <a:rPr lang="en-ID" dirty="0"/>
+              <a:t>Materials : </a:t>
+            </a:r>
+          </a:p>
+          <a:p>
+            <a:pPr marL="285750" indent="-285750">
+              <a:buFontTx/>
+              <a:buChar char="-"/>
+            </a:pPr>
+            <a:r>
+              <a:rPr lang="en-ID" dirty="0"/>
+              <a:t>Step down </a:t>
+            </a:r>
+            <a:r>
+              <a:rPr lang="en-ID" dirty="0" err="1"/>
+              <a:t>transformator</a:t>
+            </a:r>
+            <a:endParaRPr lang="en-ID" dirty="0"/>
+          </a:p>
+          <a:p>
+            <a:pPr marL="285750" indent="-285750">
+              <a:buFontTx/>
+              <a:buChar char="-"/>
+            </a:pPr>
+            <a:r>
+              <a:rPr lang="en-ID" dirty="0"/>
+              <a:t>Diode</a:t>
+            </a:r>
+          </a:p>
+          <a:p>
+            <a:pPr marL="285750" indent="-285750">
+              <a:buFontTx/>
+              <a:buChar char="-"/>
+            </a:pPr>
+            <a:r>
+              <a:rPr lang="en-ID" dirty="0" err="1"/>
+              <a:t>Elco</a:t>
+            </a:r>
+            <a:r>
+              <a:rPr lang="en-ID" dirty="0"/>
+              <a:t> </a:t>
+            </a:r>
+            <a:endParaRPr lang="id-ID" dirty="0"/>
+          </a:p>
+        </p:txBody>
+      </p:sp>
+      <p:pic>
+        <p:nvPicPr>
+          <p:cNvPr id="7" name="Picture 6">
+            <a:extLst>
+              <a:ext uri="{FF2B5EF4-FFF2-40B4-BE49-F238E27FC236}">
+                <a16:creationId xmlns:a16="http://schemas.microsoft.com/office/drawing/2014/main" id="{C1B8F52C-0873-4301-95C5-0ACBA3C6DCAE}"/>
+              </a:ext>
+            </a:extLst>
+          </p:cNvPr>
+          <p:cNvPicPr>
+            <a:picLocks noChangeAspect="1"/>
+          </p:cNvPicPr>
+          <p:nvPr/>
+        </p:nvPicPr>
+        <p:blipFill rotWithShape="1">
+          <a:blip r:embed="rId3"/>
+          <a:srcRect t="7826"/>
+          <a:stretch/>
+        </p:blipFill>
+        <p:spPr>
+          <a:xfrm>
+            <a:off x="5043714" y="2038989"/>
+            <a:ext cx="5703615" cy="1848388"/>
+          </a:xfrm>
+          <a:prstGeom prst="rect">
+            <a:avLst/>
+          </a:prstGeom>
+        </p:spPr>
+      </p:pic>
+      <p:sp>
+        <p:nvSpPr>
+          <p:cNvPr id="3" name="TextBox 2">
+            <a:extLst>
+              <a:ext uri="{FF2B5EF4-FFF2-40B4-BE49-F238E27FC236}">
+                <a16:creationId xmlns:a16="http://schemas.microsoft.com/office/drawing/2014/main" id="{6526C123-59E8-40BE-A2AB-8863ADEBB2E2}"/>
+              </a:ext>
+            </a:extLst>
+          </p:cNvPr>
+          <p:cNvSpPr txBox="1"/>
+          <p:nvPr/>
+        </p:nvSpPr>
+        <p:spPr>
+          <a:xfrm>
+            <a:off x="5043714" y="3940507"/>
+            <a:ext cx="985719" cy="646331"/>
+          </a:xfrm>
+          <a:prstGeom prst="rect">
+            <a:avLst/>
+          </a:prstGeom>
+          <a:noFill/>
+        </p:spPr>
+        <p:txBody>
+          <a:bodyPr wrap="none" rtlCol="0">
+            <a:spAutoFit/>
+          </a:bodyPr>
+          <a:lstStyle/>
+          <a:p>
+            <a:r>
+              <a:rPr lang="en-ID" dirty="0"/>
+              <a:t>35 Volt</a:t>
+            </a:r>
+          </a:p>
+          <a:p>
+            <a:r>
+              <a:rPr lang="en-ID" dirty="0"/>
+              <a:t>2 </a:t>
+            </a:r>
+            <a:r>
+              <a:rPr lang="en-ID" dirty="0" err="1"/>
+              <a:t>Ampre</a:t>
+            </a:r>
+            <a:endParaRPr lang="id-ID" dirty="0"/>
+          </a:p>
+        </p:txBody>
+      </p:sp>
+      <mc:AlternateContent xmlns:mc="http://schemas.openxmlformats.org/markup-compatibility/2006">
+        <mc:Choice xmlns:a14="http://schemas.microsoft.com/office/drawing/2010/main" Requires="a14">
+          <p:sp>
+            <p:nvSpPr>
+              <p:cNvPr id="5" name="TextBox 4">
+                <a:extLst>
+                  <a:ext uri="{FF2B5EF4-FFF2-40B4-BE49-F238E27FC236}">
+                    <a16:creationId xmlns:a16="http://schemas.microsoft.com/office/drawing/2014/main" id="{E372DA94-0FAF-4BD5-A6E0-7D5D1DA4525D}"/>
+                  </a:ext>
+                </a:extLst>
+              </p:cNvPr>
+              <p:cNvSpPr txBox="1"/>
+              <p:nvPr/>
+            </p:nvSpPr>
+            <p:spPr>
+              <a:xfrm>
+                <a:off x="6277154" y="4022459"/>
+                <a:ext cx="1310807" cy="369332"/>
+              </a:xfrm>
+              <a:prstGeom prst="rect">
+                <a:avLst/>
+              </a:prstGeom>
+              <a:noFill/>
+            </p:spPr>
+            <p:txBody>
+              <a:bodyPr wrap="none" rtlCol="0">
+                <a:spAutoFit/>
+              </a:bodyPr>
+              <a:lstStyle/>
+              <a:p>
+                <a14:m>
+                  <m:oMathPara xmlns:m="http://schemas.openxmlformats.org/officeDocument/2006/math">
+                    <m:oMathParaPr>
+                      <m:jc m:val="centerGroup"/>
+                    </m:oMathParaPr>
+                    <m:oMath xmlns:m="http://schemas.openxmlformats.org/officeDocument/2006/math">
+                      <m:r>
+                        <a:rPr lang="en-ID" i="1" dirty="0" smtClean="0">
+                          <a:latin typeface="Cambria Math" panose="02040503050406030204" pitchFamily="18" charset="0"/>
+                        </a:rPr>
+                        <m:t>𝑃</m:t>
+                      </m:r>
+                      <m:r>
+                        <a:rPr lang="en-ID" i="1" dirty="0" smtClean="0">
+                          <a:latin typeface="Cambria Math" panose="02040503050406030204" pitchFamily="18" charset="0"/>
+                        </a:rPr>
+                        <m:t> = 35 . 2</m:t>
+                      </m:r>
+                    </m:oMath>
+                  </m:oMathPara>
+                </a14:m>
+                <a:endParaRPr lang="en-ID" i="1" dirty="0">
+                  <a:latin typeface="Cambria Math" panose="02040503050406030204" pitchFamily="18" charset="0"/>
+                </a:endParaRPr>
+              </a:p>
+            </p:txBody>
+          </p:sp>
+        </mc:Choice>
+        <mc:Fallback>
+          <p:sp>
+            <p:nvSpPr>
+              <p:cNvPr id="5" name="TextBox 4">
+                <a:extLst>
+                  <a:ext uri="{FF2B5EF4-FFF2-40B4-BE49-F238E27FC236}">
+                    <a16:creationId xmlns:a16="http://schemas.microsoft.com/office/drawing/2014/main" id="{E372DA94-0FAF-4BD5-A6E0-7D5D1DA4525D}"/>
+                  </a:ext>
+                </a:extLst>
+              </p:cNvPr>
+              <p:cNvSpPr txBox="1">
+                <a:spLocks noRot="1" noChangeAspect="1" noMove="1" noResize="1" noEditPoints="1" noAdjustHandles="1" noChangeArrowheads="1" noChangeShapeType="1" noTextEdit="1"/>
+              </p:cNvSpPr>
+              <p:nvPr/>
+            </p:nvSpPr>
+            <p:spPr>
+              <a:xfrm>
+                <a:off x="6277154" y="4022459"/>
+                <a:ext cx="1310807" cy="369332"/>
+              </a:xfrm>
+              <a:prstGeom prst="rect">
+                <a:avLst/>
+              </a:prstGeom>
+              <a:blipFill>
+                <a:blip r:embed="rId4"/>
+                <a:stretch>
+                  <a:fillRect/>
+                </a:stretch>
+              </a:blipFill>
+            </p:spPr>
+            <p:txBody>
+              <a:bodyPr/>
+              <a:lstStyle/>
+              <a:p>
+                <a:r>
+                  <a:rPr lang="id-ID">
+                    <a:noFill/>
+                  </a:rPr>
+                  <a:t> </a:t>
+                </a:r>
+              </a:p>
+            </p:txBody>
+          </p:sp>
+        </mc:Fallback>
+      </mc:AlternateContent>
+      <mc:AlternateContent xmlns:mc="http://schemas.openxmlformats.org/markup-compatibility/2006">
+        <mc:Choice xmlns:a14="http://schemas.microsoft.com/office/drawing/2010/main" Requires="a14">
+          <p:sp>
+            <p:nvSpPr>
+              <p:cNvPr id="9" name="TextBox 8">
+                <a:extLst>
+                  <a:ext uri="{FF2B5EF4-FFF2-40B4-BE49-F238E27FC236}">
+                    <a16:creationId xmlns:a16="http://schemas.microsoft.com/office/drawing/2014/main" id="{E5F05866-AF3E-4F44-AAE0-2ED2C81EDFF3}"/>
+                  </a:ext>
+                </a:extLst>
+              </p:cNvPr>
+              <p:cNvSpPr txBox="1"/>
+              <p:nvPr/>
+            </p:nvSpPr>
+            <p:spPr>
+              <a:xfrm>
+                <a:off x="6096000" y="4207125"/>
+                <a:ext cx="1426152" cy="369332"/>
+              </a:xfrm>
+              <a:prstGeom prst="rect">
+                <a:avLst/>
+              </a:prstGeom>
+              <a:noFill/>
+            </p:spPr>
+            <p:txBody>
+              <a:bodyPr wrap="square">
+                <a:spAutoFit/>
+              </a:bodyPr>
+              <a:lstStyle/>
+              <a:p>
+                <a:pPr/>
+                <a14:m>
+                  <m:oMathPara xmlns:m="http://schemas.openxmlformats.org/officeDocument/2006/math">
+                    <m:oMathParaPr>
+                      <m:jc m:val="centerGroup"/>
+                    </m:oMathParaPr>
+                    <m:oMath xmlns:m="http://schemas.openxmlformats.org/officeDocument/2006/math">
+                      <m:r>
+                        <a:rPr lang="en-ID" i="1" dirty="0" smtClean="0">
+                          <a:latin typeface="Cambria Math" panose="02040503050406030204" pitchFamily="18" charset="0"/>
+                        </a:rPr>
+                        <m:t>𝑃</m:t>
+                      </m:r>
+                      <m:r>
+                        <a:rPr lang="en-ID" i="1" dirty="0">
+                          <a:latin typeface="Cambria Math" panose="02040503050406030204" pitchFamily="18" charset="0"/>
+                        </a:rPr>
+                        <m:t> </m:t>
+                      </m:r>
+                      <m:r>
+                        <a:rPr lang="en-ID" i="1" dirty="0" smtClean="0">
+                          <a:latin typeface="Cambria Math" panose="02040503050406030204" pitchFamily="18" charset="0"/>
+                        </a:rPr>
+                        <m:t>=</m:t>
+                      </m:r>
+                      <m:r>
+                        <a:rPr lang="en-ID" i="1" dirty="0">
+                          <a:latin typeface="Cambria Math" panose="02040503050406030204" pitchFamily="18" charset="0"/>
+                        </a:rPr>
+                        <m:t> </m:t>
+                      </m:r>
+                      <m:r>
+                        <a:rPr lang="en-ID" i="1" dirty="0" smtClean="0">
+                          <a:latin typeface="Cambria Math" panose="02040503050406030204" pitchFamily="18" charset="0"/>
+                        </a:rPr>
+                        <m:t>7</m:t>
+                      </m:r>
+                      <m:r>
+                        <a:rPr lang="en-ID" i="1" dirty="0">
+                          <a:latin typeface="Cambria Math" panose="02040503050406030204" pitchFamily="18" charset="0"/>
+                        </a:rPr>
+                        <m:t>0</m:t>
+                      </m:r>
+                    </m:oMath>
+                  </m:oMathPara>
+                </a14:m>
+                <a:endParaRPr lang="id-ID" dirty="0"/>
+              </a:p>
+            </p:txBody>
+          </p:sp>
+        </mc:Choice>
+        <mc:Fallback>
+          <p:sp>
+            <p:nvSpPr>
+              <p:cNvPr id="9" name="TextBox 8">
+                <a:extLst>
+                  <a:ext uri="{FF2B5EF4-FFF2-40B4-BE49-F238E27FC236}">
+                    <a16:creationId xmlns:a16="http://schemas.microsoft.com/office/drawing/2014/main" id="{E5F05866-AF3E-4F44-AAE0-2ED2C81EDFF3}"/>
+                  </a:ext>
+                </a:extLst>
+              </p:cNvPr>
+              <p:cNvSpPr txBox="1">
+                <a:spLocks noRot="1" noChangeAspect="1" noMove="1" noResize="1" noEditPoints="1" noAdjustHandles="1" noChangeArrowheads="1" noChangeShapeType="1" noTextEdit="1"/>
+              </p:cNvSpPr>
+              <p:nvPr/>
+            </p:nvSpPr>
+            <p:spPr>
+              <a:xfrm>
+                <a:off x="6096000" y="4207125"/>
+                <a:ext cx="1426152" cy="369332"/>
+              </a:xfrm>
+              <a:prstGeom prst="rect">
+                <a:avLst/>
+              </a:prstGeom>
+              <a:blipFill>
+                <a:blip r:embed="rId5"/>
+                <a:stretch>
+                  <a:fillRect/>
+                </a:stretch>
+              </a:blipFill>
+            </p:spPr>
+            <p:txBody>
+              <a:bodyPr/>
+              <a:lstStyle/>
+              <a:p>
+                <a:r>
+                  <a:rPr lang="id-ID">
+                    <a:noFill/>
+                  </a:rPr>
+                  <a:t> </a:t>
+                </a:r>
+              </a:p>
+            </p:txBody>
+          </p:sp>
+        </mc:Fallback>
+      </mc:AlternateContent>
+      <p:sp>
+        <p:nvSpPr>
+          <p:cNvPr id="11" name="Rectangle 10">
+            <a:extLst>
+              <a:ext uri="{FF2B5EF4-FFF2-40B4-BE49-F238E27FC236}">
+                <a16:creationId xmlns:a16="http://schemas.microsoft.com/office/drawing/2014/main" id="{388FB95E-4A10-45C4-ADB1-D840230A6B45}"/>
+              </a:ext>
+            </a:extLst>
+          </p:cNvPr>
+          <p:cNvSpPr/>
+          <p:nvPr/>
+        </p:nvSpPr>
+        <p:spPr>
+          <a:xfrm>
+            <a:off x="6277154" y="4022458"/>
+            <a:ext cx="1310807" cy="528632"/>
+          </a:xfrm>
+          <a:prstGeom prst="rect">
+            <a:avLst/>
+          </a:prstGeom>
+          <a:noFill/>
+          <a:ln>
+            <a:solidFill>
+              <a:schemeClr val="tx1"/>
+            </a:solidFill>
+          </a:ln>
+        </p:spPr>
+        <p:style>
+          <a:lnRef idx="2">
+            <a:schemeClr val="accent1">
+              <a:shade val="50000"/>
+            </a:schemeClr>
+          </a:lnRef>
+          <a:fillRef idx="1">
+            <a:schemeClr val="accent1"/>
+          </a:fillRef>
+          <a:effectRef idx="0">
+            <a:schemeClr val="accent1"/>
+          </a:effectRef>
+          <a:fontRef idx="minor">
+            <a:schemeClr val="lt1"/>
+          </a:fontRef>
+        </p:style>
+        <p:txBody>
+          <a:bodyPr rtlCol="0" anchor="ctr"/>
+          <a:lstStyle/>
+          <a:p>
+            <a:pPr algn="ctr"/>
+            <a:endParaRPr lang="id-ID"/>
+          </a:p>
+        </p:txBody>
+      </p:sp>
+      <p:sp>
+        <p:nvSpPr>
+          <p:cNvPr id="13" name="TextBox 12">
+            <a:extLst>
+              <a:ext uri="{FF2B5EF4-FFF2-40B4-BE49-F238E27FC236}">
+                <a16:creationId xmlns:a16="http://schemas.microsoft.com/office/drawing/2014/main" id="{64E83D20-C53D-4C23-BFBD-A2B93536BD84}"/>
+              </a:ext>
+            </a:extLst>
+          </p:cNvPr>
+          <p:cNvSpPr txBox="1"/>
+          <p:nvPr/>
+        </p:nvSpPr>
+        <p:spPr>
+          <a:xfrm>
+            <a:off x="5043714" y="4659558"/>
+            <a:ext cx="985719" cy="646331"/>
+          </a:xfrm>
+          <a:prstGeom prst="rect">
+            <a:avLst/>
+          </a:prstGeom>
+          <a:noFill/>
+        </p:spPr>
+        <p:txBody>
+          <a:bodyPr wrap="none" rtlCol="0">
+            <a:spAutoFit/>
+          </a:bodyPr>
+          <a:lstStyle/>
+          <a:p>
+            <a:r>
+              <a:rPr lang="en-ID" dirty="0"/>
+              <a:t>30 Volt</a:t>
+            </a:r>
+          </a:p>
+          <a:p>
+            <a:r>
+              <a:rPr lang="en-ID" dirty="0"/>
+              <a:t>5 </a:t>
+            </a:r>
+            <a:r>
+              <a:rPr lang="en-ID" dirty="0" err="1"/>
+              <a:t>Ampre</a:t>
+            </a:r>
+            <a:endParaRPr lang="id-ID" dirty="0"/>
+          </a:p>
+        </p:txBody>
+      </p:sp>
+      <mc:AlternateContent xmlns:mc="http://schemas.openxmlformats.org/markup-compatibility/2006">
+        <mc:Choice xmlns:a14="http://schemas.microsoft.com/office/drawing/2010/main" Requires="a14">
+          <p:sp>
+            <p:nvSpPr>
+              <p:cNvPr id="14" name="TextBox 13">
+                <a:extLst>
+                  <a:ext uri="{FF2B5EF4-FFF2-40B4-BE49-F238E27FC236}">
+                    <a16:creationId xmlns:a16="http://schemas.microsoft.com/office/drawing/2014/main" id="{3E08C4A7-E6D1-496B-8864-25F0CC656396}"/>
+                  </a:ext>
+                </a:extLst>
+              </p:cNvPr>
+              <p:cNvSpPr txBox="1"/>
+              <p:nvPr/>
+            </p:nvSpPr>
+            <p:spPr>
+              <a:xfrm>
+                <a:off x="6277154" y="4741510"/>
+                <a:ext cx="1259511" cy="369332"/>
+              </a:xfrm>
+              <a:prstGeom prst="rect">
+                <a:avLst/>
+              </a:prstGeom>
+              <a:noFill/>
+            </p:spPr>
+            <p:txBody>
+              <a:bodyPr wrap="none" rtlCol="0">
+                <a:spAutoFit/>
+              </a:bodyPr>
+              <a:lstStyle/>
+              <a:p>
+                <a14:m>
+                  <m:oMathPara xmlns:m="http://schemas.openxmlformats.org/officeDocument/2006/math">
+                    <m:oMathParaPr>
+                      <m:jc m:val="centerGroup"/>
+                    </m:oMathParaPr>
+                    <m:oMath xmlns:m="http://schemas.openxmlformats.org/officeDocument/2006/math">
+                      <m:r>
+                        <a:rPr lang="en-ID" i="1" dirty="0" smtClean="0">
+                          <a:latin typeface="Cambria Math" panose="02040503050406030204" pitchFamily="18" charset="0"/>
+                        </a:rPr>
+                        <m:t>𝑃</m:t>
+                      </m:r>
+                      <m:r>
+                        <a:rPr lang="en-ID" i="1" dirty="0" smtClean="0">
+                          <a:latin typeface="Cambria Math" panose="02040503050406030204" pitchFamily="18" charset="0"/>
+                        </a:rPr>
+                        <m:t> =30 . </m:t>
+                      </m:r>
+                      <m:r>
+                        <a:rPr lang="en-ID" b="0" i="1" dirty="0" smtClean="0">
+                          <a:latin typeface="Cambria Math" panose="02040503050406030204" pitchFamily="18" charset="0"/>
+                        </a:rPr>
+                        <m:t>5</m:t>
+                      </m:r>
+                    </m:oMath>
+                  </m:oMathPara>
+                </a14:m>
+                <a:endParaRPr lang="en-ID" i="1" dirty="0">
+                  <a:latin typeface="Cambria Math" panose="02040503050406030204" pitchFamily="18" charset="0"/>
+                </a:endParaRPr>
+              </a:p>
+            </p:txBody>
+          </p:sp>
+        </mc:Choice>
+        <mc:Fallback>
+          <p:sp>
+            <p:nvSpPr>
+              <p:cNvPr id="14" name="TextBox 13">
+                <a:extLst>
+                  <a:ext uri="{FF2B5EF4-FFF2-40B4-BE49-F238E27FC236}">
+                    <a16:creationId xmlns:a16="http://schemas.microsoft.com/office/drawing/2014/main" id="{3E08C4A7-E6D1-496B-8864-25F0CC656396}"/>
+                  </a:ext>
+                </a:extLst>
+              </p:cNvPr>
+              <p:cNvSpPr txBox="1">
+                <a:spLocks noRot="1" noChangeAspect="1" noMove="1" noResize="1" noEditPoints="1" noAdjustHandles="1" noChangeArrowheads="1" noChangeShapeType="1" noTextEdit="1"/>
+              </p:cNvSpPr>
+              <p:nvPr/>
+            </p:nvSpPr>
+            <p:spPr>
+              <a:xfrm>
+                <a:off x="6277154" y="4741510"/>
+                <a:ext cx="1259511" cy="369332"/>
+              </a:xfrm>
+              <a:prstGeom prst="rect">
+                <a:avLst/>
+              </a:prstGeom>
+              <a:blipFill>
+                <a:blip r:embed="rId6"/>
+                <a:stretch>
+                  <a:fillRect/>
+                </a:stretch>
+              </a:blipFill>
+            </p:spPr>
+            <p:txBody>
+              <a:bodyPr/>
+              <a:lstStyle/>
+              <a:p>
+                <a:r>
+                  <a:rPr lang="id-ID">
+                    <a:noFill/>
+                  </a:rPr>
+                  <a:t> </a:t>
+                </a:r>
+              </a:p>
+            </p:txBody>
+          </p:sp>
+        </mc:Fallback>
+      </mc:AlternateContent>
+      <mc:AlternateContent xmlns:mc="http://schemas.openxmlformats.org/markup-compatibility/2006">
+        <mc:Choice xmlns:a14="http://schemas.microsoft.com/office/drawing/2010/main" Requires="a14">
+          <p:sp>
+            <p:nvSpPr>
+              <p:cNvPr id="15" name="TextBox 14">
+                <a:extLst>
+                  <a:ext uri="{FF2B5EF4-FFF2-40B4-BE49-F238E27FC236}">
+                    <a16:creationId xmlns:a16="http://schemas.microsoft.com/office/drawing/2014/main" id="{C1C1B371-4475-4D55-AB68-F18027BE6D57}"/>
+                  </a:ext>
+                </a:extLst>
+              </p:cNvPr>
+              <p:cNvSpPr txBox="1"/>
+              <p:nvPr/>
+            </p:nvSpPr>
+            <p:spPr>
+              <a:xfrm>
+                <a:off x="6120245" y="4941870"/>
+                <a:ext cx="1426152" cy="369332"/>
+              </a:xfrm>
+              <a:prstGeom prst="rect">
+                <a:avLst/>
+              </a:prstGeom>
+              <a:noFill/>
+            </p:spPr>
+            <p:txBody>
+              <a:bodyPr wrap="square">
+                <a:spAutoFit/>
+              </a:bodyPr>
+              <a:lstStyle/>
+              <a:p>
+                <a:pPr/>
+                <a14:m>
+                  <m:oMathPara xmlns:m="http://schemas.openxmlformats.org/officeDocument/2006/math">
+                    <m:oMathParaPr>
+                      <m:jc m:val="centerGroup"/>
+                    </m:oMathParaPr>
+                    <m:oMath xmlns:m="http://schemas.openxmlformats.org/officeDocument/2006/math">
+                      <m:r>
+                        <a:rPr lang="en-ID" i="1" dirty="0" smtClean="0">
+                          <a:latin typeface="Cambria Math" panose="02040503050406030204" pitchFamily="18" charset="0"/>
+                        </a:rPr>
+                        <m:t>𝑃</m:t>
+                      </m:r>
+                      <m:r>
+                        <a:rPr lang="en-ID" i="1" dirty="0">
+                          <a:latin typeface="Cambria Math" panose="02040503050406030204" pitchFamily="18" charset="0"/>
+                        </a:rPr>
+                        <m:t> </m:t>
+                      </m:r>
+                      <m:r>
+                        <a:rPr lang="en-ID" i="1" dirty="0" smtClean="0">
+                          <a:latin typeface="Cambria Math" panose="02040503050406030204" pitchFamily="18" charset="0"/>
+                        </a:rPr>
+                        <m:t>=</m:t>
+                      </m:r>
+                      <m:r>
+                        <a:rPr lang="en-ID" b="0" i="1" dirty="0" smtClean="0">
+                          <a:latin typeface="Cambria Math" panose="02040503050406030204" pitchFamily="18" charset="0"/>
+                        </a:rPr>
+                        <m:t>150</m:t>
+                      </m:r>
+                    </m:oMath>
+                  </m:oMathPara>
+                </a14:m>
+                <a:endParaRPr lang="id-ID" dirty="0"/>
+              </a:p>
+            </p:txBody>
+          </p:sp>
+        </mc:Choice>
+        <mc:Fallback>
+          <p:sp>
+            <p:nvSpPr>
+              <p:cNvPr id="15" name="TextBox 14">
+                <a:extLst>
+                  <a:ext uri="{FF2B5EF4-FFF2-40B4-BE49-F238E27FC236}">
+                    <a16:creationId xmlns:a16="http://schemas.microsoft.com/office/drawing/2014/main" id="{C1C1B371-4475-4D55-AB68-F18027BE6D57}"/>
+                  </a:ext>
+                </a:extLst>
+              </p:cNvPr>
+              <p:cNvSpPr txBox="1">
+                <a:spLocks noRot="1" noChangeAspect="1" noMove="1" noResize="1" noEditPoints="1" noAdjustHandles="1" noChangeArrowheads="1" noChangeShapeType="1" noTextEdit="1"/>
+              </p:cNvSpPr>
+              <p:nvPr/>
+            </p:nvSpPr>
+            <p:spPr>
+              <a:xfrm>
+                <a:off x="6120245" y="4941870"/>
+                <a:ext cx="1426152" cy="369332"/>
+              </a:xfrm>
+              <a:prstGeom prst="rect">
+                <a:avLst/>
+              </a:prstGeom>
+              <a:blipFill>
+                <a:blip r:embed="rId7"/>
+                <a:stretch>
+                  <a:fillRect/>
+                </a:stretch>
+              </a:blipFill>
+            </p:spPr>
+            <p:txBody>
+              <a:bodyPr/>
+              <a:lstStyle/>
+              <a:p>
+                <a:r>
+                  <a:rPr lang="id-ID">
+                    <a:noFill/>
+                  </a:rPr>
+                  <a:t> </a:t>
+                </a:r>
+              </a:p>
+            </p:txBody>
+          </p:sp>
+        </mc:Fallback>
+      </mc:AlternateContent>
+      <p:sp>
+        <p:nvSpPr>
+          <p:cNvPr id="16" name="Rectangle 15">
+            <a:extLst>
+              <a:ext uri="{FF2B5EF4-FFF2-40B4-BE49-F238E27FC236}">
+                <a16:creationId xmlns:a16="http://schemas.microsoft.com/office/drawing/2014/main" id="{ABF3656A-3DB0-4A62-A0FF-606410F606C1}"/>
+              </a:ext>
+            </a:extLst>
+          </p:cNvPr>
+          <p:cNvSpPr/>
+          <p:nvPr/>
+        </p:nvSpPr>
+        <p:spPr>
+          <a:xfrm>
+            <a:off x="6277154" y="4741509"/>
+            <a:ext cx="1310807" cy="528632"/>
+          </a:xfrm>
+          <a:prstGeom prst="rect">
+            <a:avLst/>
+          </a:prstGeom>
+          <a:noFill/>
+          <a:ln>
+            <a:solidFill>
+              <a:schemeClr val="tx1"/>
+            </a:solidFill>
+          </a:ln>
+        </p:spPr>
+        <p:style>
+          <a:lnRef idx="2">
+            <a:schemeClr val="accent1">
+              <a:shade val="50000"/>
+            </a:schemeClr>
+          </a:lnRef>
+          <a:fillRef idx="1">
+            <a:schemeClr val="accent1"/>
+          </a:fillRef>
+          <a:effectRef idx="0">
+            <a:schemeClr val="accent1"/>
+          </a:effectRef>
+          <a:fontRef idx="minor">
+            <a:schemeClr val="lt1"/>
+          </a:fontRef>
+        </p:style>
+        <p:txBody>
+          <a:bodyPr rtlCol="0" anchor="ctr"/>
+          <a:lstStyle/>
+          <a:p>
+            <a:pPr algn="ctr"/>
+            <a:endParaRPr lang="id-ID"/>
+          </a:p>
+        </p:txBody>
+      </p:sp>
+      <p:sp>
+        <p:nvSpPr>
+          <p:cNvPr id="17" name="TextBox 16">
+            <a:extLst>
+              <a:ext uri="{FF2B5EF4-FFF2-40B4-BE49-F238E27FC236}">
+                <a16:creationId xmlns:a16="http://schemas.microsoft.com/office/drawing/2014/main" id="{E2F8F84A-9A25-4051-B26E-15A1E2D40451}"/>
+              </a:ext>
+            </a:extLst>
+          </p:cNvPr>
+          <p:cNvSpPr txBox="1"/>
+          <p:nvPr/>
+        </p:nvSpPr>
+        <p:spPr>
+          <a:xfrm>
+            <a:off x="7773374" y="4290226"/>
+            <a:ext cx="929037" cy="369332"/>
+          </a:xfrm>
+          <a:prstGeom prst="rect">
+            <a:avLst/>
+          </a:prstGeom>
+          <a:noFill/>
+        </p:spPr>
+        <p:txBody>
+          <a:bodyPr wrap="none" rtlCol="0">
+            <a:spAutoFit/>
+          </a:bodyPr>
+          <a:lstStyle/>
+          <a:p>
+            <a:r>
+              <a:rPr lang="en-ID" dirty="0"/>
+              <a:t>70 Watt</a:t>
+            </a:r>
+            <a:endParaRPr lang="id-ID" dirty="0"/>
+          </a:p>
+        </p:txBody>
+      </p:sp>
+      <p:sp>
+        <p:nvSpPr>
+          <p:cNvPr id="18" name="TextBox 17">
+            <a:extLst>
+              <a:ext uri="{FF2B5EF4-FFF2-40B4-BE49-F238E27FC236}">
+                <a16:creationId xmlns:a16="http://schemas.microsoft.com/office/drawing/2014/main" id="{B3193AAA-3902-4B91-B63F-3D1FF46E7977}"/>
+              </a:ext>
+            </a:extLst>
+          </p:cNvPr>
+          <p:cNvSpPr txBox="1"/>
+          <p:nvPr/>
+        </p:nvSpPr>
+        <p:spPr>
+          <a:xfrm>
+            <a:off x="7773374" y="4900809"/>
+            <a:ext cx="1009187" cy="369332"/>
+          </a:xfrm>
+          <a:prstGeom prst="rect">
+            <a:avLst/>
+          </a:prstGeom>
+          <a:noFill/>
+        </p:spPr>
+        <p:txBody>
+          <a:bodyPr wrap="none" rtlCol="0">
+            <a:spAutoFit/>
+          </a:bodyPr>
+          <a:lstStyle/>
+          <a:p>
+            <a:r>
+              <a:rPr lang="en-ID" dirty="0"/>
+              <a:t>150Watt</a:t>
+            </a:r>
+            <a:endParaRPr lang="id-ID" dirty="0"/>
+          </a:p>
+        </p:txBody>
+      </p:sp>
     </p:spTree>
     <p:extLst>
       <p:ext uri="{BB962C8B-B14F-4D97-AF65-F5344CB8AC3E}">
-        <p14:creationId xmlns:p14="http://schemas.microsoft.com/office/powerpoint/2010/main" val="4143076771"/>
+        <p14:creationId xmlns:p14="http://schemas.microsoft.com/office/powerpoint/2010/main" val="2231863023"/>
+      </p:ext>
+    </p:extLst>
+  </p:cSld>
+  <p:clrMapOvr>
+    <a:masterClrMapping/>
+  </p:clrMapOvr>
+  <p:timing>
+    <p:tnLst>
+      <p:par>
+        <p:cTn id="1" dur="indefinite" restart="never" nodeType="tmRoot">
+          <p:childTnLst>
+            <p:seq concurrent="1" nextAc="seek">
+              <p:cTn id="2" dur="indefinite" nodeType="mainSeq">
+                <p:childTnLst>
+                  <p:par>
+                    <p:cTn id="3" fill="hold">
+                      <p:stCondLst>
+                        <p:cond delay="indefinite"/>
+                      </p:stCondLst>
+                      <p:childTnLst>
+                        <p:par>
+                          <p:cTn id="4" fill="hold">
+                            <p:stCondLst>
+                              <p:cond delay="0"/>
+                            </p:stCondLst>
+                            <p:childTnLst>
+                              <p:par>
+                                <p:cTn id="5" presetID="10" presetClass="entr" presetSubtype="0" fill="hold" nodeType="clickEffect">
+                                  <p:stCondLst>
+                                    <p:cond delay="0"/>
+                                  </p:stCondLst>
+                                  <p:childTnLst>
+                                    <p:set>
+                                      <p:cBhvr>
+                                        <p:cTn id="6" dur="1" fill="hold">
+                                          <p:stCondLst>
+                                            <p:cond delay="0"/>
+                                          </p:stCondLst>
+                                        </p:cTn>
+                                        <p:tgtEl>
+                                          <p:spTgt spid="7"/>
+                                        </p:tgtEl>
+                                        <p:attrNameLst>
+                                          <p:attrName>style.visibility</p:attrName>
+                                        </p:attrNameLst>
+                                      </p:cBhvr>
+                                      <p:to>
+                                        <p:strVal val="visible"/>
+                                      </p:to>
+                                    </p:set>
+                                    <p:animEffect transition="in" filter="fade">
+                                      <p:cBhvr>
+                                        <p:cTn id="7" dur="500"/>
+                                        <p:tgtEl>
+                                          <p:spTgt spid="7"/>
+                                        </p:tgtEl>
+                                      </p:cBhvr>
+                                    </p:animEffect>
+                                  </p:childTnLst>
+                                </p:cTn>
+                              </p:par>
+                            </p:childTnLst>
+                          </p:cTn>
+                        </p:par>
+                      </p:childTnLst>
+                    </p:cTn>
+                  </p:par>
+                </p:childTnLst>
+              </p:cTn>
+              <p:prevCondLst>
+                <p:cond evt="onPrev" delay="0">
+                  <p:tgtEl>
+                    <p:sldTgt/>
+                  </p:tgtEl>
+                </p:cond>
+              </p:prevCondLst>
+              <p:nextCondLst>
+                <p:cond evt="onNext" delay="0">
+                  <p:tgtEl>
+                    <p:sldTgt/>
+                  </p:tgtEl>
+                </p:cond>
+              </p:nextCondLst>
+            </p:seq>
+          </p:childTnLst>
+        </p:cTn>
+      </p:par>
+    </p:tnLst>
+  </p:timing>
+</p:sld>
+</file>
+
+<file path=ppt/slides/slide11.xml><?xml version="1.0" encoding="utf-8"?>
+<p:sld xmlns:a="http://schemas.openxmlformats.org/drawingml/2006/main" xmlns:r="http://schemas.openxmlformats.org/officeDocument/2006/relationships" xmlns:p="http://schemas.openxmlformats.org/presentationml/2006/main">
+  <p:cSld>
+    <p:spTree>
+      <p:nvGrpSpPr>
+        <p:cNvPr id="1" name=""/>
+        <p:cNvGrpSpPr/>
+        <p:nvPr/>
+      </p:nvGrpSpPr>
+      <p:grpSpPr>
+        <a:xfrm>
+          <a:off x="0" y="0"/>
+          <a:ext cx="0" cy="0"/>
+          <a:chOff x="0" y="0"/>
+          <a:chExt cx="0" cy="0"/>
+        </a:xfrm>
+      </p:grpSpPr>
+      <p:sp>
+        <p:nvSpPr>
+          <p:cNvPr id="2" name="Title 1">
+            <a:extLst>
+              <a:ext uri="{FF2B5EF4-FFF2-40B4-BE49-F238E27FC236}">
+                <a16:creationId xmlns:a16="http://schemas.microsoft.com/office/drawing/2014/main" id="{2728FAEE-70C1-4011-B358-A5D1CACA6C35}"/>
+              </a:ext>
+            </a:extLst>
+          </p:cNvPr>
+          <p:cNvSpPr>
+            <a:spLocks noGrp="1"/>
+          </p:cNvSpPr>
+          <p:nvPr>
+            <p:ph type="title"/>
+          </p:nvPr>
+        </p:nvSpPr>
+        <p:spPr/>
+        <p:txBody>
+          <a:bodyPr/>
+          <a:lstStyle/>
+          <a:p>
+            <a:r>
+              <a:rPr lang="en-ID" dirty="0"/>
+              <a:t>Measure the amplifier output</a:t>
+            </a:r>
+            <a:br>
+              <a:rPr lang="en-ID" dirty="0"/>
+            </a:br>
+            <a:r>
+              <a:rPr lang="en-ID" dirty="0" err="1">
+                <a:solidFill>
+                  <a:srgbClr val="FF0000"/>
+                </a:solidFill>
+              </a:rPr>
+              <a:t>mengukur</a:t>
+            </a:r>
+            <a:r>
+              <a:rPr lang="en-ID" dirty="0">
+                <a:solidFill>
+                  <a:srgbClr val="FF0000"/>
+                </a:solidFill>
+              </a:rPr>
+              <a:t> output</a:t>
+            </a:r>
+            <a:endParaRPr lang="id-ID" dirty="0"/>
+          </a:p>
+        </p:txBody>
+      </p:sp>
+      <p:sp>
+        <p:nvSpPr>
+          <p:cNvPr id="4" name="Text Placeholder 3">
+            <a:extLst>
+              <a:ext uri="{FF2B5EF4-FFF2-40B4-BE49-F238E27FC236}">
+                <a16:creationId xmlns:a16="http://schemas.microsoft.com/office/drawing/2014/main" id="{22F782E3-AF02-4798-8391-1AD565E9F0F7}"/>
+              </a:ext>
+            </a:extLst>
+          </p:cNvPr>
+          <p:cNvSpPr>
+            <a:spLocks noGrp="1"/>
+          </p:cNvSpPr>
+          <p:nvPr>
+            <p:ph type="body" sz="half" idx="2"/>
+          </p:nvPr>
+        </p:nvSpPr>
+        <p:spPr>
+          <a:xfrm>
+            <a:off x="1444671" y="3205492"/>
+            <a:ext cx="3273099" cy="1314554"/>
+          </a:xfrm>
+        </p:spPr>
+        <p:txBody>
+          <a:bodyPr>
+            <a:normAutofit/>
+          </a:bodyPr>
+          <a:lstStyle/>
+          <a:p>
+            <a:pPr marL="285750" indent="-285750">
+              <a:buFontTx/>
+              <a:buChar char="-"/>
+            </a:pPr>
+            <a:r>
+              <a:rPr lang="en-ID" dirty="0"/>
+              <a:t>Connect power cable to amplifier</a:t>
+            </a:r>
+          </a:p>
+          <a:p>
+            <a:pPr marL="285750" indent="-285750">
+              <a:buFontTx/>
+              <a:buChar char="-"/>
+            </a:pPr>
+            <a:r>
+              <a:rPr lang="en-ID" dirty="0"/>
+              <a:t>Turn input </a:t>
+            </a:r>
+            <a:r>
+              <a:rPr lang="en-ID" dirty="0" err="1"/>
+              <a:t>potentio</a:t>
+            </a:r>
+            <a:r>
+              <a:rPr lang="en-ID" dirty="0"/>
+              <a:t> to minimum</a:t>
+            </a:r>
+          </a:p>
+          <a:p>
+            <a:pPr marL="285750" indent="-285750">
+              <a:buFontTx/>
+              <a:buChar char="-"/>
+            </a:pPr>
+            <a:r>
+              <a:rPr lang="en-ID" dirty="0"/>
+              <a:t>Set  AVO Meter to 10VDC</a:t>
+            </a:r>
+          </a:p>
+          <a:p>
+            <a:endParaRPr lang="en-ID" dirty="0"/>
+          </a:p>
+        </p:txBody>
+      </p:sp>
+      <p:pic>
+        <p:nvPicPr>
+          <p:cNvPr id="10" name="Content Placeholder 9">
+            <a:extLst>
+              <a:ext uri="{FF2B5EF4-FFF2-40B4-BE49-F238E27FC236}">
+                <a16:creationId xmlns:a16="http://schemas.microsoft.com/office/drawing/2014/main" id="{7459BE20-FF0E-4DD6-B32B-B7306A56729B}"/>
+              </a:ext>
+            </a:extLst>
+          </p:cNvPr>
+          <p:cNvPicPr>
+            <a:picLocks noGrp="1" noChangeAspect="1"/>
+          </p:cNvPicPr>
+          <p:nvPr>
+            <p:ph idx="1"/>
+          </p:nvPr>
+        </p:nvPicPr>
+        <p:blipFill>
+          <a:blip r:embed="rId2"/>
+          <a:stretch>
+            <a:fillRect/>
+          </a:stretch>
+        </p:blipFill>
+        <p:spPr>
+          <a:xfrm>
+            <a:off x="5043488" y="1222825"/>
+            <a:ext cx="6013450" cy="3810687"/>
+          </a:xfrm>
+        </p:spPr>
+      </p:pic>
+      <p:sp>
+        <p:nvSpPr>
+          <p:cNvPr id="11" name="TextBox 10">
+            <a:extLst>
+              <a:ext uri="{FF2B5EF4-FFF2-40B4-BE49-F238E27FC236}">
+                <a16:creationId xmlns:a16="http://schemas.microsoft.com/office/drawing/2014/main" id="{5E9F475F-AEE8-4312-B626-2712EA7AFB75}"/>
+              </a:ext>
+            </a:extLst>
+          </p:cNvPr>
+          <p:cNvSpPr txBox="1"/>
+          <p:nvPr/>
+        </p:nvSpPr>
+        <p:spPr>
+          <a:xfrm>
+            <a:off x="5523239" y="5048215"/>
+            <a:ext cx="5053948" cy="369332"/>
+          </a:xfrm>
+          <a:prstGeom prst="rect">
+            <a:avLst/>
+          </a:prstGeom>
+          <a:noFill/>
+        </p:spPr>
+        <p:txBody>
+          <a:bodyPr wrap="none" rtlCol="0">
+            <a:spAutoFit/>
+          </a:bodyPr>
+          <a:lstStyle/>
+          <a:p>
+            <a:r>
+              <a:rPr lang="en-ID" b="1" dirty="0"/>
+              <a:t>NO DC VOLTAGE ON AMPLIFIER OUTPUT</a:t>
+            </a:r>
+          </a:p>
+        </p:txBody>
+      </p:sp>
+    </p:spTree>
+    <p:extLst>
+      <p:ext uri="{BB962C8B-B14F-4D97-AF65-F5344CB8AC3E}">
+        <p14:creationId xmlns:p14="http://schemas.microsoft.com/office/powerpoint/2010/main" val="415202159"/>
       </p:ext>
     </p:extLst>
   </p:cSld>
@@ -3804,7 +5189,164 @@
 </p:sld>
 </file>
 
-<file path=ppt/slides/slide11.xml><?xml version="1.0" encoding="utf-8"?>
+<file path=ppt/slides/slide12.xml><?xml version="1.0" encoding="utf-8"?>
+<p:sld xmlns:a="http://schemas.openxmlformats.org/drawingml/2006/main" xmlns:r="http://schemas.openxmlformats.org/officeDocument/2006/relationships" xmlns:p="http://schemas.openxmlformats.org/presentationml/2006/main">
+  <p:cSld>
+    <p:spTree>
+      <p:nvGrpSpPr>
+        <p:cNvPr id="1" name=""/>
+        <p:cNvGrpSpPr/>
+        <p:nvPr/>
+      </p:nvGrpSpPr>
+      <p:grpSpPr>
+        <a:xfrm>
+          <a:off x="0" y="0"/>
+          <a:ext cx="0" cy="0"/>
+          <a:chOff x="0" y="0"/>
+          <a:chExt cx="0" cy="0"/>
+        </a:xfrm>
+      </p:grpSpPr>
+      <p:sp>
+        <p:nvSpPr>
+          <p:cNvPr id="2" name="Title 1">
+            <a:extLst>
+              <a:ext uri="{FF2B5EF4-FFF2-40B4-BE49-F238E27FC236}">
+                <a16:creationId xmlns:a16="http://schemas.microsoft.com/office/drawing/2014/main" id="{FE5D4AF3-2469-4A9C-AB65-140C39EFA811}"/>
+              </a:ext>
+            </a:extLst>
+          </p:cNvPr>
+          <p:cNvSpPr>
+            <a:spLocks noGrp="1"/>
+          </p:cNvSpPr>
+          <p:nvPr>
+            <p:ph type="title"/>
+          </p:nvPr>
+        </p:nvSpPr>
+        <p:spPr>
+          <a:xfrm>
+            <a:off x="1693718" y="798974"/>
+            <a:ext cx="3024052" cy="1632500"/>
+          </a:xfrm>
+        </p:spPr>
+        <p:txBody>
+          <a:bodyPr/>
+          <a:lstStyle/>
+          <a:p>
+            <a:r>
+              <a:rPr lang="en-ID" dirty="0"/>
+              <a:t>Test with music</a:t>
+            </a:r>
+            <a:endParaRPr lang="id-ID" dirty="0"/>
+          </a:p>
+        </p:txBody>
+      </p:sp>
+      <p:pic>
+        <p:nvPicPr>
+          <p:cNvPr id="6" name="Content Placeholder 5">
+            <a:extLst>
+              <a:ext uri="{FF2B5EF4-FFF2-40B4-BE49-F238E27FC236}">
+                <a16:creationId xmlns:a16="http://schemas.microsoft.com/office/drawing/2014/main" id="{539CFEB6-298B-414E-ABED-D3CC34801A23}"/>
+              </a:ext>
+            </a:extLst>
+          </p:cNvPr>
+          <p:cNvPicPr>
+            <a:picLocks noGrp="1" noChangeAspect="1"/>
+          </p:cNvPicPr>
+          <p:nvPr>
+            <p:ph idx="1"/>
+          </p:nvPr>
+        </p:nvPicPr>
+        <p:blipFill>
+          <a:blip r:embed="rId2"/>
+          <a:stretch>
+            <a:fillRect/>
+          </a:stretch>
+        </p:blipFill>
+        <p:spPr>
+          <a:xfrm>
+            <a:off x="5147388" y="798513"/>
+            <a:ext cx="5805650" cy="4659312"/>
+          </a:xfrm>
+        </p:spPr>
+      </p:pic>
+      <p:sp>
+        <p:nvSpPr>
+          <p:cNvPr id="4" name="Text Placeholder 3">
+            <a:extLst>
+              <a:ext uri="{FF2B5EF4-FFF2-40B4-BE49-F238E27FC236}">
+                <a16:creationId xmlns:a16="http://schemas.microsoft.com/office/drawing/2014/main" id="{C9266CED-72C6-4971-A534-0E90D8376254}"/>
+              </a:ext>
+            </a:extLst>
+          </p:cNvPr>
+          <p:cNvSpPr>
+            <a:spLocks noGrp="1"/>
+          </p:cNvSpPr>
+          <p:nvPr>
+            <p:ph type="body" sz="half" idx="2"/>
+          </p:nvPr>
+        </p:nvSpPr>
+        <p:spPr/>
+        <p:txBody>
+          <a:bodyPr/>
+          <a:lstStyle/>
+          <a:p>
+            <a:pPr marL="285750" indent="-285750">
+              <a:buFontTx/>
+              <a:buChar char="-"/>
+            </a:pPr>
+            <a:r>
+              <a:rPr lang="en-ID" dirty="0"/>
+              <a:t>Connect the loudspeaker</a:t>
+            </a:r>
+          </a:p>
+          <a:p>
+            <a:pPr marL="285750" indent="-285750">
+              <a:buFontTx/>
+              <a:buChar char="-"/>
+            </a:pPr>
+            <a:r>
+              <a:rPr lang="en-ID" dirty="0"/>
+              <a:t>Connect the audio source</a:t>
+            </a:r>
+          </a:p>
+          <a:p>
+            <a:pPr marL="285750" indent="-285750">
+              <a:buFontTx/>
+              <a:buChar char="-"/>
+            </a:pPr>
+            <a:r>
+              <a:rPr lang="en-ID" dirty="0"/>
+              <a:t>. Adjust volume </a:t>
+            </a:r>
+            <a:r>
+              <a:rPr lang="en-ID" dirty="0" err="1"/>
+              <a:t>potentio</a:t>
+            </a:r>
+            <a:endParaRPr lang="en-ID" dirty="0"/>
+          </a:p>
+          <a:p>
+            <a:pPr marL="285750" indent="-285750">
+              <a:buFontTx/>
+              <a:buChar char="-"/>
+            </a:pPr>
+            <a:endParaRPr lang="id-ID" dirty="0"/>
+          </a:p>
+        </p:txBody>
+      </p:sp>
+    </p:spTree>
+    <p:extLst>
+      <p:ext uri="{BB962C8B-B14F-4D97-AF65-F5344CB8AC3E}">
+        <p14:creationId xmlns:p14="http://schemas.microsoft.com/office/powerpoint/2010/main" val="513889093"/>
+      </p:ext>
+    </p:extLst>
+  </p:cSld>
+  <p:clrMapOvr>
+    <a:masterClrMapping/>
+  </p:clrMapOvr>
+</p:sld>
+</file>
+
+<file path=ppt/slides/slide13.xml><?xml version="1.0" encoding="utf-8"?>
 <p:sld xmlns:a="http://schemas.openxmlformats.org/drawingml/2006/main" xmlns:r="http://schemas.openxmlformats.org/officeDocument/2006/relationships" xmlns:p="http://schemas.openxmlformats.org/presentationml/2006/main">
   <p:cSld>
     <p:spTree>
@@ -7393,7 +8935,7 @@
 </p:sld>
 </file>
 
-<file path=ppt/slides/slide12.xml><?xml version="1.0" encoding="utf-8"?>
+<file path=ppt/slides/slide14.xml><?xml version="1.0" encoding="utf-8"?>
 <p:sld xmlns:a="http://schemas.openxmlformats.org/drawingml/2006/main" xmlns:r="http://schemas.openxmlformats.org/officeDocument/2006/relationships" xmlns:p="http://schemas.openxmlformats.org/presentationml/2006/main">
   <p:cSld>
     <p:spTree>
@@ -7410,45 +8952,6 @@
           <a:chExt cx="0" cy="0"/>
         </a:xfrm>
       </p:grpSpPr>
-      <p:sp>
-        <p:nvSpPr>
-          <p:cNvPr id="2" name="TextBox 1">
-            <a:extLst>
-              <a:ext uri="{FF2B5EF4-FFF2-40B4-BE49-F238E27FC236}">
-                <a16:creationId xmlns:a16="http://schemas.microsoft.com/office/drawing/2014/main" id="{AE0AE029-399C-4693-A408-1C89A971CE90}"/>
-              </a:ext>
-            </a:extLst>
-          </p:cNvPr>
-          <p:cNvSpPr txBox="1"/>
-          <p:nvPr/>
-        </p:nvSpPr>
-        <p:spPr>
-          <a:xfrm>
-            <a:off x="1111827" y="4921827"/>
-            <a:ext cx="914400" cy="369332"/>
-          </a:xfrm>
-          <a:prstGeom prst="rect">
-            <a:avLst/>
-          </a:prstGeom>
-          <a:noFill/>
-        </p:spPr>
-        <p:txBody>
-          <a:bodyPr wrap="square" rtlCol="0">
-            <a:spAutoFit/>
-          </a:bodyPr>
-          <a:lstStyle/>
-          <a:p>
-            <a:r>
-              <a:rPr lang="en-US" dirty="0" err="1"/>
-              <a:t>gh</a:t>
-            </a:r>
-            <a:r>
-              <a:rPr lang="en-US" dirty="0"/>
-              <a:t>   </a:t>
-            </a:r>
-          </a:p>
-        </p:txBody>
-      </p:sp>
       <p:graphicFrame>
         <p:nvGraphicFramePr>
           <p:cNvPr id="3" name="Table 2"/>
@@ -7465,7 +8968,7 @@
         </p:nvGraphicFramePr>
         <p:xfrm>
           <a:off x="2974106" y="1241425"/>
-          <a:ext cx="5338621" cy="3079804"/>
+          <a:ext cx="5338621" cy="3069708"/>
         </p:xfrm>
         <a:graphic>
           <a:graphicData uri="http://schemas.openxmlformats.org/drawingml/2006/table">
@@ -8873,7 +10376,7 @@
 </p:sld>
 </file>
 
-<file path=ppt/slides/slide13.xml><?xml version="1.0" encoding="utf-8"?>
+<file path=ppt/slides/slide15.xml><?xml version="1.0" encoding="utf-8"?>
 <p:sld xmlns:a="http://schemas.openxmlformats.org/drawingml/2006/main" xmlns:r="http://schemas.openxmlformats.org/officeDocument/2006/relationships" xmlns:p="http://schemas.openxmlformats.org/presentationml/2006/main">
   <p:cSld>
     <p:spTree>
@@ -8924,6 +10427,5687 @@
     <p:extLst>
       <p:ext uri="{BB962C8B-B14F-4D97-AF65-F5344CB8AC3E}">
         <p14:creationId xmlns:p14="http://schemas.microsoft.com/office/powerpoint/2010/main" val="4216572094"/>
+      </p:ext>
+    </p:extLst>
+  </p:cSld>
+  <p:clrMapOvr>
+    <a:masterClrMapping/>
+  </p:clrMapOvr>
+</p:sld>
+</file>
+
+<file path=ppt/slides/slide16.xml><?xml version="1.0" encoding="utf-8"?>
+<p:sld xmlns:a="http://schemas.openxmlformats.org/drawingml/2006/main" xmlns:r="http://schemas.openxmlformats.org/officeDocument/2006/relationships" xmlns:p="http://schemas.openxmlformats.org/presentationml/2006/main">
+  <p:cSld>
+    <p:spTree>
+      <p:nvGrpSpPr>
+        <p:cNvPr id="1" name=""/>
+        <p:cNvGrpSpPr/>
+        <p:nvPr/>
+      </p:nvGrpSpPr>
+      <p:grpSpPr>
+        <a:xfrm>
+          <a:off x="0" y="0"/>
+          <a:ext cx="0" cy="0"/>
+          <a:chOff x="0" y="0"/>
+          <a:chExt cx="0" cy="0"/>
+        </a:xfrm>
+      </p:grpSpPr>
+      <p:graphicFrame>
+        <p:nvGraphicFramePr>
+          <p:cNvPr id="10" name="Table 10">
+            <a:extLst>
+              <a:ext uri="{FF2B5EF4-FFF2-40B4-BE49-F238E27FC236}">
+                <a16:creationId xmlns:a16="http://schemas.microsoft.com/office/drawing/2014/main" id="{0FF01F1C-69B8-4ECE-B60C-70243BC6B20E}"/>
+              </a:ext>
+            </a:extLst>
+          </p:cNvPr>
+          <p:cNvGraphicFramePr>
+            <a:graphicFrameLocks noGrp="1"/>
+          </p:cNvGraphicFramePr>
+          <p:nvPr>
+            <p:extLst>
+              <p:ext uri="{D42A27DB-BD31-4B8C-83A1-F6EECF244321}">
+                <p14:modId xmlns:p14="http://schemas.microsoft.com/office/powerpoint/2010/main" val="3184160071"/>
+              </p:ext>
+            </p:extLst>
+          </p:nvPr>
+        </p:nvGraphicFramePr>
+        <p:xfrm>
+          <a:off x="279399" y="986162"/>
+          <a:ext cx="5397552" cy="4202351"/>
+        </p:xfrm>
+        <a:graphic>
+          <a:graphicData uri="http://schemas.openxmlformats.org/drawingml/2006/table">
+            <a:tbl>
+              <a:tblPr firstRow="1" bandRow="1">
+                <a:tableStyleId>{5940675A-B579-460E-94D1-54222C63F5DA}</a:tableStyleId>
+              </a:tblPr>
+              <a:tblGrid>
+                <a:gridCol w="1752601">
+                  <a:extLst>
+                    <a:ext uri="{9D8B030D-6E8A-4147-A177-3AD203B41FA5}">
+                      <a16:colId xmlns:a16="http://schemas.microsoft.com/office/drawing/2014/main" val="1599451738"/>
+                    </a:ext>
+                  </a:extLst>
+                </a:gridCol>
+                <a:gridCol w="1002145">
+                  <a:extLst>
+                    <a:ext uri="{9D8B030D-6E8A-4147-A177-3AD203B41FA5}">
+                      <a16:colId xmlns:a16="http://schemas.microsoft.com/office/drawing/2014/main" val="1715627237"/>
+                    </a:ext>
+                  </a:extLst>
+                </a:gridCol>
+                <a:gridCol w="1392382">
+                  <a:extLst>
+                    <a:ext uri="{9D8B030D-6E8A-4147-A177-3AD203B41FA5}">
+                      <a16:colId xmlns:a16="http://schemas.microsoft.com/office/drawing/2014/main" val="2481235922"/>
+                    </a:ext>
+                  </a:extLst>
+                </a:gridCol>
+                <a:gridCol w="1250424">
+                  <a:extLst>
+                    <a:ext uri="{9D8B030D-6E8A-4147-A177-3AD203B41FA5}">
+                      <a16:colId xmlns:a16="http://schemas.microsoft.com/office/drawing/2014/main" val="318186171"/>
+                    </a:ext>
+                  </a:extLst>
+                </a:gridCol>
+              </a:tblGrid>
+              <a:tr h="289393">
+                <a:tc>
+                  <a:txBody>
+                    <a:bodyPr/>
+                    <a:lstStyle/>
+                    <a:p>
+                      <a:pPr algn="ctr"/>
+                      <a:r>
+                        <a:rPr lang="en-US" sz="1600" dirty="0"/>
+                        <a:t>Name</a:t>
+                      </a:r>
+                    </a:p>
+                  </a:txBody>
+                  <a:tcPr/>
+                </a:tc>
+                <a:tc>
+                  <a:txBody>
+                    <a:bodyPr/>
+                    <a:lstStyle/>
+                    <a:p>
+                      <a:pPr algn="ctr"/>
+                      <a:r>
+                        <a:rPr lang="en-US" sz="1600" baseline="0" dirty="0"/>
+                        <a:t>amount</a:t>
+                      </a:r>
+                      <a:endParaRPr lang="en-US" sz="1600" dirty="0"/>
+                    </a:p>
+                  </a:txBody>
+                  <a:tcPr/>
+                </a:tc>
+                <a:tc>
+                  <a:txBody>
+                    <a:bodyPr/>
+                    <a:lstStyle/>
+                    <a:p>
+                      <a:pPr algn="ctr"/>
+                      <a:r>
+                        <a:rPr lang="en-US" sz="1600" dirty="0"/>
+                        <a:t>Price</a:t>
+                      </a:r>
+                    </a:p>
+                  </a:txBody>
+                  <a:tcPr/>
+                </a:tc>
+                <a:tc>
+                  <a:txBody>
+                    <a:bodyPr/>
+                    <a:lstStyle/>
+                    <a:p>
+                      <a:pPr algn="ctr"/>
+                      <a:r>
+                        <a:rPr lang="en-US" sz="1600" dirty="0"/>
+                        <a:t>Total</a:t>
+                      </a:r>
+                      <a:r>
+                        <a:rPr lang="en-US" sz="1600" baseline="0" dirty="0"/>
+                        <a:t> Price</a:t>
+                      </a:r>
+                      <a:endParaRPr lang="en-US" sz="1600" dirty="0"/>
+                    </a:p>
+                  </a:txBody>
+                  <a:tcPr/>
+                </a:tc>
+                <a:extLst>
+                  <a:ext uri="{0D108BD9-81ED-4DB2-BD59-A6C34878D82A}">
+                    <a16:rowId xmlns:a16="http://schemas.microsoft.com/office/drawing/2014/main" val="724176252"/>
+                  </a:ext>
+                </a:extLst>
+              </a:tr>
+              <a:tr h="289393">
+                <a:tc>
+                  <a:txBody>
+                    <a:bodyPr/>
+                    <a:lstStyle/>
+                    <a:p>
+                      <a:pPr algn="l">
+                        <a:lnSpc>
+                          <a:spcPct val="107000"/>
+                        </a:lnSpc>
+                        <a:spcAft>
+                          <a:spcPts val="0"/>
+                        </a:spcAft>
+                      </a:pPr>
+                      <a:r>
+                        <a:rPr lang="en-US" sz="1600" dirty="0">
+                          <a:effectLst/>
+                        </a:rPr>
+                        <a:t>Resistor 560 ohm</a:t>
+                      </a:r>
+                      <a:endParaRPr lang="en-US" sz="1600" dirty="0">
+                        <a:effectLst/>
+                        <a:latin typeface="Calibri" panose="020F0502020204030204" pitchFamily="34" charset="0"/>
+                        <a:ea typeface="Calibri" panose="020F0502020204030204" pitchFamily="34" charset="0"/>
+                        <a:cs typeface="Times New Roman" panose="02020603050405020304" pitchFamily="18" charset="0"/>
+                      </a:endParaRPr>
+                    </a:p>
+                  </a:txBody>
+                  <a:tcPr marL="68580" marR="68580" marT="0" marB="0"/>
+                </a:tc>
+                <a:tc>
+                  <a:txBody>
+                    <a:bodyPr/>
+                    <a:lstStyle/>
+                    <a:p>
+                      <a:pPr algn="ctr">
+                        <a:lnSpc>
+                          <a:spcPct val="107000"/>
+                        </a:lnSpc>
+                        <a:spcAft>
+                          <a:spcPts val="0"/>
+                        </a:spcAft>
+                      </a:pPr>
+                      <a:r>
+                        <a:rPr lang="en-US" sz="1600" dirty="0">
+                          <a:effectLst/>
+                        </a:rPr>
+                        <a:t>2</a:t>
+                      </a:r>
+                      <a:endParaRPr lang="en-US" sz="1600" dirty="0">
+                        <a:effectLst/>
+                        <a:latin typeface="Calibri" panose="020F0502020204030204" pitchFamily="34" charset="0"/>
+                        <a:ea typeface="Calibri" panose="020F0502020204030204" pitchFamily="34" charset="0"/>
+                        <a:cs typeface="Times New Roman" panose="02020603050405020304" pitchFamily="18" charset="0"/>
+                      </a:endParaRPr>
+                    </a:p>
+                  </a:txBody>
+                  <a:tcPr marL="68580" marR="68580" marT="0" marB="0"/>
+                </a:tc>
+                <a:tc>
+                  <a:txBody>
+                    <a:bodyPr/>
+                    <a:lstStyle/>
+                    <a:p>
+                      <a:pPr algn="r">
+                        <a:lnSpc>
+                          <a:spcPct val="107000"/>
+                        </a:lnSpc>
+                        <a:spcAft>
+                          <a:spcPts val="0"/>
+                        </a:spcAft>
+                      </a:pPr>
+                      <a:r>
+                        <a:rPr lang="en-US" sz="1600" dirty="0" err="1">
+                          <a:effectLst/>
+                        </a:rPr>
+                        <a:t>Rp</a:t>
+                      </a:r>
+                      <a:r>
+                        <a:rPr lang="en-US" sz="1600" dirty="0">
+                          <a:effectLst/>
+                        </a:rPr>
+                        <a:t>. 500.00</a:t>
+                      </a:r>
+                      <a:endParaRPr lang="en-US" sz="1600" dirty="0">
+                        <a:effectLst/>
+                        <a:latin typeface="Calibri" panose="020F0502020204030204" pitchFamily="34" charset="0"/>
+                        <a:ea typeface="Calibri" panose="020F0502020204030204" pitchFamily="34" charset="0"/>
+                        <a:cs typeface="Times New Roman" panose="02020603050405020304" pitchFamily="18" charset="0"/>
+                      </a:endParaRPr>
+                    </a:p>
+                  </a:txBody>
+                  <a:tcPr marL="68580" marR="68580" marT="0" marB="0"/>
+                </a:tc>
+                <a:tc>
+                  <a:txBody>
+                    <a:bodyPr/>
+                    <a:lstStyle/>
+                    <a:p>
+                      <a:pPr algn="r">
+                        <a:lnSpc>
+                          <a:spcPct val="107000"/>
+                        </a:lnSpc>
+                        <a:spcAft>
+                          <a:spcPts val="0"/>
+                        </a:spcAft>
+                      </a:pPr>
+                      <a:r>
+                        <a:rPr lang="en-US" sz="1600" dirty="0">
+                          <a:effectLst/>
+                        </a:rPr>
+                        <a:t>Rp. 1,000.00</a:t>
+                      </a:r>
+                      <a:endParaRPr lang="en-US" sz="1600" dirty="0">
+                        <a:effectLst/>
+                        <a:latin typeface="Calibri" panose="020F0502020204030204" pitchFamily="34" charset="0"/>
+                        <a:ea typeface="Calibri" panose="020F0502020204030204" pitchFamily="34" charset="0"/>
+                        <a:cs typeface="Times New Roman" panose="02020603050405020304" pitchFamily="18" charset="0"/>
+                      </a:endParaRPr>
+                    </a:p>
+                  </a:txBody>
+                  <a:tcPr marL="68580" marR="68580" marT="0" marB="0"/>
+                </a:tc>
+                <a:extLst>
+                  <a:ext uri="{0D108BD9-81ED-4DB2-BD59-A6C34878D82A}">
+                    <a16:rowId xmlns:a16="http://schemas.microsoft.com/office/drawing/2014/main" val="3637344366"/>
+                  </a:ext>
+                </a:extLst>
+              </a:tr>
+              <a:tr h="275206">
+                <a:tc>
+                  <a:txBody>
+                    <a:bodyPr/>
+                    <a:lstStyle/>
+                    <a:p>
+                      <a:pPr algn="l">
+                        <a:lnSpc>
+                          <a:spcPct val="107000"/>
+                        </a:lnSpc>
+                        <a:spcAft>
+                          <a:spcPts val="0"/>
+                        </a:spcAft>
+                      </a:pPr>
+                      <a:r>
+                        <a:rPr lang="en-US" sz="1600" dirty="0">
+                          <a:effectLst/>
+                        </a:rPr>
+                        <a:t>Resistor 1K ohm</a:t>
+                      </a:r>
+                      <a:endParaRPr lang="en-US" sz="1600" dirty="0">
+                        <a:effectLst/>
+                        <a:latin typeface="Calibri" panose="020F0502020204030204" pitchFamily="34" charset="0"/>
+                        <a:ea typeface="Calibri" panose="020F0502020204030204" pitchFamily="34" charset="0"/>
+                        <a:cs typeface="Times New Roman" panose="02020603050405020304" pitchFamily="18" charset="0"/>
+                      </a:endParaRPr>
+                    </a:p>
+                  </a:txBody>
+                  <a:tcPr marL="68580" marR="68580" marT="0" marB="0"/>
+                </a:tc>
+                <a:tc>
+                  <a:txBody>
+                    <a:bodyPr/>
+                    <a:lstStyle/>
+                    <a:p>
+                      <a:pPr algn="ctr">
+                        <a:lnSpc>
+                          <a:spcPct val="107000"/>
+                        </a:lnSpc>
+                        <a:spcAft>
+                          <a:spcPts val="0"/>
+                        </a:spcAft>
+                      </a:pPr>
+                      <a:r>
+                        <a:rPr lang="en-US" sz="1600" dirty="0">
+                          <a:effectLst/>
+                        </a:rPr>
+                        <a:t>1</a:t>
+                      </a:r>
+                      <a:endParaRPr lang="en-US" sz="1600" dirty="0">
+                        <a:effectLst/>
+                        <a:latin typeface="Calibri" panose="020F0502020204030204" pitchFamily="34" charset="0"/>
+                        <a:ea typeface="Calibri" panose="020F0502020204030204" pitchFamily="34" charset="0"/>
+                        <a:cs typeface="Times New Roman" panose="02020603050405020304" pitchFamily="18" charset="0"/>
+                      </a:endParaRPr>
+                    </a:p>
+                  </a:txBody>
+                  <a:tcPr marL="68580" marR="68580" marT="0" marB="0"/>
+                </a:tc>
+                <a:tc>
+                  <a:txBody>
+                    <a:bodyPr/>
+                    <a:lstStyle/>
+                    <a:p>
+                      <a:pPr algn="r">
+                        <a:lnSpc>
+                          <a:spcPct val="107000"/>
+                        </a:lnSpc>
+                        <a:spcAft>
+                          <a:spcPts val="0"/>
+                        </a:spcAft>
+                      </a:pPr>
+                      <a:r>
+                        <a:rPr lang="en-US" sz="1600" dirty="0" err="1">
+                          <a:effectLst/>
+                        </a:rPr>
+                        <a:t>Rp</a:t>
+                      </a:r>
+                      <a:r>
+                        <a:rPr lang="en-US" sz="1600" dirty="0">
+                          <a:effectLst/>
+                        </a:rPr>
+                        <a:t>. 500.00</a:t>
+                      </a:r>
+                      <a:endParaRPr lang="en-US" sz="1600" dirty="0">
+                        <a:effectLst/>
+                        <a:latin typeface="Calibri" panose="020F0502020204030204" pitchFamily="34" charset="0"/>
+                        <a:ea typeface="Calibri" panose="020F0502020204030204" pitchFamily="34" charset="0"/>
+                        <a:cs typeface="Times New Roman" panose="02020603050405020304" pitchFamily="18" charset="0"/>
+                      </a:endParaRPr>
+                    </a:p>
+                  </a:txBody>
+                  <a:tcPr marL="68580" marR="68580" marT="0" marB="0"/>
+                </a:tc>
+                <a:tc>
+                  <a:txBody>
+                    <a:bodyPr/>
+                    <a:lstStyle/>
+                    <a:p>
+                      <a:pPr algn="r">
+                        <a:lnSpc>
+                          <a:spcPct val="107000"/>
+                        </a:lnSpc>
+                        <a:spcAft>
+                          <a:spcPts val="0"/>
+                        </a:spcAft>
+                      </a:pPr>
+                      <a:r>
+                        <a:rPr lang="en-US" sz="1600" dirty="0">
+                          <a:effectLst/>
+                        </a:rPr>
+                        <a:t>Rp. 500.00</a:t>
+                      </a:r>
+                      <a:endParaRPr lang="en-US" sz="1600" dirty="0">
+                        <a:effectLst/>
+                        <a:latin typeface="Calibri" panose="020F0502020204030204" pitchFamily="34" charset="0"/>
+                        <a:ea typeface="Calibri" panose="020F0502020204030204" pitchFamily="34" charset="0"/>
+                        <a:cs typeface="Times New Roman" panose="02020603050405020304" pitchFamily="18" charset="0"/>
+                      </a:endParaRPr>
+                    </a:p>
+                  </a:txBody>
+                  <a:tcPr marL="68580" marR="68580" marT="0" marB="0"/>
+                </a:tc>
+                <a:extLst>
+                  <a:ext uri="{0D108BD9-81ED-4DB2-BD59-A6C34878D82A}">
+                    <a16:rowId xmlns:a16="http://schemas.microsoft.com/office/drawing/2014/main" val="291647240"/>
+                  </a:ext>
+                </a:extLst>
+              </a:tr>
+              <a:tr h="275206">
+                <a:tc>
+                  <a:txBody>
+                    <a:bodyPr/>
+                    <a:lstStyle/>
+                    <a:p>
+                      <a:pPr algn="l">
+                        <a:lnSpc>
+                          <a:spcPct val="107000"/>
+                        </a:lnSpc>
+                        <a:spcAft>
+                          <a:spcPts val="0"/>
+                        </a:spcAft>
+                      </a:pPr>
+                      <a:r>
+                        <a:rPr lang="en-US" sz="1600" dirty="0">
+                          <a:effectLst/>
+                        </a:rPr>
+                        <a:t>Resistor 2K2 ohm</a:t>
+                      </a:r>
+                      <a:endParaRPr lang="en-US" sz="1600" dirty="0">
+                        <a:effectLst/>
+                        <a:latin typeface="Calibri" panose="020F0502020204030204" pitchFamily="34" charset="0"/>
+                        <a:ea typeface="Calibri" panose="020F0502020204030204" pitchFamily="34" charset="0"/>
+                        <a:cs typeface="Times New Roman" panose="02020603050405020304" pitchFamily="18" charset="0"/>
+                      </a:endParaRPr>
+                    </a:p>
+                  </a:txBody>
+                  <a:tcPr marL="68580" marR="68580" marT="0" marB="0"/>
+                </a:tc>
+                <a:tc>
+                  <a:txBody>
+                    <a:bodyPr/>
+                    <a:lstStyle/>
+                    <a:p>
+                      <a:pPr algn="ctr">
+                        <a:lnSpc>
+                          <a:spcPct val="107000"/>
+                        </a:lnSpc>
+                        <a:spcAft>
+                          <a:spcPts val="0"/>
+                        </a:spcAft>
+                      </a:pPr>
+                      <a:r>
+                        <a:rPr lang="en-US" sz="1600">
+                          <a:effectLst/>
+                        </a:rPr>
+                        <a:t>1</a:t>
+                      </a:r>
+                      <a:endParaRPr lang="en-US" sz="1600">
+                        <a:effectLst/>
+                        <a:latin typeface="Calibri" panose="020F0502020204030204" pitchFamily="34" charset="0"/>
+                        <a:ea typeface="Calibri" panose="020F0502020204030204" pitchFamily="34" charset="0"/>
+                        <a:cs typeface="Times New Roman" panose="02020603050405020304" pitchFamily="18" charset="0"/>
+                      </a:endParaRPr>
+                    </a:p>
+                  </a:txBody>
+                  <a:tcPr marL="68580" marR="68580" marT="0" marB="0"/>
+                </a:tc>
+                <a:tc>
+                  <a:txBody>
+                    <a:bodyPr/>
+                    <a:lstStyle/>
+                    <a:p>
+                      <a:pPr algn="r">
+                        <a:lnSpc>
+                          <a:spcPct val="107000"/>
+                        </a:lnSpc>
+                        <a:spcAft>
+                          <a:spcPts val="0"/>
+                        </a:spcAft>
+                      </a:pPr>
+                      <a:r>
+                        <a:rPr lang="en-US" sz="1600" dirty="0" err="1">
+                          <a:effectLst/>
+                        </a:rPr>
+                        <a:t>Rp</a:t>
+                      </a:r>
+                      <a:r>
+                        <a:rPr lang="en-US" sz="1600" dirty="0">
+                          <a:effectLst/>
+                        </a:rPr>
+                        <a:t>. 500.00</a:t>
+                      </a:r>
+                      <a:endParaRPr lang="en-US" sz="1600" dirty="0">
+                        <a:effectLst/>
+                        <a:latin typeface="Calibri" panose="020F0502020204030204" pitchFamily="34" charset="0"/>
+                        <a:ea typeface="Calibri" panose="020F0502020204030204" pitchFamily="34" charset="0"/>
+                        <a:cs typeface="Times New Roman" panose="02020603050405020304" pitchFamily="18" charset="0"/>
+                      </a:endParaRPr>
+                    </a:p>
+                  </a:txBody>
+                  <a:tcPr marL="68580" marR="68580" marT="0" marB="0"/>
+                </a:tc>
+                <a:tc>
+                  <a:txBody>
+                    <a:bodyPr/>
+                    <a:lstStyle/>
+                    <a:p>
+                      <a:pPr algn="r">
+                        <a:lnSpc>
+                          <a:spcPct val="107000"/>
+                        </a:lnSpc>
+                        <a:spcAft>
+                          <a:spcPts val="0"/>
+                        </a:spcAft>
+                      </a:pPr>
+                      <a:r>
+                        <a:rPr lang="en-US" sz="1600" dirty="0">
+                          <a:effectLst/>
+                        </a:rPr>
+                        <a:t>Rp. 500.00</a:t>
+                      </a:r>
+                      <a:endParaRPr lang="en-US" sz="1600" dirty="0">
+                        <a:effectLst/>
+                        <a:latin typeface="Calibri" panose="020F0502020204030204" pitchFamily="34" charset="0"/>
+                        <a:ea typeface="Calibri" panose="020F0502020204030204" pitchFamily="34" charset="0"/>
+                        <a:cs typeface="Times New Roman" panose="02020603050405020304" pitchFamily="18" charset="0"/>
+                      </a:endParaRPr>
+                    </a:p>
+                  </a:txBody>
+                  <a:tcPr marL="68580" marR="68580" marT="0" marB="0"/>
+                </a:tc>
+                <a:extLst>
+                  <a:ext uri="{0D108BD9-81ED-4DB2-BD59-A6C34878D82A}">
+                    <a16:rowId xmlns:a16="http://schemas.microsoft.com/office/drawing/2014/main" val="56844541"/>
+                  </a:ext>
+                </a:extLst>
+              </a:tr>
+              <a:tr h="275206">
+                <a:tc>
+                  <a:txBody>
+                    <a:bodyPr/>
+                    <a:lstStyle/>
+                    <a:p>
+                      <a:pPr algn="l">
+                        <a:lnSpc>
+                          <a:spcPct val="107000"/>
+                        </a:lnSpc>
+                        <a:spcAft>
+                          <a:spcPts val="0"/>
+                        </a:spcAft>
+                      </a:pPr>
+                      <a:r>
+                        <a:rPr lang="en-US" sz="1600" dirty="0">
+                          <a:effectLst/>
+                        </a:rPr>
+                        <a:t>Resistor 4K7</a:t>
+                      </a:r>
+                      <a:endParaRPr lang="en-US" sz="1600" dirty="0">
+                        <a:effectLst/>
+                        <a:latin typeface="Calibri" panose="020F0502020204030204" pitchFamily="34" charset="0"/>
+                        <a:ea typeface="Calibri" panose="020F0502020204030204" pitchFamily="34" charset="0"/>
+                        <a:cs typeface="Times New Roman" panose="02020603050405020304" pitchFamily="18" charset="0"/>
+                      </a:endParaRPr>
+                    </a:p>
+                  </a:txBody>
+                  <a:tcPr marL="68580" marR="68580" marT="0" marB="0"/>
+                </a:tc>
+                <a:tc>
+                  <a:txBody>
+                    <a:bodyPr/>
+                    <a:lstStyle/>
+                    <a:p>
+                      <a:pPr algn="ctr">
+                        <a:lnSpc>
+                          <a:spcPct val="107000"/>
+                        </a:lnSpc>
+                        <a:spcAft>
+                          <a:spcPts val="0"/>
+                        </a:spcAft>
+                      </a:pPr>
+                      <a:r>
+                        <a:rPr lang="en-US" sz="1600">
+                          <a:effectLst/>
+                        </a:rPr>
+                        <a:t>1</a:t>
+                      </a:r>
+                      <a:endParaRPr lang="en-US" sz="1600">
+                        <a:effectLst/>
+                        <a:latin typeface="Calibri" panose="020F0502020204030204" pitchFamily="34" charset="0"/>
+                        <a:ea typeface="Calibri" panose="020F0502020204030204" pitchFamily="34" charset="0"/>
+                        <a:cs typeface="Times New Roman" panose="02020603050405020304" pitchFamily="18" charset="0"/>
+                      </a:endParaRPr>
+                    </a:p>
+                  </a:txBody>
+                  <a:tcPr marL="68580" marR="68580" marT="0" marB="0"/>
+                </a:tc>
+                <a:tc>
+                  <a:txBody>
+                    <a:bodyPr/>
+                    <a:lstStyle/>
+                    <a:p>
+                      <a:pPr algn="r">
+                        <a:lnSpc>
+                          <a:spcPct val="107000"/>
+                        </a:lnSpc>
+                        <a:spcAft>
+                          <a:spcPts val="0"/>
+                        </a:spcAft>
+                      </a:pPr>
+                      <a:r>
+                        <a:rPr lang="en-US" sz="1600" dirty="0" err="1">
+                          <a:effectLst/>
+                        </a:rPr>
+                        <a:t>Rp</a:t>
+                      </a:r>
+                      <a:r>
+                        <a:rPr lang="en-US" sz="1600" dirty="0">
+                          <a:effectLst/>
+                        </a:rPr>
+                        <a:t>. 500.00</a:t>
+                      </a:r>
+                      <a:endParaRPr lang="en-US" sz="1600" dirty="0">
+                        <a:effectLst/>
+                        <a:latin typeface="Calibri" panose="020F0502020204030204" pitchFamily="34" charset="0"/>
+                        <a:ea typeface="Calibri" panose="020F0502020204030204" pitchFamily="34" charset="0"/>
+                        <a:cs typeface="Times New Roman" panose="02020603050405020304" pitchFamily="18" charset="0"/>
+                      </a:endParaRPr>
+                    </a:p>
+                  </a:txBody>
+                  <a:tcPr marL="68580" marR="68580" marT="0" marB="0"/>
+                </a:tc>
+                <a:tc>
+                  <a:txBody>
+                    <a:bodyPr/>
+                    <a:lstStyle/>
+                    <a:p>
+                      <a:pPr algn="r">
+                        <a:lnSpc>
+                          <a:spcPct val="107000"/>
+                        </a:lnSpc>
+                        <a:spcAft>
+                          <a:spcPts val="0"/>
+                        </a:spcAft>
+                      </a:pPr>
+                      <a:r>
+                        <a:rPr lang="en-US" sz="1600" dirty="0" err="1">
+                          <a:effectLst/>
+                        </a:rPr>
+                        <a:t>Rp</a:t>
+                      </a:r>
+                      <a:r>
+                        <a:rPr lang="en-US" sz="1600" dirty="0">
+                          <a:effectLst/>
+                        </a:rPr>
+                        <a:t>. 500.00</a:t>
+                      </a:r>
+                      <a:endParaRPr lang="en-US" sz="1600" dirty="0">
+                        <a:effectLst/>
+                        <a:latin typeface="Calibri" panose="020F0502020204030204" pitchFamily="34" charset="0"/>
+                        <a:ea typeface="Calibri" panose="020F0502020204030204" pitchFamily="34" charset="0"/>
+                        <a:cs typeface="Times New Roman" panose="02020603050405020304" pitchFamily="18" charset="0"/>
+                      </a:endParaRPr>
+                    </a:p>
+                  </a:txBody>
+                  <a:tcPr marL="68580" marR="68580" marT="0" marB="0"/>
+                </a:tc>
+                <a:extLst>
+                  <a:ext uri="{0D108BD9-81ED-4DB2-BD59-A6C34878D82A}">
+                    <a16:rowId xmlns:a16="http://schemas.microsoft.com/office/drawing/2014/main" val="3588629055"/>
+                  </a:ext>
+                </a:extLst>
+              </a:tr>
+              <a:tr h="275206">
+                <a:tc>
+                  <a:txBody>
+                    <a:bodyPr/>
+                    <a:lstStyle/>
+                    <a:p>
+                      <a:pPr algn="l">
+                        <a:lnSpc>
+                          <a:spcPct val="107000"/>
+                        </a:lnSpc>
+                        <a:spcAft>
+                          <a:spcPts val="0"/>
+                        </a:spcAft>
+                      </a:pPr>
+                      <a:r>
+                        <a:rPr lang="en-US" sz="1600" dirty="0">
+                          <a:effectLst/>
+                        </a:rPr>
+                        <a:t>Resistor 33K</a:t>
+                      </a:r>
+                      <a:endParaRPr lang="en-US" sz="1600" dirty="0">
+                        <a:effectLst/>
+                        <a:latin typeface="Calibri" panose="020F0502020204030204" pitchFamily="34" charset="0"/>
+                        <a:ea typeface="Calibri" panose="020F0502020204030204" pitchFamily="34" charset="0"/>
+                        <a:cs typeface="Times New Roman" panose="02020603050405020304" pitchFamily="18" charset="0"/>
+                      </a:endParaRPr>
+                    </a:p>
+                  </a:txBody>
+                  <a:tcPr marL="68580" marR="68580" marT="0" marB="0"/>
+                </a:tc>
+                <a:tc>
+                  <a:txBody>
+                    <a:bodyPr/>
+                    <a:lstStyle/>
+                    <a:p>
+                      <a:pPr algn="ctr">
+                        <a:lnSpc>
+                          <a:spcPct val="107000"/>
+                        </a:lnSpc>
+                        <a:spcAft>
+                          <a:spcPts val="0"/>
+                        </a:spcAft>
+                      </a:pPr>
+                      <a:r>
+                        <a:rPr lang="en-US" sz="1600">
+                          <a:effectLst/>
+                        </a:rPr>
+                        <a:t>2</a:t>
+                      </a:r>
+                      <a:endParaRPr lang="en-US" sz="1600">
+                        <a:effectLst/>
+                        <a:latin typeface="Calibri" panose="020F0502020204030204" pitchFamily="34" charset="0"/>
+                        <a:ea typeface="Calibri" panose="020F0502020204030204" pitchFamily="34" charset="0"/>
+                        <a:cs typeface="Times New Roman" panose="02020603050405020304" pitchFamily="18" charset="0"/>
+                      </a:endParaRPr>
+                    </a:p>
+                  </a:txBody>
+                  <a:tcPr marL="68580" marR="68580" marT="0" marB="0"/>
+                </a:tc>
+                <a:tc>
+                  <a:txBody>
+                    <a:bodyPr/>
+                    <a:lstStyle/>
+                    <a:p>
+                      <a:pPr algn="r">
+                        <a:lnSpc>
+                          <a:spcPct val="107000"/>
+                        </a:lnSpc>
+                        <a:spcAft>
+                          <a:spcPts val="0"/>
+                        </a:spcAft>
+                      </a:pPr>
+                      <a:r>
+                        <a:rPr lang="en-US" sz="1600">
+                          <a:effectLst/>
+                        </a:rPr>
+                        <a:t>Rp. 500.00</a:t>
+                      </a:r>
+                      <a:endParaRPr lang="en-US" sz="1600">
+                        <a:effectLst/>
+                        <a:latin typeface="Calibri" panose="020F0502020204030204" pitchFamily="34" charset="0"/>
+                        <a:ea typeface="Calibri" panose="020F0502020204030204" pitchFamily="34" charset="0"/>
+                        <a:cs typeface="Times New Roman" panose="02020603050405020304" pitchFamily="18" charset="0"/>
+                      </a:endParaRPr>
+                    </a:p>
+                  </a:txBody>
+                  <a:tcPr marL="68580" marR="68580" marT="0" marB="0"/>
+                </a:tc>
+                <a:tc>
+                  <a:txBody>
+                    <a:bodyPr/>
+                    <a:lstStyle/>
+                    <a:p>
+                      <a:pPr algn="r">
+                        <a:lnSpc>
+                          <a:spcPct val="107000"/>
+                        </a:lnSpc>
+                        <a:spcAft>
+                          <a:spcPts val="0"/>
+                        </a:spcAft>
+                      </a:pPr>
+                      <a:r>
+                        <a:rPr lang="en-US" sz="1600" dirty="0" err="1">
+                          <a:effectLst/>
+                        </a:rPr>
+                        <a:t>Rp</a:t>
+                      </a:r>
+                      <a:r>
+                        <a:rPr lang="en-US" sz="1600" dirty="0">
+                          <a:effectLst/>
+                        </a:rPr>
+                        <a:t>. 1,000.00</a:t>
+                      </a:r>
+                      <a:endParaRPr lang="en-US" sz="1600" dirty="0">
+                        <a:effectLst/>
+                        <a:latin typeface="Calibri" panose="020F0502020204030204" pitchFamily="34" charset="0"/>
+                        <a:ea typeface="Calibri" panose="020F0502020204030204" pitchFamily="34" charset="0"/>
+                        <a:cs typeface="Times New Roman" panose="02020603050405020304" pitchFamily="18" charset="0"/>
+                      </a:endParaRPr>
+                    </a:p>
+                  </a:txBody>
+                  <a:tcPr marL="68580" marR="68580" marT="0" marB="0"/>
+                </a:tc>
+                <a:extLst>
+                  <a:ext uri="{0D108BD9-81ED-4DB2-BD59-A6C34878D82A}">
+                    <a16:rowId xmlns:a16="http://schemas.microsoft.com/office/drawing/2014/main" val="674962560"/>
+                  </a:ext>
+                </a:extLst>
+              </a:tr>
+              <a:tr h="275206">
+                <a:tc>
+                  <a:txBody>
+                    <a:bodyPr/>
+                    <a:lstStyle/>
+                    <a:p>
+                      <a:pPr algn="l">
+                        <a:lnSpc>
+                          <a:spcPct val="107000"/>
+                        </a:lnSpc>
+                        <a:spcAft>
+                          <a:spcPts val="0"/>
+                        </a:spcAft>
+                      </a:pPr>
+                      <a:r>
+                        <a:rPr lang="en-US" sz="1600" dirty="0">
+                          <a:effectLst/>
+                        </a:rPr>
+                        <a:t>Resistor 100K</a:t>
+                      </a:r>
+                      <a:endParaRPr lang="en-US" sz="1600" dirty="0">
+                        <a:effectLst/>
+                        <a:latin typeface="Calibri" panose="020F0502020204030204" pitchFamily="34" charset="0"/>
+                        <a:ea typeface="Calibri" panose="020F0502020204030204" pitchFamily="34" charset="0"/>
+                        <a:cs typeface="Times New Roman" panose="02020603050405020304" pitchFamily="18" charset="0"/>
+                      </a:endParaRPr>
+                    </a:p>
+                  </a:txBody>
+                  <a:tcPr marL="68580" marR="68580" marT="0" marB="0"/>
+                </a:tc>
+                <a:tc>
+                  <a:txBody>
+                    <a:bodyPr/>
+                    <a:lstStyle/>
+                    <a:p>
+                      <a:pPr algn="ctr">
+                        <a:lnSpc>
+                          <a:spcPct val="107000"/>
+                        </a:lnSpc>
+                        <a:spcAft>
+                          <a:spcPts val="0"/>
+                        </a:spcAft>
+                      </a:pPr>
+                      <a:r>
+                        <a:rPr lang="en-US" sz="1600">
+                          <a:effectLst/>
+                        </a:rPr>
+                        <a:t>1</a:t>
+                      </a:r>
+                      <a:endParaRPr lang="en-US" sz="1600">
+                        <a:effectLst/>
+                        <a:latin typeface="Calibri" panose="020F0502020204030204" pitchFamily="34" charset="0"/>
+                        <a:ea typeface="Calibri" panose="020F0502020204030204" pitchFamily="34" charset="0"/>
+                        <a:cs typeface="Times New Roman" panose="02020603050405020304" pitchFamily="18" charset="0"/>
+                      </a:endParaRPr>
+                    </a:p>
+                  </a:txBody>
+                  <a:tcPr marL="68580" marR="68580" marT="0" marB="0"/>
+                </a:tc>
+                <a:tc>
+                  <a:txBody>
+                    <a:bodyPr/>
+                    <a:lstStyle/>
+                    <a:p>
+                      <a:pPr algn="r">
+                        <a:lnSpc>
+                          <a:spcPct val="107000"/>
+                        </a:lnSpc>
+                        <a:spcAft>
+                          <a:spcPts val="0"/>
+                        </a:spcAft>
+                      </a:pPr>
+                      <a:r>
+                        <a:rPr lang="en-US" sz="1600">
+                          <a:effectLst/>
+                        </a:rPr>
+                        <a:t>Rp. 500.00</a:t>
+                      </a:r>
+                      <a:endParaRPr lang="en-US" sz="1600">
+                        <a:effectLst/>
+                        <a:latin typeface="Calibri" panose="020F0502020204030204" pitchFamily="34" charset="0"/>
+                        <a:ea typeface="Calibri" panose="020F0502020204030204" pitchFamily="34" charset="0"/>
+                        <a:cs typeface="Times New Roman" panose="02020603050405020304" pitchFamily="18" charset="0"/>
+                      </a:endParaRPr>
+                    </a:p>
+                  </a:txBody>
+                  <a:tcPr marL="68580" marR="68580" marT="0" marB="0"/>
+                </a:tc>
+                <a:tc>
+                  <a:txBody>
+                    <a:bodyPr/>
+                    <a:lstStyle/>
+                    <a:p>
+                      <a:pPr algn="r">
+                        <a:lnSpc>
+                          <a:spcPct val="107000"/>
+                        </a:lnSpc>
+                        <a:spcAft>
+                          <a:spcPts val="0"/>
+                        </a:spcAft>
+                      </a:pPr>
+                      <a:r>
+                        <a:rPr lang="en-US" sz="1600" dirty="0" err="1">
+                          <a:effectLst/>
+                        </a:rPr>
+                        <a:t>Rp</a:t>
+                      </a:r>
+                      <a:r>
+                        <a:rPr lang="en-US" sz="1600" dirty="0">
+                          <a:effectLst/>
+                        </a:rPr>
+                        <a:t>. 500.00</a:t>
+                      </a:r>
+                      <a:endParaRPr lang="en-US" sz="1600" dirty="0">
+                        <a:effectLst/>
+                        <a:latin typeface="Calibri" panose="020F0502020204030204" pitchFamily="34" charset="0"/>
+                        <a:ea typeface="Calibri" panose="020F0502020204030204" pitchFamily="34" charset="0"/>
+                        <a:cs typeface="Times New Roman" panose="02020603050405020304" pitchFamily="18" charset="0"/>
+                      </a:endParaRPr>
+                    </a:p>
+                  </a:txBody>
+                  <a:tcPr marL="68580" marR="68580" marT="0" marB="0"/>
+                </a:tc>
+                <a:extLst>
+                  <a:ext uri="{0D108BD9-81ED-4DB2-BD59-A6C34878D82A}">
+                    <a16:rowId xmlns:a16="http://schemas.microsoft.com/office/drawing/2014/main" val="327783951"/>
+                  </a:ext>
+                </a:extLst>
+              </a:tr>
+              <a:tr h="275206">
+                <a:tc>
+                  <a:txBody>
+                    <a:bodyPr/>
+                    <a:lstStyle/>
+                    <a:p>
+                      <a:pPr algn="l">
+                        <a:lnSpc>
+                          <a:spcPct val="107000"/>
+                        </a:lnSpc>
+                        <a:spcAft>
+                          <a:spcPts val="0"/>
+                        </a:spcAft>
+                      </a:pPr>
+                      <a:r>
+                        <a:rPr lang="en-US" sz="1600" dirty="0">
+                          <a:effectLst/>
+                        </a:rPr>
+                        <a:t>Resistor 100 ohm</a:t>
+                      </a:r>
+                      <a:endParaRPr lang="en-US" sz="1600" dirty="0">
+                        <a:effectLst/>
+                        <a:latin typeface="Calibri" panose="020F0502020204030204" pitchFamily="34" charset="0"/>
+                        <a:ea typeface="Calibri" panose="020F0502020204030204" pitchFamily="34" charset="0"/>
+                        <a:cs typeface="Times New Roman" panose="02020603050405020304" pitchFamily="18" charset="0"/>
+                      </a:endParaRPr>
+                    </a:p>
+                  </a:txBody>
+                  <a:tcPr marL="68580" marR="68580" marT="0" marB="0"/>
+                </a:tc>
+                <a:tc>
+                  <a:txBody>
+                    <a:bodyPr/>
+                    <a:lstStyle/>
+                    <a:p>
+                      <a:pPr algn="ctr">
+                        <a:lnSpc>
+                          <a:spcPct val="107000"/>
+                        </a:lnSpc>
+                        <a:spcAft>
+                          <a:spcPts val="0"/>
+                        </a:spcAft>
+                      </a:pPr>
+                      <a:r>
+                        <a:rPr lang="en-US" sz="1600">
+                          <a:effectLst/>
+                        </a:rPr>
+                        <a:t>3</a:t>
+                      </a:r>
+                      <a:endParaRPr lang="en-US" sz="1600">
+                        <a:effectLst/>
+                        <a:latin typeface="Calibri" panose="020F0502020204030204" pitchFamily="34" charset="0"/>
+                        <a:ea typeface="Calibri" panose="020F0502020204030204" pitchFamily="34" charset="0"/>
+                        <a:cs typeface="Times New Roman" panose="02020603050405020304" pitchFamily="18" charset="0"/>
+                      </a:endParaRPr>
+                    </a:p>
+                  </a:txBody>
+                  <a:tcPr marL="68580" marR="68580" marT="0" marB="0"/>
+                </a:tc>
+                <a:tc>
+                  <a:txBody>
+                    <a:bodyPr/>
+                    <a:lstStyle/>
+                    <a:p>
+                      <a:pPr algn="r">
+                        <a:lnSpc>
+                          <a:spcPct val="107000"/>
+                        </a:lnSpc>
+                        <a:spcAft>
+                          <a:spcPts val="0"/>
+                        </a:spcAft>
+                      </a:pPr>
+                      <a:r>
+                        <a:rPr lang="en-US" sz="1600">
+                          <a:effectLst/>
+                        </a:rPr>
+                        <a:t>Rp. 500.00</a:t>
+                      </a:r>
+                      <a:endParaRPr lang="en-US" sz="1600">
+                        <a:effectLst/>
+                        <a:latin typeface="Calibri" panose="020F0502020204030204" pitchFamily="34" charset="0"/>
+                        <a:ea typeface="Calibri" panose="020F0502020204030204" pitchFamily="34" charset="0"/>
+                        <a:cs typeface="Times New Roman" panose="02020603050405020304" pitchFamily="18" charset="0"/>
+                      </a:endParaRPr>
+                    </a:p>
+                  </a:txBody>
+                  <a:tcPr marL="68580" marR="68580" marT="0" marB="0"/>
+                </a:tc>
+                <a:tc>
+                  <a:txBody>
+                    <a:bodyPr/>
+                    <a:lstStyle/>
+                    <a:p>
+                      <a:pPr algn="r">
+                        <a:lnSpc>
+                          <a:spcPct val="107000"/>
+                        </a:lnSpc>
+                        <a:spcAft>
+                          <a:spcPts val="0"/>
+                        </a:spcAft>
+                      </a:pPr>
+                      <a:r>
+                        <a:rPr lang="en-US" sz="1600" dirty="0" err="1">
+                          <a:effectLst/>
+                        </a:rPr>
+                        <a:t>Rp</a:t>
+                      </a:r>
+                      <a:r>
+                        <a:rPr lang="en-US" sz="1600" dirty="0">
+                          <a:effectLst/>
+                        </a:rPr>
+                        <a:t>. 1,500.00</a:t>
+                      </a:r>
+                      <a:endParaRPr lang="en-US" sz="1600" dirty="0">
+                        <a:effectLst/>
+                        <a:latin typeface="Calibri" panose="020F0502020204030204" pitchFamily="34" charset="0"/>
+                        <a:ea typeface="Calibri" panose="020F0502020204030204" pitchFamily="34" charset="0"/>
+                        <a:cs typeface="Times New Roman" panose="02020603050405020304" pitchFamily="18" charset="0"/>
+                      </a:endParaRPr>
+                    </a:p>
+                  </a:txBody>
+                  <a:tcPr marL="68580" marR="68580" marT="0" marB="0"/>
+                </a:tc>
+                <a:extLst>
+                  <a:ext uri="{0D108BD9-81ED-4DB2-BD59-A6C34878D82A}">
+                    <a16:rowId xmlns:a16="http://schemas.microsoft.com/office/drawing/2014/main" val="2267049357"/>
+                  </a:ext>
+                </a:extLst>
+              </a:tr>
+              <a:tr h="275206">
+                <a:tc>
+                  <a:txBody>
+                    <a:bodyPr/>
+                    <a:lstStyle/>
+                    <a:p>
+                      <a:pPr algn="l">
+                        <a:lnSpc>
+                          <a:spcPct val="107000"/>
+                        </a:lnSpc>
+                        <a:spcAft>
+                          <a:spcPts val="0"/>
+                        </a:spcAft>
+                      </a:pPr>
+                      <a:r>
+                        <a:rPr lang="en-US" sz="1600" dirty="0">
+                          <a:effectLst/>
+                        </a:rPr>
+                        <a:t>Resistor 330 ohm</a:t>
+                      </a:r>
+                      <a:endParaRPr lang="en-US" sz="1600" dirty="0">
+                        <a:effectLst/>
+                        <a:latin typeface="Calibri" panose="020F0502020204030204" pitchFamily="34" charset="0"/>
+                        <a:ea typeface="Calibri" panose="020F0502020204030204" pitchFamily="34" charset="0"/>
+                        <a:cs typeface="Times New Roman" panose="02020603050405020304" pitchFamily="18" charset="0"/>
+                      </a:endParaRPr>
+                    </a:p>
+                  </a:txBody>
+                  <a:tcPr marL="68580" marR="68580" marT="0" marB="0"/>
+                </a:tc>
+                <a:tc>
+                  <a:txBody>
+                    <a:bodyPr/>
+                    <a:lstStyle/>
+                    <a:p>
+                      <a:pPr algn="ctr">
+                        <a:lnSpc>
+                          <a:spcPct val="107000"/>
+                        </a:lnSpc>
+                        <a:spcAft>
+                          <a:spcPts val="0"/>
+                        </a:spcAft>
+                      </a:pPr>
+                      <a:r>
+                        <a:rPr lang="en-US" sz="1600" dirty="0">
+                          <a:effectLst/>
+                        </a:rPr>
+                        <a:t>2</a:t>
+                      </a:r>
+                      <a:endParaRPr lang="en-US" sz="1600" dirty="0">
+                        <a:effectLst/>
+                        <a:latin typeface="Calibri" panose="020F0502020204030204" pitchFamily="34" charset="0"/>
+                        <a:ea typeface="Calibri" panose="020F0502020204030204" pitchFamily="34" charset="0"/>
+                        <a:cs typeface="Times New Roman" panose="02020603050405020304" pitchFamily="18" charset="0"/>
+                      </a:endParaRPr>
+                    </a:p>
+                  </a:txBody>
+                  <a:tcPr marL="68580" marR="68580" marT="0" marB="0"/>
+                </a:tc>
+                <a:tc>
+                  <a:txBody>
+                    <a:bodyPr/>
+                    <a:lstStyle/>
+                    <a:p>
+                      <a:pPr algn="r">
+                        <a:lnSpc>
+                          <a:spcPct val="107000"/>
+                        </a:lnSpc>
+                        <a:spcAft>
+                          <a:spcPts val="0"/>
+                        </a:spcAft>
+                      </a:pPr>
+                      <a:r>
+                        <a:rPr lang="en-US" sz="1600" dirty="0" err="1">
+                          <a:effectLst/>
+                        </a:rPr>
+                        <a:t>Rp</a:t>
+                      </a:r>
+                      <a:r>
+                        <a:rPr lang="en-US" sz="1600" dirty="0">
+                          <a:effectLst/>
+                        </a:rPr>
+                        <a:t>. 500.00</a:t>
+                      </a:r>
+                      <a:endParaRPr lang="en-US" sz="1600" dirty="0">
+                        <a:effectLst/>
+                        <a:latin typeface="Calibri" panose="020F0502020204030204" pitchFamily="34" charset="0"/>
+                        <a:ea typeface="Calibri" panose="020F0502020204030204" pitchFamily="34" charset="0"/>
+                        <a:cs typeface="Times New Roman" panose="02020603050405020304" pitchFamily="18" charset="0"/>
+                      </a:endParaRPr>
+                    </a:p>
+                  </a:txBody>
+                  <a:tcPr marL="68580" marR="68580" marT="0" marB="0"/>
+                </a:tc>
+                <a:tc>
+                  <a:txBody>
+                    <a:bodyPr/>
+                    <a:lstStyle/>
+                    <a:p>
+                      <a:pPr algn="r">
+                        <a:lnSpc>
+                          <a:spcPct val="107000"/>
+                        </a:lnSpc>
+                        <a:spcAft>
+                          <a:spcPts val="0"/>
+                        </a:spcAft>
+                      </a:pPr>
+                      <a:r>
+                        <a:rPr lang="en-US" sz="1600" dirty="0" err="1">
+                          <a:effectLst/>
+                        </a:rPr>
+                        <a:t>Rp</a:t>
+                      </a:r>
+                      <a:r>
+                        <a:rPr lang="en-US" sz="1600" dirty="0">
+                          <a:effectLst/>
+                        </a:rPr>
+                        <a:t>. 1,000.00</a:t>
+                      </a:r>
+                      <a:endParaRPr lang="en-US" sz="1600" dirty="0">
+                        <a:effectLst/>
+                        <a:latin typeface="Calibri" panose="020F0502020204030204" pitchFamily="34" charset="0"/>
+                        <a:ea typeface="Calibri" panose="020F0502020204030204" pitchFamily="34" charset="0"/>
+                        <a:cs typeface="Times New Roman" panose="02020603050405020304" pitchFamily="18" charset="0"/>
+                      </a:endParaRPr>
+                    </a:p>
+                  </a:txBody>
+                  <a:tcPr marL="68580" marR="68580" marT="0" marB="0"/>
+                </a:tc>
+                <a:extLst>
+                  <a:ext uri="{0D108BD9-81ED-4DB2-BD59-A6C34878D82A}">
+                    <a16:rowId xmlns:a16="http://schemas.microsoft.com/office/drawing/2014/main" val="2556962594"/>
+                  </a:ext>
+                </a:extLst>
+              </a:tr>
+              <a:tr h="275206">
+                <a:tc>
+                  <a:txBody>
+                    <a:bodyPr/>
+                    <a:lstStyle/>
+                    <a:p>
+                      <a:pPr algn="l">
+                        <a:lnSpc>
+                          <a:spcPct val="107000"/>
+                        </a:lnSpc>
+                        <a:spcAft>
+                          <a:spcPts val="0"/>
+                        </a:spcAft>
+                      </a:pPr>
+                      <a:r>
+                        <a:rPr lang="en-US" sz="1600" dirty="0">
+                          <a:effectLst/>
+                        </a:rPr>
+                        <a:t>Resistor 10K ohm</a:t>
+                      </a:r>
+                      <a:endParaRPr lang="en-US" sz="1600" dirty="0">
+                        <a:effectLst/>
+                        <a:latin typeface="Calibri" panose="020F0502020204030204" pitchFamily="34" charset="0"/>
+                        <a:ea typeface="Calibri" panose="020F0502020204030204" pitchFamily="34" charset="0"/>
+                        <a:cs typeface="Times New Roman" panose="02020603050405020304" pitchFamily="18" charset="0"/>
+                      </a:endParaRPr>
+                    </a:p>
+                  </a:txBody>
+                  <a:tcPr marL="68580" marR="68580" marT="0" marB="0"/>
+                </a:tc>
+                <a:tc>
+                  <a:txBody>
+                    <a:bodyPr/>
+                    <a:lstStyle/>
+                    <a:p>
+                      <a:pPr algn="ctr">
+                        <a:lnSpc>
+                          <a:spcPct val="107000"/>
+                        </a:lnSpc>
+                        <a:spcAft>
+                          <a:spcPts val="0"/>
+                        </a:spcAft>
+                      </a:pPr>
+                      <a:r>
+                        <a:rPr lang="en-US" sz="1600">
+                          <a:effectLst/>
+                        </a:rPr>
+                        <a:t>1</a:t>
+                      </a:r>
+                      <a:endParaRPr lang="en-US" sz="1600">
+                        <a:effectLst/>
+                        <a:latin typeface="Calibri" panose="020F0502020204030204" pitchFamily="34" charset="0"/>
+                        <a:ea typeface="Calibri" panose="020F0502020204030204" pitchFamily="34" charset="0"/>
+                        <a:cs typeface="Times New Roman" panose="02020603050405020304" pitchFamily="18" charset="0"/>
+                      </a:endParaRPr>
+                    </a:p>
+                  </a:txBody>
+                  <a:tcPr marL="68580" marR="68580" marT="0" marB="0"/>
+                </a:tc>
+                <a:tc>
+                  <a:txBody>
+                    <a:bodyPr/>
+                    <a:lstStyle/>
+                    <a:p>
+                      <a:pPr algn="r">
+                        <a:lnSpc>
+                          <a:spcPct val="107000"/>
+                        </a:lnSpc>
+                        <a:spcAft>
+                          <a:spcPts val="0"/>
+                        </a:spcAft>
+                      </a:pPr>
+                      <a:r>
+                        <a:rPr lang="en-US" sz="1600">
+                          <a:effectLst/>
+                        </a:rPr>
+                        <a:t>Rp. 500.00</a:t>
+                      </a:r>
+                      <a:endParaRPr lang="en-US" sz="1600">
+                        <a:effectLst/>
+                        <a:latin typeface="Calibri" panose="020F0502020204030204" pitchFamily="34" charset="0"/>
+                        <a:ea typeface="Calibri" panose="020F0502020204030204" pitchFamily="34" charset="0"/>
+                        <a:cs typeface="Times New Roman" panose="02020603050405020304" pitchFamily="18" charset="0"/>
+                      </a:endParaRPr>
+                    </a:p>
+                  </a:txBody>
+                  <a:tcPr marL="68580" marR="68580" marT="0" marB="0"/>
+                </a:tc>
+                <a:tc>
+                  <a:txBody>
+                    <a:bodyPr/>
+                    <a:lstStyle/>
+                    <a:p>
+                      <a:pPr algn="r">
+                        <a:lnSpc>
+                          <a:spcPct val="107000"/>
+                        </a:lnSpc>
+                        <a:spcAft>
+                          <a:spcPts val="0"/>
+                        </a:spcAft>
+                      </a:pPr>
+                      <a:r>
+                        <a:rPr lang="en-US" sz="1600" dirty="0" err="1">
+                          <a:effectLst/>
+                        </a:rPr>
+                        <a:t>Rp</a:t>
+                      </a:r>
+                      <a:r>
+                        <a:rPr lang="en-US" sz="1600" dirty="0">
+                          <a:effectLst/>
+                        </a:rPr>
+                        <a:t>. 500.00</a:t>
+                      </a:r>
+                      <a:endParaRPr lang="en-US" sz="1600" dirty="0">
+                        <a:effectLst/>
+                        <a:latin typeface="Calibri" panose="020F0502020204030204" pitchFamily="34" charset="0"/>
+                        <a:ea typeface="Calibri" panose="020F0502020204030204" pitchFamily="34" charset="0"/>
+                        <a:cs typeface="Times New Roman" panose="02020603050405020304" pitchFamily="18" charset="0"/>
+                      </a:endParaRPr>
+                    </a:p>
+                  </a:txBody>
+                  <a:tcPr marL="68580" marR="68580" marT="0" marB="0"/>
+                </a:tc>
+                <a:extLst>
+                  <a:ext uri="{0D108BD9-81ED-4DB2-BD59-A6C34878D82A}">
+                    <a16:rowId xmlns:a16="http://schemas.microsoft.com/office/drawing/2014/main" val="761022757"/>
+                  </a:ext>
+                </a:extLst>
+              </a:tr>
+              <a:tr h="275206">
+                <a:tc>
+                  <a:txBody>
+                    <a:bodyPr/>
+                    <a:lstStyle/>
+                    <a:p>
+                      <a:pPr algn="l">
+                        <a:lnSpc>
+                          <a:spcPct val="107000"/>
+                        </a:lnSpc>
+                        <a:spcAft>
+                          <a:spcPts val="0"/>
+                        </a:spcAft>
+                      </a:pPr>
+                      <a:r>
+                        <a:rPr lang="en-US" sz="1600" dirty="0">
+                          <a:effectLst/>
+                        </a:rPr>
+                        <a:t>Resistor 0.5R</a:t>
+                      </a:r>
+                      <a:endParaRPr lang="en-US" sz="1600" dirty="0">
+                        <a:effectLst/>
+                        <a:latin typeface="Calibri" panose="020F0502020204030204" pitchFamily="34" charset="0"/>
+                        <a:ea typeface="Calibri" panose="020F0502020204030204" pitchFamily="34" charset="0"/>
+                        <a:cs typeface="Times New Roman" panose="02020603050405020304" pitchFamily="18" charset="0"/>
+                      </a:endParaRPr>
+                    </a:p>
+                  </a:txBody>
+                  <a:tcPr marL="68580" marR="68580" marT="0" marB="0"/>
+                </a:tc>
+                <a:tc>
+                  <a:txBody>
+                    <a:bodyPr/>
+                    <a:lstStyle/>
+                    <a:p>
+                      <a:pPr algn="ctr">
+                        <a:lnSpc>
+                          <a:spcPct val="107000"/>
+                        </a:lnSpc>
+                        <a:spcAft>
+                          <a:spcPts val="0"/>
+                        </a:spcAft>
+                      </a:pPr>
+                      <a:r>
+                        <a:rPr lang="en-US" sz="1600">
+                          <a:effectLst/>
+                        </a:rPr>
+                        <a:t>2</a:t>
+                      </a:r>
+                      <a:endParaRPr lang="en-US" sz="1600">
+                        <a:effectLst/>
+                        <a:latin typeface="Calibri" panose="020F0502020204030204" pitchFamily="34" charset="0"/>
+                        <a:ea typeface="Calibri" panose="020F0502020204030204" pitchFamily="34" charset="0"/>
+                        <a:cs typeface="Times New Roman" panose="02020603050405020304" pitchFamily="18" charset="0"/>
+                      </a:endParaRPr>
+                    </a:p>
+                  </a:txBody>
+                  <a:tcPr marL="68580" marR="68580" marT="0" marB="0"/>
+                </a:tc>
+                <a:tc>
+                  <a:txBody>
+                    <a:bodyPr/>
+                    <a:lstStyle/>
+                    <a:p>
+                      <a:pPr algn="r">
+                        <a:lnSpc>
+                          <a:spcPct val="107000"/>
+                        </a:lnSpc>
+                        <a:spcAft>
+                          <a:spcPts val="0"/>
+                        </a:spcAft>
+                      </a:pPr>
+                      <a:r>
+                        <a:rPr lang="en-US" sz="1600">
+                          <a:effectLst/>
+                        </a:rPr>
+                        <a:t>Rp. 1,000.00</a:t>
+                      </a:r>
+                      <a:endParaRPr lang="en-US" sz="1600">
+                        <a:effectLst/>
+                        <a:latin typeface="Calibri" panose="020F0502020204030204" pitchFamily="34" charset="0"/>
+                        <a:ea typeface="Calibri" panose="020F0502020204030204" pitchFamily="34" charset="0"/>
+                        <a:cs typeface="Times New Roman" panose="02020603050405020304" pitchFamily="18" charset="0"/>
+                      </a:endParaRPr>
+                    </a:p>
+                  </a:txBody>
+                  <a:tcPr marL="68580" marR="68580" marT="0" marB="0"/>
+                </a:tc>
+                <a:tc>
+                  <a:txBody>
+                    <a:bodyPr/>
+                    <a:lstStyle/>
+                    <a:p>
+                      <a:pPr algn="r">
+                        <a:lnSpc>
+                          <a:spcPct val="107000"/>
+                        </a:lnSpc>
+                        <a:spcAft>
+                          <a:spcPts val="0"/>
+                        </a:spcAft>
+                      </a:pPr>
+                      <a:r>
+                        <a:rPr lang="en-US" sz="1600" dirty="0" err="1">
+                          <a:effectLst/>
+                        </a:rPr>
+                        <a:t>Rp</a:t>
+                      </a:r>
+                      <a:r>
+                        <a:rPr lang="en-US" sz="1600" dirty="0">
+                          <a:effectLst/>
+                        </a:rPr>
+                        <a:t>. 2,000.00</a:t>
+                      </a:r>
+                      <a:endParaRPr lang="en-US" sz="1600" dirty="0">
+                        <a:effectLst/>
+                        <a:latin typeface="Calibri" panose="020F0502020204030204" pitchFamily="34" charset="0"/>
+                        <a:ea typeface="Calibri" panose="020F0502020204030204" pitchFamily="34" charset="0"/>
+                        <a:cs typeface="Times New Roman" panose="02020603050405020304" pitchFamily="18" charset="0"/>
+                      </a:endParaRPr>
+                    </a:p>
+                  </a:txBody>
+                  <a:tcPr marL="68580" marR="68580" marT="0" marB="0"/>
+                </a:tc>
+                <a:extLst>
+                  <a:ext uri="{0D108BD9-81ED-4DB2-BD59-A6C34878D82A}">
+                    <a16:rowId xmlns:a16="http://schemas.microsoft.com/office/drawing/2014/main" val="1256089482"/>
+                  </a:ext>
+                </a:extLst>
+              </a:tr>
+              <a:tr h="275206">
+                <a:tc>
+                  <a:txBody>
+                    <a:bodyPr/>
+                    <a:lstStyle/>
+                    <a:p>
+                      <a:pPr algn="l">
+                        <a:lnSpc>
+                          <a:spcPct val="107000"/>
+                        </a:lnSpc>
+                        <a:spcAft>
+                          <a:spcPts val="0"/>
+                        </a:spcAft>
+                      </a:pPr>
+                      <a:r>
+                        <a:rPr lang="en-US" sz="1600" dirty="0" err="1">
+                          <a:solidFill>
+                            <a:srgbClr val="000000"/>
+                          </a:solidFill>
+                          <a:effectLst/>
+                          <a:latin typeface="Calibri" panose="020F0502020204030204" pitchFamily="34" charset="0"/>
+                          <a:ea typeface="Times New Roman" panose="02020603050405020304" pitchFamily="18" charset="0"/>
+                          <a:cs typeface="Calibri" panose="020F0502020204030204" pitchFamily="34" charset="0"/>
+                        </a:rPr>
+                        <a:t>Dioda</a:t>
+                      </a:r>
+                      <a:r>
+                        <a:rPr lang="en-US" sz="1600" dirty="0">
+                          <a:solidFill>
+                            <a:srgbClr val="000000"/>
+                          </a:solidFill>
+                          <a:effectLst/>
+                          <a:latin typeface="Calibri" panose="020F0502020204030204" pitchFamily="34" charset="0"/>
+                          <a:ea typeface="Times New Roman" panose="02020603050405020304" pitchFamily="18" charset="0"/>
+                          <a:cs typeface="Calibri" panose="020F0502020204030204" pitchFamily="34" charset="0"/>
+                        </a:rPr>
+                        <a:t> </a:t>
+                      </a:r>
+                      <a:endParaRPr lang="en-US" sz="1600" dirty="0">
+                        <a:effectLst/>
+                        <a:latin typeface="Calibri" panose="020F0502020204030204" pitchFamily="34" charset="0"/>
+                        <a:ea typeface="Calibri" panose="020F0502020204030204" pitchFamily="34" charset="0"/>
+                        <a:cs typeface="Times New Roman" panose="02020603050405020304" pitchFamily="18" charset="0"/>
+                      </a:endParaRPr>
+                    </a:p>
+                  </a:txBody>
+                  <a:tcPr marL="68580" marR="68580" marT="0" marB="0"/>
+                </a:tc>
+                <a:tc>
+                  <a:txBody>
+                    <a:bodyPr/>
+                    <a:lstStyle/>
+                    <a:p>
+                      <a:pPr algn="ctr">
+                        <a:lnSpc>
+                          <a:spcPct val="107000"/>
+                        </a:lnSpc>
+                        <a:spcAft>
+                          <a:spcPts val="0"/>
+                        </a:spcAft>
+                      </a:pPr>
+                      <a:r>
+                        <a:rPr lang="en-US" sz="1600" dirty="0">
+                          <a:solidFill>
+                            <a:srgbClr val="000000"/>
+                          </a:solidFill>
+                          <a:effectLst/>
+                          <a:latin typeface="Calibri" panose="020F0502020204030204" pitchFamily="34" charset="0"/>
+                          <a:ea typeface="Times New Roman" panose="02020603050405020304" pitchFamily="18" charset="0"/>
+                          <a:cs typeface="Calibri" panose="020F0502020204030204" pitchFamily="34" charset="0"/>
+                        </a:rPr>
+                        <a:t>5</a:t>
+                      </a:r>
+                      <a:endParaRPr lang="en-US" sz="1600" dirty="0">
+                        <a:effectLst/>
+                        <a:latin typeface="Calibri" panose="020F0502020204030204" pitchFamily="34" charset="0"/>
+                        <a:ea typeface="Calibri" panose="020F0502020204030204" pitchFamily="34" charset="0"/>
+                        <a:cs typeface="Times New Roman" panose="02020603050405020304" pitchFamily="18" charset="0"/>
+                      </a:endParaRPr>
+                    </a:p>
+                  </a:txBody>
+                  <a:tcPr marL="68580" marR="68580" marT="0" marB="0"/>
+                </a:tc>
+                <a:tc>
+                  <a:txBody>
+                    <a:bodyPr/>
+                    <a:lstStyle/>
+                    <a:p>
+                      <a:pPr algn="r">
+                        <a:lnSpc>
+                          <a:spcPct val="107000"/>
+                        </a:lnSpc>
+                        <a:spcAft>
+                          <a:spcPts val="0"/>
+                        </a:spcAft>
+                      </a:pPr>
+                      <a:r>
+                        <a:rPr lang="en-US" sz="1600" dirty="0" err="1">
+                          <a:solidFill>
+                            <a:srgbClr val="000000"/>
+                          </a:solidFill>
+                          <a:effectLst/>
+                          <a:latin typeface="Calibri" panose="020F0502020204030204" pitchFamily="34" charset="0"/>
+                          <a:ea typeface="Times New Roman" panose="02020603050405020304" pitchFamily="18" charset="0"/>
+                          <a:cs typeface="Calibri" panose="020F0502020204030204" pitchFamily="34" charset="0"/>
+                        </a:rPr>
+                        <a:t>Rp</a:t>
+                      </a:r>
+                      <a:r>
+                        <a:rPr lang="en-US" sz="1600" dirty="0">
+                          <a:solidFill>
+                            <a:srgbClr val="000000"/>
+                          </a:solidFill>
+                          <a:effectLst/>
+                          <a:latin typeface="Calibri" panose="020F0502020204030204" pitchFamily="34" charset="0"/>
+                          <a:ea typeface="Times New Roman" panose="02020603050405020304" pitchFamily="18" charset="0"/>
+                          <a:cs typeface="Calibri" panose="020F0502020204030204" pitchFamily="34" charset="0"/>
+                        </a:rPr>
+                        <a:t>. 500.00</a:t>
+                      </a:r>
+                      <a:endParaRPr lang="en-US" sz="1600" dirty="0">
+                        <a:effectLst/>
+                        <a:latin typeface="Calibri" panose="020F0502020204030204" pitchFamily="34" charset="0"/>
+                        <a:ea typeface="Calibri" panose="020F0502020204030204" pitchFamily="34" charset="0"/>
+                        <a:cs typeface="Times New Roman" panose="02020603050405020304" pitchFamily="18" charset="0"/>
+                      </a:endParaRPr>
+                    </a:p>
+                  </a:txBody>
+                  <a:tcPr marL="68580" marR="68580" marT="0" marB="0"/>
+                </a:tc>
+                <a:tc>
+                  <a:txBody>
+                    <a:bodyPr/>
+                    <a:lstStyle/>
+                    <a:p>
+                      <a:pPr algn="r">
+                        <a:lnSpc>
+                          <a:spcPct val="107000"/>
+                        </a:lnSpc>
+                        <a:spcAft>
+                          <a:spcPts val="0"/>
+                        </a:spcAft>
+                      </a:pPr>
+                      <a:r>
+                        <a:rPr lang="en-US" sz="1600" dirty="0" err="1">
+                          <a:solidFill>
+                            <a:srgbClr val="000000"/>
+                          </a:solidFill>
+                          <a:effectLst/>
+                          <a:latin typeface="Calibri" panose="020F0502020204030204" pitchFamily="34" charset="0"/>
+                          <a:ea typeface="Times New Roman" panose="02020603050405020304" pitchFamily="18" charset="0"/>
+                          <a:cs typeface="Calibri" panose="020F0502020204030204" pitchFamily="34" charset="0"/>
+                        </a:rPr>
+                        <a:t>Rp</a:t>
+                      </a:r>
+                      <a:r>
+                        <a:rPr lang="en-US" sz="1600" dirty="0">
+                          <a:solidFill>
+                            <a:srgbClr val="000000"/>
+                          </a:solidFill>
+                          <a:effectLst/>
+                          <a:latin typeface="Calibri" panose="020F0502020204030204" pitchFamily="34" charset="0"/>
+                          <a:ea typeface="Times New Roman" panose="02020603050405020304" pitchFamily="18" charset="0"/>
+                          <a:cs typeface="Calibri" panose="020F0502020204030204" pitchFamily="34" charset="0"/>
+                        </a:rPr>
+                        <a:t>. 2,500.00</a:t>
+                      </a:r>
+                      <a:endParaRPr lang="en-US" sz="1600" dirty="0">
+                        <a:effectLst/>
+                        <a:latin typeface="Calibri" panose="020F0502020204030204" pitchFamily="34" charset="0"/>
+                        <a:ea typeface="Calibri" panose="020F0502020204030204" pitchFamily="34" charset="0"/>
+                        <a:cs typeface="Times New Roman" panose="02020603050405020304" pitchFamily="18" charset="0"/>
+                      </a:endParaRPr>
+                    </a:p>
+                  </a:txBody>
+                  <a:tcPr marL="68580" marR="68580" marT="0" marB="0"/>
+                </a:tc>
+                <a:extLst>
+                  <a:ext uri="{0D108BD9-81ED-4DB2-BD59-A6C34878D82A}">
+                    <a16:rowId xmlns:a16="http://schemas.microsoft.com/office/drawing/2014/main" val="3052165569"/>
+                  </a:ext>
+                </a:extLst>
+              </a:tr>
+              <a:tr h="275206">
+                <a:tc>
+                  <a:txBody>
+                    <a:bodyPr/>
+                    <a:lstStyle/>
+                    <a:p>
+                      <a:pPr algn="l">
+                        <a:lnSpc>
+                          <a:spcPct val="107000"/>
+                        </a:lnSpc>
+                        <a:spcAft>
+                          <a:spcPts val="0"/>
+                        </a:spcAft>
+                      </a:pPr>
+                      <a:r>
+                        <a:rPr lang="en-US" sz="1600" dirty="0">
+                          <a:solidFill>
+                            <a:srgbClr val="000000"/>
+                          </a:solidFill>
+                          <a:effectLst/>
+                          <a:latin typeface="Calibri" panose="020F0502020204030204" pitchFamily="34" charset="0"/>
+                          <a:ea typeface="Times New Roman" panose="02020603050405020304" pitchFamily="18" charset="0"/>
+                          <a:cs typeface="Calibri" panose="020F0502020204030204" pitchFamily="34" charset="0"/>
+                        </a:rPr>
+                        <a:t>Capacitor 100pF</a:t>
+                      </a:r>
+                      <a:endParaRPr lang="en-US" sz="1600" dirty="0">
+                        <a:effectLst/>
+                        <a:latin typeface="Calibri" panose="020F0502020204030204" pitchFamily="34" charset="0"/>
+                        <a:ea typeface="Calibri" panose="020F0502020204030204" pitchFamily="34" charset="0"/>
+                        <a:cs typeface="Times New Roman" panose="02020603050405020304" pitchFamily="18" charset="0"/>
+                      </a:endParaRPr>
+                    </a:p>
+                  </a:txBody>
+                  <a:tcPr marL="68580" marR="68580" marT="0" marB="0" anchor="ctr"/>
+                </a:tc>
+                <a:tc>
+                  <a:txBody>
+                    <a:bodyPr/>
+                    <a:lstStyle/>
+                    <a:p>
+                      <a:pPr algn="ctr">
+                        <a:lnSpc>
+                          <a:spcPct val="107000"/>
+                        </a:lnSpc>
+                        <a:spcAft>
+                          <a:spcPts val="0"/>
+                        </a:spcAft>
+                      </a:pPr>
+                      <a:r>
+                        <a:rPr lang="en-US" sz="1600" dirty="0">
+                          <a:solidFill>
+                            <a:srgbClr val="000000"/>
+                          </a:solidFill>
+                          <a:effectLst/>
+                          <a:latin typeface="Calibri" panose="020F0502020204030204" pitchFamily="34" charset="0"/>
+                          <a:ea typeface="Times New Roman" panose="02020603050405020304" pitchFamily="18" charset="0"/>
+                          <a:cs typeface="Calibri" panose="020F0502020204030204" pitchFamily="34" charset="0"/>
+                        </a:rPr>
+                        <a:t>1</a:t>
+                      </a:r>
+                      <a:endParaRPr lang="en-US" sz="1600" dirty="0">
+                        <a:effectLst/>
+                        <a:latin typeface="Calibri" panose="020F0502020204030204" pitchFamily="34" charset="0"/>
+                        <a:ea typeface="Calibri" panose="020F0502020204030204" pitchFamily="34" charset="0"/>
+                        <a:cs typeface="Times New Roman" panose="02020603050405020304" pitchFamily="18" charset="0"/>
+                      </a:endParaRPr>
+                    </a:p>
+                  </a:txBody>
+                  <a:tcPr marL="68580" marR="68580" marT="0" marB="0" anchor="ctr"/>
+                </a:tc>
+                <a:tc>
+                  <a:txBody>
+                    <a:bodyPr/>
+                    <a:lstStyle/>
+                    <a:p>
+                      <a:pPr algn="r">
+                        <a:lnSpc>
+                          <a:spcPct val="107000"/>
+                        </a:lnSpc>
+                        <a:spcAft>
+                          <a:spcPts val="0"/>
+                        </a:spcAft>
+                      </a:pPr>
+                      <a:r>
+                        <a:rPr lang="en-US" sz="1600">
+                          <a:solidFill>
+                            <a:srgbClr val="000000"/>
+                          </a:solidFill>
+                          <a:effectLst/>
+                          <a:latin typeface="Calibri" panose="020F0502020204030204" pitchFamily="34" charset="0"/>
+                          <a:ea typeface="Times New Roman" panose="02020603050405020304" pitchFamily="18" charset="0"/>
+                          <a:cs typeface="Calibri" panose="020F0502020204030204" pitchFamily="34" charset="0"/>
+                        </a:rPr>
+                        <a:t>Rp. 500.00</a:t>
+                      </a:r>
+                      <a:endParaRPr lang="en-US" sz="1600">
+                        <a:effectLst/>
+                        <a:latin typeface="Calibri" panose="020F0502020204030204" pitchFamily="34" charset="0"/>
+                        <a:ea typeface="Calibri" panose="020F0502020204030204" pitchFamily="34" charset="0"/>
+                        <a:cs typeface="Times New Roman" panose="02020603050405020304" pitchFamily="18" charset="0"/>
+                      </a:endParaRPr>
+                    </a:p>
+                  </a:txBody>
+                  <a:tcPr marL="68580" marR="68580" marT="0" marB="0" anchor="ctr"/>
+                </a:tc>
+                <a:tc>
+                  <a:txBody>
+                    <a:bodyPr/>
+                    <a:lstStyle/>
+                    <a:p>
+                      <a:pPr algn="r">
+                        <a:lnSpc>
+                          <a:spcPct val="107000"/>
+                        </a:lnSpc>
+                        <a:spcAft>
+                          <a:spcPts val="0"/>
+                        </a:spcAft>
+                      </a:pPr>
+                      <a:r>
+                        <a:rPr lang="en-US" sz="1600" dirty="0" err="1">
+                          <a:solidFill>
+                            <a:srgbClr val="000000"/>
+                          </a:solidFill>
+                          <a:effectLst/>
+                          <a:latin typeface="Calibri" panose="020F0502020204030204" pitchFamily="34" charset="0"/>
+                          <a:ea typeface="Times New Roman" panose="02020603050405020304" pitchFamily="18" charset="0"/>
+                          <a:cs typeface="Calibri" panose="020F0502020204030204" pitchFamily="34" charset="0"/>
+                        </a:rPr>
+                        <a:t>Rp</a:t>
+                      </a:r>
+                      <a:r>
+                        <a:rPr lang="en-US" sz="1600" dirty="0">
+                          <a:solidFill>
+                            <a:srgbClr val="000000"/>
+                          </a:solidFill>
+                          <a:effectLst/>
+                          <a:latin typeface="Calibri" panose="020F0502020204030204" pitchFamily="34" charset="0"/>
+                          <a:ea typeface="Times New Roman" panose="02020603050405020304" pitchFamily="18" charset="0"/>
+                          <a:cs typeface="Calibri" panose="020F0502020204030204" pitchFamily="34" charset="0"/>
+                        </a:rPr>
+                        <a:t>. 500.00</a:t>
+                      </a:r>
+                      <a:endParaRPr lang="en-US" sz="1600" dirty="0">
+                        <a:effectLst/>
+                        <a:latin typeface="Calibri" panose="020F0502020204030204" pitchFamily="34" charset="0"/>
+                        <a:ea typeface="Calibri" panose="020F0502020204030204" pitchFamily="34" charset="0"/>
+                        <a:cs typeface="Times New Roman" panose="02020603050405020304" pitchFamily="18" charset="0"/>
+                      </a:endParaRPr>
+                    </a:p>
+                  </a:txBody>
+                  <a:tcPr marL="68580" marR="68580" marT="0" marB="0" anchor="ctr"/>
+                </a:tc>
+                <a:extLst>
+                  <a:ext uri="{0D108BD9-81ED-4DB2-BD59-A6C34878D82A}">
+                    <a16:rowId xmlns:a16="http://schemas.microsoft.com/office/drawing/2014/main" val="71385364"/>
+                  </a:ext>
+                </a:extLst>
+              </a:tr>
+              <a:tr h="275206">
+                <a:tc>
+                  <a:txBody>
+                    <a:bodyPr/>
+                    <a:lstStyle/>
+                    <a:p>
+                      <a:pPr algn="l">
+                        <a:lnSpc>
+                          <a:spcPct val="107000"/>
+                        </a:lnSpc>
+                        <a:spcAft>
+                          <a:spcPts val="0"/>
+                        </a:spcAft>
+                      </a:pPr>
+                      <a:r>
+                        <a:rPr lang="en-US" sz="1600" dirty="0">
+                          <a:solidFill>
+                            <a:srgbClr val="000000"/>
+                          </a:solidFill>
+                          <a:effectLst/>
+                          <a:latin typeface="Calibri" panose="020F0502020204030204" pitchFamily="34" charset="0"/>
+                          <a:ea typeface="Times New Roman" panose="02020603050405020304" pitchFamily="18" charset="0"/>
+                          <a:cs typeface="Calibri" panose="020F0502020204030204" pitchFamily="34" charset="0"/>
+                        </a:rPr>
+                        <a:t>Capacitor 100nF</a:t>
+                      </a:r>
+                      <a:endParaRPr lang="en-US" sz="1600" dirty="0">
+                        <a:effectLst/>
+                        <a:latin typeface="Calibri" panose="020F0502020204030204" pitchFamily="34" charset="0"/>
+                        <a:ea typeface="Calibri" panose="020F0502020204030204" pitchFamily="34" charset="0"/>
+                        <a:cs typeface="Times New Roman" panose="02020603050405020304" pitchFamily="18" charset="0"/>
+                      </a:endParaRPr>
+                    </a:p>
+                  </a:txBody>
+                  <a:tcPr marL="68580" marR="68580" marT="0" marB="0" anchor="ctr"/>
+                </a:tc>
+                <a:tc>
+                  <a:txBody>
+                    <a:bodyPr/>
+                    <a:lstStyle/>
+                    <a:p>
+                      <a:pPr algn="ctr">
+                        <a:lnSpc>
+                          <a:spcPct val="107000"/>
+                        </a:lnSpc>
+                        <a:spcAft>
+                          <a:spcPts val="0"/>
+                        </a:spcAft>
+                      </a:pPr>
+                      <a:r>
+                        <a:rPr lang="en-US" sz="1600" dirty="0">
+                          <a:solidFill>
+                            <a:srgbClr val="000000"/>
+                          </a:solidFill>
+                          <a:effectLst/>
+                          <a:latin typeface="Calibri" panose="020F0502020204030204" pitchFamily="34" charset="0"/>
+                          <a:ea typeface="Times New Roman" panose="02020603050405020304" pitchFamily="18" charset="0"/>
+                          <a:cs typeface="Calibri" panose="020F0502020204030204" pitchFamily="34" charset="0"/>
+                        </a:rPr>
+                        <a:t>1</a:t>
+                      </a:r>
+                      <a:endParaRPr lang="en-US" sz="1600" dirty="0">
+                        <a:effectLst/>
+                        <a:latin typeface="Calibri" panose="020F0502020204030204" pitchFamily="34" charset="0"/>
+                        <a:ea typeface="Calibri" panose="020F0502020204030204" pitchFamily="34" charset="0"/>
+                        <a:cs typeface="Times New Roman" panose="02020603050405020304" pitchFamily="18" charset="0"/>
+                      </a:endParaRPr>
+                    </a:p>
+                  </a:txBody>
+                  <a:tcPr marL="68580" marR="68580" marT="0" marB="0" anchor="ctr"/>
+                </a:tc>
+                <a:tc>
+                  <a:txBody>
+                    <a:bodyPr/>
+                    <a:lstStyle/>
+                    <a:p>
+                      <a:pPr algn="r">
+                        <a:lnSpc>
+                          <a:spcPct val="107000"/>
+                        </a:lnSpc>
+                        <a:spcAft>
+                          <a:spcPts val="0"/>
+                        </a:spcAft>
+                      </a:pPr>
+                      <a:r>
+                        <a:rPr lang="en-US" sz="1600" dirty="0" err="1">
+                          <a:solidFill>
+                            <a:srgbClr val="000000"/>
+                          </a:solidFill>
+                          <a:effectLst/>
+                          <a:latin typeface="Calibri" panose="020F0502020204030204" pitchFamily="34" charset="0"/>
+                          <a:ea typeface="Times New Roman" panose="02020603050405020304" pitchFamily="18" charset="0"/>
+                          <a:cs typeface="Calibri" panose="020F0502020204030204" pitchFamily="34" charset="0"/>
+                        </a:rPr>
+                        <a:t>Rp</a:t>
+                      </a:r>
+                      <a:r>
+                        <a:rPr lang="en-US" sz="1600" dirty="0">
+                          <a:solidFill>
+                            <a:srgbClr val="000000"/>
+                          </a:solidFill>
+                          <a:effectLst/>
+                          <a:latin typeface="Calibri" panose="020F0502020204030204" pitchFamily="34" charset="0"/>
+                          <a:ea typeface="Times New Roman" panose="02020603050405020304" pitchFamily="18" charset="0"/>
+                          <a:cs typeface="Calibri" panose="020F0502020204030204" pitchFamily="34" charset="0"/>
+                        </a:rPr>
+                        <a:t>. 500.00</a:t>
+                      </a:r>
+                      <a:endParaRPr lang="en-US" sz="1600" dirty="0">
+                        <a:effectLst/>
+                        <a:latin typeface="Calibri" panose="020F0502020204030204" pitchFamily="34" charset="0"/>
+                        <a:ea typeface="Calibri" panose="020F0502020204030204" pitchFamily="34" charset="0"/>
+                        <a:cs typeface="Times New Roman" panose="02020603050405020304" pitchFamily="18" charset="0"/>
+                      </a:endParaRPr>
+                    </a:p>
+                  </a:txBody>
+                  <a:tcPr marL="68580" marR="68580" marT="0" marB="0" anchor="ctr"/>
+                </a:tc>
+                <a:tc>
+                  <a:txBody>
+                    <a:bodyPr/>
+                    <a:lstStyle/>
+                    <a:p>
+                      <a:pPr algn="r">
+                        <a:lnSpc>
+                          <a:spcPct val="107000"/>
+                        </a:lnSpc>
+                        <a:spcAft>
+                          <a:spcPts val="0"/>
+                        </a:spcAft>
+                      </a:pPr>
+                      <a:r>
+                        <a:rPr lang="en-US" sz="1600" dirty="0" err="1">
+                          <a:solidFill>
+                            <a:srgbClr val="000000"/>
+                          </a:solidFill>
+                          <a:effectLst/>
+                          <a:latin typeface="Calibri" panose="020F0502020204030204" pitchFamily="34" charset="0"/>
+                          <a:ea typeface="Times New Roman" panose="02020603050405020304" pitchFamily="18" charset="0"/>
+                          <a:cs typeface="Calibri" panose="020F0502020204030204" pitchFamily="34" charset="0"/>
+                        </a:rPr>
+                        <a:t>Rp</a:t>
+                      </a:r>
+                      <a:r>
+                        <a:rPr lang="en-US" sz="1600" dirty="0">
+                          <a:solidFill>
+                            <a:srgbClr val="000000"/>
+                          </a:solidFill>
+                          <a:effectLst/>
+                          <a:latin typeface="Calibri" panose="020F0502020204030204" pitchFamily="34" charset="0"/>
+                          <a:ea typeface="Times New Roman" panose="02020603050405020304" pitchFamily="18" charset="0"/>
+                          <a:cs typeface="Calibri" panose="020F0502020204030204" pitchFamily="34" charset="0"/>
+                        </a:rPr>
+                        <a:t>. 500.00</a:t>
+                      </a:r>
+                      <a:endParaRPr lang="en-US" sz="1600" dirty="0">
+                        <a:effectLst/>
+                        <a:latin typeface="Calibri" panose="020F0502020204030204" pitchFamily="34" charset="0"/>
+                        <a:ea typeface="Calibri" panose="020F0502020204030204" pitchFamily="34" charset="0"/>
+                        <a:cs typeface="Times New Roman" panose="02020603050405020304" pitchFamily="18" charset="0"/>
+                      </a:endParaRPr>
+                    </a:p>
+                  </a:txBody>
+                  <a:tcPr marL="68580" marR="68580" marT="0" marB="0" anchor="ctr"/>
+                </a:tc>
+                <a:extLst>
+                  <a:ext uri="{0D108BD9-81ED-4DB2-BD59-A6C34878D82A}">
+                    <a16:rowId xmlns:a16="http://schemas.microsoft.com/office/drawing/2014/main" val="770664510"/>
+                  </a:ext>
+                </a:extLst>
+              </a:tr>
+              <a:tr h="275206">
+                <a:tc>
+                  <a:txBody>
+                    <a:bodyPr/>
+                    <a:lstStyle/>
+                    <a:p>
+                      <a:pPr algn="l">
+                        <a:lnSpc>
+                          <a:spcPct val="107000"/>
+                        </a:lnSpc>
+                        <a:spcAft>
+                          <a:spcPts val="0"/>
+                        </a:spcAft>
+                      </a:pPr>
+                      <a:r>
+                        <a:rPr lang="en-US" sz="1600" dirty="0" err="1">
+                          <a:solidFill>
+                            <a:srgbClr val="000000"/>
+                          </a:solidFill>
+                          <a:effectLst/>
+                          <a:latin typeface="Calibri" panose="020F0502020204030204" pitchFamily="34" charset="0"/>
+                          <a:ea typeface="Times New Roman" panose="02020603050405020304" pitchFamily="18" charset="0"/>
+                          <a:cs typeface="Calibri" panose="020F0502020204030204" pitchFamily="34" charset="0"/>
+                        </a:rPr>
+                        <a:t>Elco</a:t>
+                      </a:r>
+                      <a:r>
+                        <a:rPr lang="en-US" sz="1600" dirty="0">
+                          <a:solidFill>
+                            <a:srgbClr val="000000"/>
+                          </a:solidFill>
+                          <a:effectLst/>
+                          <a:latin typeface="Calibri" panose="020F0502020204030204" pitchFamily="34" charset="0"/>
+                          <a:ea typeface="Times New Roman" panose="02020603050405020304" pitchFamily="18" charset="0"/>
+                          <a:cs typeface="Calibri" panose="020F0502020204030204" pitchFamily="34" charset="0"/>
+                        </a:rPr>
+                        <a:t> 47uF</a:t>
+                      </a:r>
+                      <a:endParaRPr lang="en-US" sz="1600" dirty="0">
+                        <a:effectLst/>
+                        <a:latin typeface="Calibri" panose="020F0502020204030204" pitchFamily="34" charset="0"/>
+                        <a:ea typeface="Calibri" panose="020F0502020204030204" pitchFamily="34" charset="0"/>
+                        <a:cs typeface="Times New Roman" panose="02020603050405020304" pitchFamily="18" charset="0"/>
+                      </a:endParaRPr>
+                    </a:p>
+                  </a:txBody>
+                  <a:tcPr marL="68580" marR="68580" marT="0" marB="0" anchor="ctr"/>
+                </a:tc>
+                <a:tc>
+                  <a:txBody>
+                    <a:bodyPr/>
+                    <a:lstStyle/>
+                    <a:p>
+                      <a:pPr algn="ctr">
+                        <a:lnSpc>
+                          <a:spcPct val="107000"/>
+                        </a:lnSpc>
+                        <a:spcAft>
+                          <a:spcPts val="0"/>
+                        </a:spcAft>
+                      </a:pPr>
+                      <a:r>
+                        <a:rPr lang="en-US" sz="1600" dirty="0">
+                          <a:solidFill>
+                            <a:srgbClr val="000000"/>
+                          </a:solidFill>
+                          <a:effectLst/>
+                          <a:latin typeface="Calibri" panose="020F0502020204030204" pitchFamily="34" charset="0"/>
+                          <a:ea typeface="Times New Roman" panose="02020603050405020304" pitchFamily="18" charset="0"/>
+                          <a:cs typeface="Calibri" panose="020F0502020204030204" pitchFamily="34" charset="0"/>
+                        </a:rPr>
+                        <a:t>4</a:t>
+                      </a:r>
+                      <a:endParaRPr lang="en-US" sz="1600" dirty="0">
+                        <a:effectLst/>
+                        <a:latin typeface="Calibri" panose="020F0502020204030204" pitchFamily="34" charset="0"/>
+                        <a:ea typeface="Calibri" panose="020F0502020204030204" pitchFamily="34" charset="0"/>
+                        <a:cs typeface="Times New Roman" panose="02020603050405020304" pitchFamily="18" charset="0"/>
+                      </a:endParaRPr>
+                    </a:p>
+                  </a:txBody>
+                  <a:tcPr marL="68580" marR="68580" marT="0" marB="0" anchor="ctr"/>
+                </a:tc>
+                <a:tc>
+                  <a:txBody>
+                    <a:bodyPr/>
+                    <a:lstStyle/>
+                    <a:p>
+                      <a:pPr algn="r">
+                        <a:lnSpc>
+                          <a:spcPct val="107000"/>
+                        </a:lnSpc>
+                        <a:spcAft>
+                          <a:spcPts val="0"/>
+                        </a:spcAft>
+                      </a:pPr>
+                      <a:r>
+                        <a:rPr lang="en-US" sz="1600" dirty="0" err="1">
+                          <a:solidFill>
+                            <a:srgbClr val="000000"/>
+                          </a:solidFill>
+                          <a:effectLst/>
+                          <a:latin typeface="Calibri" panose="020F0502020204030204" pitchFamily="34" charset="0"/>
+                          <a:ea typeface="Times New Roman" panose="02020603050405020304" pitchFamily="18" charset="0"/>
+                          <a:cs typeface="Calibri" panose="020F0502020204030204" pitchFamily="34" charset="0"/>
+                        </a:rPr>
+                        <a:t>Rp</a:t>
+                      </a:r>
+                      <a:r>
+                        <a:rPr lang="en-US" sz="1600" dirty="0">
+                          <a:solidFill>
+                            <a:srgbClr val="000000"/>
+                          </a:solidFill>
+                          <a:effectLst/>
+                          <a:latin typeface="Calibri" panose="020F0502020204030204" pitchFamily="34" charset="0"/>
+                          <a:ea typeface="Times New Roman" panose="02020603050405020304" pitchFamily="18" charset="0"/>
+                          <a:cs typeface="Calibri" panose="020F0502020204030204" pitchFamily="34" charset="0"/>
+                        </a:rPr>
+                        <a:t>. 1,000.00</a:t>
+                      </a:r>
+                      <a:endParaRPr lang="en-US" sz="1600" dirty="0">
+                        <a:effectLst/>
+                        <a:latin typeface="Calibri" panose="020F0502020204030204" pitchFamily="34" charset="0"/>
+                        <a:ea typeface="Calibri" panose="020F0502020204030204" pitchFamily="34" charset="0"/>
+                        <a:cs typeface="Times New Roman" panose="02020603050405020304" pitchFamily="18" charset="0"/>
+                      </a:endParaRPr>
+                    </a:p>
+                  </a:txBody>
+                  <a:tcPr marL="68580" marR="68580" marT="0" marB="0" anchor="ctr"/>
+                </a:tc>
+                <a:tc>
+                  <a:txBody>
+                    <a:bodyPr/>
+                    <a:lstStyle/>
+                    <a:p>
+                      <a:pPr algn="r">
+                        <a:lnSpc>
+                          <a:spcPct val="107000"/>
+                        </a:lnSpc>
+                        <a:spcAft>
+                          <a:spcPts val="0"/>
+                        </a:spcAft>
+                      </a:pPr>
+                      <a:r>
+                        <a:rPr lang="en-US" sz="1600" dirty="0" err="1">
+                          <a:solidFill>
+                            <a:srgbClr val="000000"/>
+                          </a:solidFill>
+                          <a:effectLst/>
+                          <a:latin typeface="Calibri" panose="020F0502020204030204" pitchFamily="34" charset="0"/>
+                          <a:ea typeface="Times New Roman" panose="02020603050405020304" pitchFamily="18" charset="0"/>
+                          <a:cs typeface="Calibri" panose="020F0502020204030204" pitchFamily="34" charset="0"/>
+                        </a:rPr>
+                        <a:t>Rp</a:t>
+                      </a:r>
+                      <a:r>
+                        <a:rPr lang="en-US" sz="1600" dirty="0">
+                          <a:solidFill>
+                            <a:srgbClr val="000000"/>
+                          </a:solidFill>
+                          <a:effectLst/>
+                          <a:latin typeface="Calibri" panose="020F0502020204030204" pitchFamily="34" charset="0"/>
+                          <a:ea typeface="Times New Roman" panose="02020603050405020304" pitchFamily="18" charset="0"/>
+                          <a:cs typeface="Calibri" panose="020F0502020204030204" pitchFamily="34" charset="0"/>
+                        </a:rPr>
+                        <a:t>. 4,000.00</a:t>
+                      </a:r>
+                      <a:endParaRPr lang="en-US" sz="1600" dirty="0">
+                        <a:effectLst/>
+                        <a:latin typeface="Calibri" panose="020F0502020204030204" pitchFamily="34" charset="0"/>
+                        <a:ea typeface="Calibri" panose="020F0502020204030204" pitchFamily="34" charset="0"/>
+                        <a:cs typeface="Times New Roman" panose="02020603050405020304" pitchFamily="18" charset="0"/>
+                      </a:endParaRPr>
+                    </a:p>
+                  </a:txBody>
+                  <a:tcPr marL="68580" marR="68580" marT="0" marB="0" anchor="ctr"/>
+                </a:tc>
+                <a:extLst>
+                  <a:ext uri="{0D108BD9-81ED-4DB2-BD59-A6C34878D82A}">
+                    <a16:rowId xmlns:a16="http://schemas.microsoft.com/office/drawing/2014/main" val="1983572009"/>
+                  </a:ext>
+                </a:extLst>
+              </a:tr>
+            </a:tbl>
+          </a:graphicData>
+        </a:graphic>
+      </p:graphicFrame>
+      <p:graphicFrame>
+        <p:nvGraphicFramePr>
+          <p:cNvPr id="12" name="Table 12">
+            <a:extLst>
+              <a:ext uri="{FF2B5EF4-FFF2-40B4-BE49-F238E27FC236}">
+                <a16:creationId xmlns:a16="http://schemas.microsoft.com/office/drawing/2014/main" id="{96AE46A5-8131-4738-B806-C9173CC8CBED}"/>
+              </a:ext>
+            </a:extLst>
+          </p:cNvPr>
+          <p:cNvGraphicFramePr>
+            <a:graphicFrameLocks noGrp="1"/>
+          </p:cNvGraphicFramePr>
+          <p:nvPr>
+            <p:extLst>
+              <p:ext uri="{D42A27DB-BD31-4B8C-83A1-F6EECF244321}">
+                <p14:modId xmlns:p14="http://schemas.microsoft.com/office/powerpoint/2010/main" val="2155090338"/>
+              </p:ext>
+            </p:extLst>
+          </p:nvPr>
+        </p:nvGraphicFramePr>
+        <p:xfrm>
+          <a:off x="6413500" y="3956878"/>
+          <a:ext cx="5240433" cy="616775"/>
+        </p:xfrm>
+        <a:graphic>
+          <a:graphicData uri="http://schemas.openxmlformats.org/drawingml/2006/table">
+            <a:tbl>
+              <a:tblPr firstRow="1" bandRow="1">
+                <a:tableStyleId>{5940675A-B579-460E-94D1-54222C63F5DA}</a:tableStyleId>
+              </a:tblPr>
+              <a:tblGrid>
+                <a:gridCol w="5240433">
+                  <a:extLst>
+                    <a:ext uri="{9D8B030D-6E8A-4147-A177-3AD203B41FA5}">
+                      <a16:colId xmlns:a16="http://schemas.microsoft.com/office/drawing/2014/main" val="2347947165"/>
+                    </a:ext>
+                  </a:extLst>
+                </a:gridCol>
+              </a:tblGrid>
+              <a:tr h="616775">
+                <a:tc>
+                  <a:txBody>
+                    <a:bodyPr/>
+                    <a:lstStyle/>
+                    <a:p>
+                      <a:pPr lvl="7" algn="l">
+                        <a:lnSpc>
+                          <a:spcPct val="107000"/>
+                        </a:lnSpc>
+                        <a:spcAft>
+                          <a:spcPts val="0"/>
+                        </a:spcAft>
+                      </a:pPr>
+                      <a:r>
+                        <a:rPr lang="en-US" sz="2000" dirty="0">
+                          <a:effectLst/>
+                          <a:latin typeface="+mn-lt"/>
+                          <a:ea typeface="Calibri" panose="020F0502020204030204" pitchFamily="34" charset="0"/>
+                          <a:cs typeface="Times New Roman" panose="02020603050405020304" pitchFamily="18" charset="0"/>
+                        </a:rPr>
+                        <a:t>Total</a:t>
+                      </a:r>
+                      <a:r>
+                        <a:rPr lang="en-US" sz="2000" baseline="0" dirty="0">
+                          <a:effectLst/>
+                          <a:latin typeface="+mn-lt"/>
+                          <a:ea typeface="Calibri" panose="020F0502020204030204" pitchFamily="34" charset="0"/>
+                          <a:cs typeface="Times New Roman" panose="02020603050405020304" pitchFamily="18" charset="0"/>
+                        </a:rPr>
+                        <a:t> : Rp.73.000,-</a:t>
+                      </a:r>
+                      <a:endParaRPr lang="en-US" sz="2000" dirty="0">
+                        <a:effectLst/>
+                        <a:latin typeface="+mn-lt"/>
+                        <a:ea typeface="Calibri" panose="020F0502020204030204" pitchFamily="34" charset="0"/>
+                        <a:cs typeface="Times New Roman" panose="02020603050405020304" pitchFamily="18" charset="0"/>
+                      </a:endParaRPr>
+                    </a:p>
+                  </a:txBody>
+                  <a:tcPr marL="68580" marR="68580" marT="0" marB="0" anchor="ctr"/>
+                </a:tc>
+                <a:extLst>
+                  <a:ext uri="{0D108BD9-81ED-4DB2-BD59-A6C34878D82A}">
+                    <a16:rowId xmlns:a16="http://schemas.microsoft.com/office/drawing/2014/main" val="3673434540"/>
+                  </a:ext>
+                </a:extLst>
+              </a:tr>
+            </a:tbl>
+          </a:graphicData>
+        </a:graphic>
+      </p:graphicFrame>
+      <p:sp>
+        <p:nvSpPr>
+          <p:cNvPr id="4" name="TextBox 3">
+            <a:extLst>
+              <a:ext uri="{FF2B5EF4-FFF2-40B4-BE49-F238E27FC236}">
+                <a16:creationId xmlns:a16="http://schemas.microsoft.com/office/drawing/2014/main" id="{564D0F8B-FA79-4E52-83C4-4CF664AC5D93}"/>
+              </a:ext>
+            </a:extLst>
+          </p:cNvPr>
+          <p:cNvSpPr txBox="1"/>
+          <p:nvPr/>
+        </p:nvSpPr>
+        <p:spPr>
+          <a:xfrm>
+            <a:off x="499967" y="106280"/>
+            <a:ext cx="914400" cy="461665"/>
+          </a:xfrm>
+          <a:prstGeom prst="rect">
+            <a:avLst/>
+          </a:prstGeom>
+          <a:noFill/>
+        </p:spPr>
+        <p:txBody>
+          <a:bodyPr wrap="square" rtlCol="0">
+            <a:spAutoFit/>
+          </a:bodyPr>
+          <a:lstStyle/>
+          <a:p>
+            <a:r>
+              <a:rPr lang="en-US" sz="2400" dirty="0"/>
+              <a:t>Cost</a:t>
+            </a:r>
+          </a:p>
+        </p:txBody>
+      </p:sp>
+      <p:graphicFrame>
+        <p:nvGraphicFramePr>
+          <p:cNvPr id="2" name="Table 1">
+            <a:extLst>
+              <a:ext uri="{FF2B5EF4-FFF2-40B4-BE49-F238E27FC236}">
+                <a16:creationId xmlns:a16="http://schemas.microsoft.com/office/drawing/2014/main" id="{3705F812-CE1F-4941-A2F5-DC8ADE236BBE}"/>
+              </a:ext>
+            </a:extLst>
+          </p:cNvPr>
+          <p:cNvGraphicFramePr>
+            <a:graphicFrameLocks noGrp="1"/>
+          </p:cNvGraphicFramePr>
+          <p:nvPr>
+            <p:extLst>
+              <p:ext uri="{D42A27DB-BD31-4B8C-83A1-F6EECF244321}">
+                <p14:modId xmlns:p14="http://schemas.microsoft.com/office/powerpoint/2010/main" val="2691637391"/>
+              </p:ext>
+            </p:extLst>
+          </p:nvPr>
+        </p:nvGraphicFramePr>
+        <p:xfrm>
+          <a:off x="6413500" y="1026784"/>
+          <a:ext cx="5240433" cy="2402216"/>
+        </p:xfrm>
+        <a:graphic>
+          <a:graphicData uri="http://schemas.openxmlformats.org/drawingml/2006/table">
+            <a:tbl>
+              <a:tblPr firstRow="1" bandRow="1">
+                <a:tableStyleId>{5940675A-B579-460E-94D1-54222C63F5DA}</a:tableStyleId>
+              </a:tblPr>
+              <a:tblGrid>
+                <a:gridCol w="1536700">
+                  <a:extLst>
+                    <a:ext uri="{9D8B030D-6E8A-4147-A177-3AD203B41FA5}">
+                      <a16:colId xmlns:a16="http://schemas.microsoft.com/office/drawing/2014/main" val="1373160063"/>
+                    </a:ext>
+                  </a:extLst>
+                </a:gridCol>
+                <a:gridCol w="1067295">
+                  <a:extLst>
+                    <a:ext uri="{9D8B030D-6E8A-4147-A177-3AD203B41FA5}">
+                      <a16:colId xmlns:a16="http://schemas.microsoft.com/office/drawing/2014/main" val="1001059792"/>
+                    </a:ext>
+                  </a:extLst>
+                </a:gridCol>
+                <a:gridCol w="1318219">
+                  <a:extLst>
+                    <a:ext uri="{9D8B030D-6E8A-4147-A177-3AD203B41FA5}">
+                      <a16:colId xmlns:a16="http://schemas.microsoft.com/office/drawing/2014/main" val="314012904"/>
+                    </a:ext>
+                  </a:extLst>
+                </a:gridCol>
+                <a:gridCol w="1318219">
+                  <a:extLst>
+                    <a:ext uri="{9D8B030D-6E8A-4147-A177-3AD203B41FA5}">
+                      <a16:colId xmlns:a16="http://schemas.microsoft.com/office/drawing/2014/main" val="1342727876"/>
+                    </a:ext>
+                  </a:extLst>
+                </a:gridCol>
+              </a:tblGrid>
+              <a:tr h="258367">
+                <a:tc>
+                  <a:txBody>
+                    <a:bodyPr/>
+                    <a:lstStyle/>
+                    <a:p>
+                      <a:pPr algn="ctr"/>
+                      <a:r>
+                        <a:rPr lang="en-US" sz="1600" dirty="0"/>
+                        <a:t>Name</a:t>
+                      </a:r>
+                    </a:p>
+                  </a:txBody>
+                  <a:tcPr/>
+                </a:tc>
+                <a:tc>
+                  <a:txBody>
+                    <a:bodyPr/>
+                    <a:lstStyle/>
+                    <a:p>
+                      <a:pPr algn="ctr"/>
+                      <a:r>
+                        <a:rPr lang="en-US" sz="1600" baseline="0" dirty="0"/>
+                        <a:t>amount</a:t>
+                      </a:r>
+                      <a:endParaRPr lang="en-US" sz="1600" dirty="0"/>
+                    </a:p>
+                  </a:txBody>
+                  <a:tcPr/>
+                </a:tc>
+                <a:tc>
+                  <a:txBody>
+                    <a:bodyPr/>
+                    <a:lstStyle/>
+                    <a:p>
+                      <a:pPr algn="ctr"/>
+                      <a:r>
+                        <a:rPr lang="en-US" sz="1600" dirty="0"/>
+                        <a:t>Price</a:t>
+                      </a:r>
+                    </a:p>
+                  </a:txBody>
+                  <a:tcPr/>
+                </a:tc>
+                <a:tc>
+                  <a:txBody>
+                    <a:bodyPr/>
+                    <a:lstStyle/>
+                    <a:p>
+                      <a:pPr algn="ctr"/>
+                      <a:r>
+                        <a:rPr lang="en-US" sz="1600" dirty="0"/>
+                        <a:t>Total</a:t>
+                      </a:r>
+                      <a:r>
+                        <a:rPr lang="en-US" sz="1600" baseline="0" dirty="0"/>
+                        <a:t> Price</a:t>
+                      </a:r>
+                      <a:endParaRPr lang="en-US" sz="1600" dirty="0"/>
+                    </a:p>
+                  </a:txBody>
+                  <a:tcPr/>
+                </a:tc>
+                <a:extLst>
+                  <a:ext uri="{0D108BD9-81ED-4DB2-BD59-A6C34878D82A}">
+                    <a16:rowId xmlns:a16="http://schemas.microsoft.com/office/drawing/2014/main" val="496423261"/>
+                  </a:ext>
+                </a:extLst>
+              </a:tr>
+              <a:tr h="258367">
+                <a:tc>
+                  <a:txBody>
+                    <a:bodyPr/>
+                    <a:lstStyle/>
+                    <a:p>
+                      <a:pPr>
+                        <a:lnSpc>
+                          <a:spcPct val="107000"/>
+                        </a:lnSpc>
+                        <a:spcAft>
+                          <a:spcPts val="0"/>
+                        </a:spcAft>
+                      </a:pPr>
+                      <a:r>
+                        <a:rPr lang="en-US" sz="1400" dirty="0">
+                          <a:effectLst/>
+                          <a:latin typeface="+mj-lt"/>
+                          <a:ea typeface="Calibri" panose="020F0502020204030204" pitchFamily="34" charset="0"/>
+                          <a:cs typeface="Times New Roman" panose="02020603050405020304" pitchFamily="18" charset="0"/>
+                        </a:rPr>
+                        <a:t>PCB</a:t>
+                      </a:r>
+                    </a:p>
+                  </a:txBody>
+                  <a:tcPr marL="68580" marR="68580" marT="0" marB="0" anchor="ctr"/>
+                </a:tc>
+                <a:tc>
+                  <a:txBody>
+                    <a:bodyPr/>
+                    <a:lstStyle/>
+                    <a:p>
+                      <a:pPr algn="ctr">
+                        <a:lnSpc>
+                          <a:spcPct val="107000"/>
+                        </a:lnSpc>
+                        <a:spcAft>
+                          <a:spcPts val="0"/>
+                        </a:spcAft>
+                      </a:pPr>
+                      <a:r>
+                        <a:rPr lang="en-US" sz="1400" dirty="0">
+                          <a:effectLst/>
+                          <a:latin typeface="+mj-lt"/>
+                          <a:ea typeface="Calibri" panose="020F0502020204030204" pitchFamily="34" charset="0"/>
+                          <a:cs typeface="Times New Roman" panose="02020603050405020304" pitchFamily="18" charset="0"/>
+                        </a:rPr>
+                        <a:t>1</a:t>
+                      </a:r>
+                    </a:p>
+                  </a:txBody>
+                  <a:tcPr marL="68580" marR="68580" marT="0" marB="0" anchor="ctr"/>
+                </a:tc>
+                <a:tc>
+                  <a:txBody>
+                    <a:bodyPr/>
+                    <a:lstStyle/>
+                    <a:p>
+                      <a:pPr>
+                        <a:lnSpc>
+                          <a:spcPct val="107000"/>
+                        </a:lnSpc>
+                        <a:spcAft>
+                          <a:spcPts val="0"/>
+                        </a:spcAft>
+                      </a:pPr>
+                      <a:r>
+                        <a:rPr lang="en-US" sz="1400" dirty="0" err="1">
+                          <a:effectLst/>
+                          <a:latin typeface="+mj-lt"/>
+                          <a:ea typeface="Calibri" panose="020F0502020204030204" pitchFamily="34" charset="0"/>
+                          <a:cs typeface="Times New Roman" panose="02020603050405020304" pitchFamily="18" charset="0"/>
+                        </a:rPr>
+                        <a:t>Rp</a:t>
+                      </a:r>
+                      <a:r>
+                        <a:rPr lang="en-US" sz="1400" dirty="0">
+                          <a:effectLst/>
+                          <a:latin typeface="+mj-lt"/>
+                          <a:ea typeface="Calibri" panose="020F0502020204030204" pitchFamily="34" charset="0"/>
+                          <a:cs typeface="Times New Roman" panose="02020603050405020304" pitchFamily="18" charset="0"/>
+                        </a:rPr>
+                        <a:t>. 5000.00</a:t>
+                      </a:r>
+                    </a:p>
+                  </a:txBody>
+                  <a:tcPr marL="68580" marR="68580" marT="0" marB="0" anchor="ctr"/>
+                </a:tc>
+                <a:tc>
+                  <a:txBody>
+                    <a:bodyPr/>
+                    <a:lstStyle/>
+                    <a:p>
+                      <a:pPr>
+                        <a:lnSpc>
+                          <a:spcPct val="107000"/>
+                        </a:lnSpc>
+                        <a:spcAft>
+                          <a:spcPts val="0"/>
+                        </a:spcAft>
+                      </a:pPr>
+                      <a:r>
+                        <a:rPr lang="en-US" sz="1400" dirty="0" err="1">
+                          <a:effectLst/>
+                          <a:latin typeface="+mj-lt"/>
+                          <a:ea typeface="Calibri" panose="020F0502020204030204" pitchFamily="34" charset="0"/>
+                          <a:cs typeface="Times New Roman" panose="02020603050405020304" pitchFamily="18" charset="0"/>
+                        </a:rPr>
+                        <a:t>Rp</a:t>
+                      </a:r>
+                      <a:r>
+                        <a:rPr lang="en-US" sz="1400" dirty="0">
+                          <a:effectLst/>
+                          <a:latin typeface="+mj-lt"/>
+                          <a:ea typeface="Calibri" panose="020F0502020204030204" pitchFamily="34" charset="0"/>
+                          <a:cs typeface="Times New Roman" panose="02020603050405020304" pitchFamily="18" charset="0"/>
+                        </a:rPr>
+                        <a:t>. 5000.00</a:t>
+                      </a:r>
+                    </a:p>
+                  </a:txBody>
+                  <a:tcPr marL="68580" marR="68580" marT="0" marB="0" anchor="ctr"/>
+                </a:tc>
+                <a:extLst>
+                  <a:ext uri="{0D108BD9-81ED-4DB2-BD59-A6C34878D82A}">
+                    <a16:rowId xmlns:a16="http://schemas.microsoft.com/office/drawing/2014/main" val="2876562393"/>
+                  </a:ext>
+                </a:extLst>
+              </a:tr>
+              <a:tr h="258367">
+                <a:tc>
+                  <a:txBody>
+                    <a:bodyPr/>
+                    <a:lstStyle/>
+                    <a:p>
+                      <a:pPr>
+                        <a:lnSpc>
+                          <a:spcPct val="107000"/>
+                        </a:lnSpc>
+                        <a:spcAft>
+                          <a:spcPts val="0"/>
+                        </a:spcAft>
+                      </a:pPr>
+                      <a:r>
+                        <a:rPr lang="en-US" sz="1400" dirty="0">
+                          <a:solidFill>
+                            <a:srgbClr val="000000"/>
+                          </a:solidFill>
+                          <a:effectLst/>
+                          <a:latin typeface="+mj-lt"/>
+                          <a:ea typeface="Times New Roman" panose="02020603050405020304" pitchFamily="18" charset="0"/>
+                          <a:cs typeface="Calibri" panose="020F0502020204030204" pitchFamily="34" charset="0"/>
+                        </a:rPr>
+                        <a:t>Transistor D400</a:t>
+                      </a:r>
+                      <a:endParaRPr lang="en-US" sz="1400" dirty="0">
+                        <a:effectLst/>
+                        <a:latin typeface="+mj-lt"/>
+                        <a:ea typeface="Calibri" panose="020F0502020204030204" pitchFamily="34" charset="0"/>
+                        <a:cs typeface="Times New Roman" panose="02020603050405020304" pitchFamily="18" charset="0"/>
+                      </a:endParaRPr>
+                    </a:p>
+                  </a:txBody>
+                  <a:tcPr marL="68580" marR="68580" marT="0" marB="0" anchor="ctr"/>
+                </a:tc>
+                <a:tc>
+                  <a:txBody>
+                    <a:bodyPr/>
+                    <a:lstStyle/>
+                    <a:p>
+                      <a:pPr algn="ctr">
+                        <a:lnSpc>
+                          <a:spcPct val="107000"/>
+                        </a:lnSpc>
+                        <a:spcAft>
+                          <a:spcPts val="0"/>
+                        </a:spcAft>
+                      </a:pPr>
+                      <a:r>
+                        <a:rPr lang="en-US" sz="1400" dirty="0">
+                          <a:solidFill>
+                            <a:srgbClr val="000000"/>
+                          </a:solidFill>
+                          <a:effectLst/>
+                          <a:latin typeface="+mj-lt"/>
+                          <a:ea typeface="Times New Roman" panose="02020603050405020304" pitchFamily="18" charset="0"/>
+                          <a:cs typeface="Calibri" panose="020F0502020204030204" pitchFamily="34" charset="0"/>
+                        </a:rPr>
+                        <a:t>1</a:t>
+                      </a:r>
+                      <a:endParaRPr lang="en-US" sz="1400" dirty="0">
+                        <a:effectLst/>
+                        <a:latin typeface="+mj-lt"/>
+                        <a:ea typeface="Calibri" panose="020F0502020204030204" pitchFamily="34" charset="0"/>
+                        <a:cs typeface="Times New Roman" panose="02020603050405020304" pitchFamily="18" charset="0"/>
+                      </a:endParaRPr>
+                    </a:p>
+                  </a:txBody>
+                  <a:tcPr marL="68580" marR="68580" marT="0" marB="0" anchor="ctr"/>
+                </a:tc>
+                <a:tc>
+                  <a:txBody>
+                    <a:bodyPr/>
+                    <a:lstStyle/>
+                    <a:p>
+                      <a:pPr>
+                        <a:lnSpc>
+                          <a:spcPct val="107000"/>
+                        </a:lnSpc>
+                        <a:spcAft>
+                          <a:spcPts val="0"/>
+                        </a:spcAft>
+                      </a:pPr>
+                      <a:r>
+                        <a:rPr lang="en-US" sz="1400">
+                          <a:solidFill>
+                            <a:srgbClr val="000000"/>
+                          </a:solidFill>
+                          <a:effectLst/>
+                          <a:latin typeface="+mj-lt"/>
+                          <a:ea typeface="Times New Roman" panose="02020603050405020304" pitchFamily="18" charset="0"/>
+                          <a:cs typeface="Calibri" panose="020F0502020204030204" pitchFamily="34" charset="0"/>
+                        </a:rPr>
+                        <a:t>Rp. 2,000.00</a:t>
+                      </a:r>
+                      <a:endParaRPr lang="en-US" sz="1400">
+                        <a:effectLst/>
+                        <a:latin typeface="+mj-lt"/>
+                        <a:ea typeface="Calibri" panose="020F0502020204030204" pitchFamily="34" charset="0"/>
+                        <a:cs typeface="Times New Roman" panose="02020603050405020304" pitchFamily="18" charset="0"/>
+                      </a:endParaRPr>
+                    </a:p>
+                  </a:txBody>
+                  <a:tcPr marL="68580" marR="68580" marT="0" marB="0" anchor="ctr"/>
+                </a:tc>
+                <a:tc>
+                  <a:txBody>
+                    <a:bodyPr/>
+                    <a:lstStyle/>
+                    <a:p>
+                      <a:pPr>
+                        <a:lnSpc>
+                          <a:spcPct val="107000"/>
+                        </a:lnSpc>
+                        <a:spcAft>
+                          <a:spcPts val="0"/>
+                        </a:spcAft>
+                      </a:pPr>
+                      <a:r>
+                        <a:rPr lang="en-US" sz="1400">
+                          <a:solidFill>
+                            <a:srgbClr val="000000"/>
+                          </a:solidFill>
+                          <a:effectLst/>
+                          <a:latin typeface="+mj-lt"/>
+                          <a:ea typeface="Times New Roman" panose="02020603050405020304" pitchFamily="18" charset="0"/>
+                          <a:cs typeface="Calibri" panose="020F0502020204030204" pitchFamily="34" charset="0"/>
+                        </a:rPr>
+                        <a:t>Rp. 2,000.00</a:t>
+                      </a:r>
+                      <a:endParaRPr lang="en-US" sz="1400">
+                        <a:effectLst/>
+                        <a:latin typeface="+mj-lt"/>
+                        <a:ea typeface="Calibri" panose="020F0502020204030204" pitchFamily="34" charset="0"/>
+                        <a:cs typeface="Times New Roman" panose="02020603050405020304" pitchFamily="18" charset="0"/>
+                      </a:endParaRPr>
+                    </a:p>
+                  </a:txBody>
+                  <a:tcPr marL="68580" marR="68580" marT="0" marB="0" anchor="ctr"/>
+                </a:tc>
+                <a:extLst>
+                  <a:ext uri="{0D108BD9-81ED-4DB2-BD59-A6C34878D82A}">
+                    <a16:rowId xmlns:a16="http://schemas.microsoft.com/office/drawing/2014/main" val="1759736200"/>
+                  </a:ext>
+                </a:extLst>
+              </a:tr>
+              <a:tr h="258367">
+                <a:tc>
+                  <a:txBody>
+                    <a:bodyPr/>
+                    <a:lstStyle/>
+                    <a:p>
+                      <a:pPr>
+                        <a:lnSpc>
+                          <a:spcPct val="107000"/>
+                        </a:lnSpc>
+                        <a:spcAft>
+                          <a:spcPts val="0"/>
+                        </a:spcAft>
+                      </a:pPr>
+                      <a:r>
+                        <a:rPr lang="en-US" sz="1400" dirty="0">
+                          <a:solidFill>
+                            <a:srgbClr val="000000"/>
+                          </a:solidFill>
+                          <a:effectLst/>
+                          <a:latin typeface="+mj-lt"/>
+                          <a:ea typeface="Times New Roman" panose="02020603050405020304" pitchFamily="18" charset="0"/>
+                          <a:cs typeface="Calibri" panose="020F0502020204030204" pitchFamily="34" charset="0"/>
+                        </a:rPr>
+                        <a:t>Transistor BD139</a:t>
+                      </a:r>
+                      <a:endParaRPr lang="en-US" sz="1400" dirty="0">
+                        <a:effectLst/>
+                        <a:latin typeface="+mj-lt"/>
+                        <a:ea typeface="Calibri" panose="020F0502020204030204" pitchFamily="34" charset="0"/>
+                        <a:cs typeface="Times New Roman" panose="02020603050405020304" pitchFamily="18" charset="0"/>
+                      </a:endParaRPr>
+                    </a:p>
+                  </a:txBody>
+                  <a:tcPr marL="68580" marR="68580" marT="0" marB="0" anchor="ctr"/>
+                </a:tc>
+                <a:tc>
+                  <a:txBody>
+                    <a:bodyPr/>
+                    <a:lstStyle/>
+                    <a:p>
+                      <a:pPr algn="ctr">
+                        <a:lnSpc>
+                          <a:spcPct val="107000"/>
+                        </a:lnSpc>
+                        <a:spcAft>
+                          <a:spcPts val="0"/>
+                        </a:spcAft>
+                      </a:pPr>
+                      <a:r>
+                        <a:rPr lang="en-US" sz="1400" dirty="0">
+                          <a:solidFill>
+                            <a:srgbClr val="000000"/>
+                          </a:solidFill>
+                          <a:effectLst/>
+                          <a:latin typeface="+mj-lt"/>
+                          <a:ea typeface="Times New Roman" panose="02020603050405020304" pitchFamily="18" charset="0"/>
+                          <a:cs typeface="Calibri" panose="020F0502020204030204" pitchFamily="34" charset="0"/>
+                        </a:rPr>
+                        <a:t>1</a:t>
+                      </a:r>
+                      <a:endParaRPr lang="en-US" sz="1400" dirty="0">
+                        <a:effectLst/>
+                        <a:latin typeface="+mj-lt"/>
+                        <a:ea typeface="Calibri" panose="020F0502020204030204" pitchFamily="34" charset="0"/>
+                        <a:cs typeface="Times New Roman" panose="02020603050405020304" pitchFamily="18" charset="0"/>
+                      </a:endParaRPr>
+                    </a:p>
+                  </a:txBody>
+                  <a:tcPr marL="68580" marR="68580" marT="0" marB="0" anchor="ctr"/>
+                </a:tc>
+                <a:tc>
+                  <a:txBody>
+                    <a:bodyPr/>
+                    <a:lstStyle/>
+                    <a:p>
+                      <a:pPr>
+                        <a:lnSpc>
+                          <a:spcPct val="107000"/>
+                        </a:lnSpc>
+                        <a:spcAft>
+                          <a:spcPts val="0"/>
+                        </a:spcAft>
+                      </a:pPr>
+                      <a:r>
+                        <a:rPr lang="en-US" sz="1400">
+                          <a:solidFill>
+                            <a:srgbClr val="000000"/>
+                          </a:solidFill>
+                          <a:effectLst/>
+                          <a:latin typeface="+mj-lt"/>
+                          <a:ea typeface="Times New Roman" panose="02020603050405020304" pitchFamily="18" charset="0"/>
+                          <a:cs typeface="Calibri" panose="020F0502020204030204" pitchFamily="34" charset="0"/>
+                        </a:rPr>
+                        <a:t>Rp. 2,500.00</a:t>
+                      </a:r>
+                      <a:endParaRPr lang="en-US" sz="1400">
+                        <a:effectLst/>
+                        <a:latin typeface="+mj-lt"/>
+                        <a:ea typeface="Calibri" panose="020F0502020204030204" pitchFamily="34" charset="0"/>
+                        <a:cs typeface="Times New Roman" panose="02020603050405020304" pitchFamily="18" charset="0"/>
+                      </a:endParaRPr>
+                    </a:p>
+                  </a:txBody>
+                  <a:tcPr marL="68580" marR="68580" marT="0" marB="0" anchor="ctr"/>
+                </a:tc>
+                <a:tc>
+                  <a:txBody>
+                    <a:bodyPr/>
+                    <a:lstStyle/>
+                    <a:p>
+                      <a:pPr>
+                        <a:lnSpc>
+                          <a:spcPct val="107000"/>
+                        </a:lnSpc>
+                        <a:spcAft>
+                          <a:spcPts val="0"/>
+                        </a:spcAft>
+                      </a:pPr>
+                      <a:r>
+                        <a:rPr lang="en-US" sz="1400">
+                          <a:solidFill>
+                            <a:srgbClr val="000000"/>
+                          </a:solidFill>
+                          <a:effectLst/>
+                          <a:latin typeface="+mj-lt"/>
+                          <a:ea typeface="Times New Roman" panose="02020603050405020304" pitchFamily="18" charset="0"/>
+                          <a:cs typeface="Calibri" panose="020F0502020204030204" pitchFamily="34" charset="0"/>
+                        </a:rPr>
+                        <a:t>Rp. 2,500.00</a:t>
+                      </a:r>
+                      <a:endParaRPr lang="en-US" sz="1400">
+                        <a:effectLst/>
+                        <a:latin typeface="+mj-lt"/>
+                        <a:ea typeface="Calibri" panose="020F0502020204030204" pitchFamily="34" charset="0"/>
+                        <a:cs typeface="Times New Roman" panose="02020603050405020304" pitchFamily="18" charset="0"/>
+                      </a:endParaRPr>
+                    </a:p>
+                  </a:txBody>
+                  <a:tcPr marL="68580" marR="68580" marT="0" marB="0" anchor="ctr"/>
+                </a:tc>
+                <a:extLst>
+                  <a:ext uri="{0D108BD9-81ED-4DB2-BD59-A6C34878D82A}">
+                    <a16:rowId xmlns:a16="http://schemas.microsoft.com/office/drawing/2014/main" val="3961024422"/>
+                  </a:ext>
+                </a:extLst>
+              </a:tr>
+              <a:tr h="258367">
+                <a:tc>
+                  <a:txBody>
+                    <a:bodyPr/>
+                    <a:lstStyle/>
+                    <a:p>
+                      <a:pPr>
+                        <a:lnSpc>
+                          <a:spcPct val="107000"/>
+                        </a:lnSpc>
+                        <a:spcAft>
+                          <a:spcPts val="0"/>
+                        </a:spcAft>
+                      </a:pPr>
+                      <a:r>
+                        <a:rPr lang="en-US" sz="1400" dirty="0">
+                          <a:solidFill>
+                            <a:srgbClr val="000000"/>
+                          </a:solidFill>
+                          <a:effectLst/>
+                          <a:latin typeface="+mj-lt"/>
+                          <a:ea typeface="Times New Roman" panose="02020603050405020304" pitchFamily="18" charset="0"/>
+                          <a:cs typeface="Calibri" panose="020F0502020204030204" pitchFamily="34" charset="0"/>
+                        </a:rPr>
+                        <a:t>Transistor BD140</a:t>
+                      </a:r>
+                      <a:endParaRPr lang="en-US" sz="1400" dirty="0">
+                        <a:effectLst/>
+                        <a:latin typeface="+mj-lt"/>
+                        <a:ea typeface="Calibri" panose="020F0502020204030204" pitchFamily="34" charset="0"/>
+                        <a:cs typeface="Times New Roman" panose="02020603050405020304" pitchFamily="18" charset="0"/>
+                      </a:endParaRPr>
+                    </a:p>
+                  </a:txBody>
+                  <a:tcPr marL="68580" marR="68580" marT="0" marB="0" anchor="ctr"/>
+                </a:tc>
+                <a:tc>
+                  <a:txBody>
+                    <a:bodyPr/>
+                    <a:lstStyle/>
+                    <a:p>
+                      <a:pPr algn="ctr">
+                        <a:lnSpc>
+                          <a:spcPct val="107000"/>
+                        </a:lnSpc>
+                        <a:spcAft>
+                          <a:spcPts val="0"/>
+                        </a:spcAft>
+                      </a:pPr>
+                      <a:r>
+                        <a:rPr lang="en-US" sz="1400" dirty="0">
+                          <a:solidFill>
+                            <a:srgbClr val="000000"/>
+                          </a:solidFill>
+                          <a:effectLst/>
+                          <a:latin typeface="+mj-lt"/>
+                          <a:ea typeface="Times New Roman" panose="02020603050405020304" pitchFamily="18" charset="0"/>
+                          <a:cs typeface="Calibri" panose="020F0502020204030204" pitchFamily="34" charset="0"/>
+                        </a:rPr>
+                        <a:t>1</a:t>
+                      </a:r>
+                      <a:endParaRPr lang="en-US" sz="1400" dirty="0">
+                        <a:effectLst/>
+                        <a:latin typeface="+mj-lt"/>
+                        <a:ea typeface="Calibri" panose="020F0502020204030204" pitchFamily="34" charset="0"/>
+                        <a:cs typeface="Times New Roman" panose="02020603050405020304" pitchFamily="18" charset="0"/>
+                      </a:endParaRPr>
+                    </a:p>
+                  </a:txBody>
+                  <a:tcPr marL="68580" marR="68580" marT="0" marB="0" anchor="ctr"/>
+                </a:tc>
+                <a:tc>
+                  <a:txBody>
+                    <a:bodyPr/>
+                    <a:lstStyle/>
+                    <a:p>
+                      <a:pPr>
+                        <a:lnSpc>
+                          <a:spcPct val="107000"/>
+                        </a:lnSpc>
+                        <a:spcAft>
+                          <a:spcPts val="0"/>
+                        </a:spcAft>
+                      </a:pPr>
+                      <a:r>
+                        <a:rPr lang="en-US" sz="1400">
+                          <a:solidFill>
+                            <a:srgbClr val="000000"/>
+                          </a:solidFill>
+                          <a:effectLst/>
+                          <a:latin typeface="+mj-lt"/>
+                          <a:ea typeface="Times New Roman" panose="02020603050405020304" pitchFamily="18" charset="0"/>
+                          <a:cs typeface="Calibri" panose="020F0502020204030204" pitchFamily="34" charset="0"/>
+                        </a:rPr>
+                        <a:t>Rp. 2,500.00</a:t>
+                      </a:r>
+                      <a:endParaRPr lang="en-US" sz="1400">
+                        <a:effectLst/>
+                        <a:latin typeface="+mj-lt"/>
+                        <a:ea typeface="Calibri" panose="020F0502020204030204" pitchFamily="34" charset="0"/>
+                        <a:cs typeface="Times New Roman" panose="02020603050405020304" pitchFamily="18" charset="0"/>
+                      </a:endParaRPr>
+                    </a:p>
+                  </a:txBody>
+                  <a:tcPr marL="68580" marR="68580" marT="0" marB="0" anchor="ctr"/>
+                </a:tc>
+                <a:tc>
+                  <a:txBody>
+                    <a:bodyPr/>
+                    <a:lstStyle/>
+                    <a:p>
+                      <a:pPr>
+                        <a:lnSpc>
+                          <a:spcPct val="107000"/>
+                        </a:lnSpc>
+                        <a:spcAft>
+                          <a:spcPts val="0"/>
+                        </a:spcAft>
+                      </a:pPr>
+                      <a:r>
+                        <a:rPr lang="en-US" sz="1400">
+                          <a:solidFill>
+                            <a:srgbClr val="000000"/>
+                          </a:solidFill>
+                          <a:effectLst/>
+                          <a:latin typeface="+mj-lt"/>
+                          <a:ea typeface="Times New Roman" panose="02020603050405020304" pitchFamily="18" charset="0"/>
+                          <a:cs typeface="Calibri" panose="020F0502020204030204" pitchFamily="34" charset="0"/>
+                        </a:rPr>
+                        <a:t>Rp. 2,500.00</a:t>
+                      </a:r>
+                      <a:endParaRPr lang="en-US" sz="1400">
+                        <a:effectLst/>
+                        <a:latin typeface="+mj-lt"/>
+                        <a:ea typeface="Calibri" panose="020F0502020204030204" pitchFamily="34" charset="0"/>
+                        <a:cs typeface="Times New Roman" panose="02020603050405020304" pitchFamily="18" charset="0"/>
+                      </a:endParaRPr>
+                    </a:p>
+                  </a:txBody>
+                  <a:tcPr marL="68580" marR="68580" marT="0" marB="0" anchor="ctr"/>
+                </a:tc>
+                <a:extLst>
+                  <a:ext uri="{0D108BD9-81ED-4DB2-BD59-A6C34878D82A}">
+                    <a16:rowId xmlns:a16="http://schemas.microsoft.com/office/drawing/2014/main" val="1611960189"/>
+                  </a:ext>
+                </a:extLst>
+              </a:tr>
+              <a:tr h="258367">
+                <a:tc>
+                  <a:txBody>
+                    <a:bodyPr/>
+                    <a:lstStyle/>
+                    <a:p>
+                      <a:pPr>
+                        <a:lnSpc>
+                          <a:spcPct val="107000"/>
+                        </a:lnSpc>
+                        <a:spcAft>
+                          <a:spcPts val="0"/>
+                        </a:spcAft>
+                      </a:pPr>
+                      <a:r>
+                        <a:rPr lang="en-US" sz="1400" dirty="0">
+                          <a:solidFill>
+                            <a:srgbClr val="000000"/>
+                          </a:solidFill>
+                          <a:effectLst/>
+                          <a:latin typeface="+mj-lt"/>
+                          <a:ea typeface="Times New Roman" panose="02020603050405020304" pitchFamily="18" charset="0"/>
+                          <a:cs typeface="Calibri" panose="020F0502020204030204" pitchFamily="34" charset="0"/>
+                        </a:rPr>
+                        <a:t>Transistor TIP3055</a:t>
+                      </a:r>
+                      <a:endParaRPr lang="en-US" sz="1400" dirty="0">
+                        <a:effectLst/>
+                        <a:latin typeface="+mj-lt"/>
+                        <a:ea typeface="Calibri" panose="020F0502020204030204" pitchFamily="34" charset="0"/>
+                        <a:cs typeface="Times New Roman" panose="02020603050405020304" pitchFamily="18" charset="0"/>
+                      </a:endParaRPr>
+                    </a:p>
+                  </a:txBody>
+                  <a:tcPr marL="68580" marR="68580" marT="0" marB="0" anchor="ctr"/>
+                </a:tc>
+                <a:tc>
+                  <a:txBody>
+                    <a:bodyPr/>
+                    <a:lstStyle/>
+                    <a:p>
+                      <a:pPr algn="ctr">
+                        <a:lnSpc>
+                          <a:spcPct val="107000"/>
+                        </a:lnSpc>
+                        <a:spcAft>
+                          <a:spcPts val="0"/>
+                        </a:spcAft>
+                      </a:pPr>
+                      <a:r>
+                        <a:rPr lang="en-US" sz="1400" dirty="0">
+                          <a:solidFill>
+                            <a:srgbClr val="000000"/>
+                          </a:solidFill>
+                          <a:effectLst/>
+                          <a:latin typeface="+mj-lt"/>
+                          <a:ea typeface="Times New Roman" panose="02020603050405020304" pitchFamily="18" charset="0"/>
+                          <a:cs typeface="Calibri" panose="020F0502020204030204" pitchFamily="34" charset="0"/>
+                        </a:rPr>
+                        <a:t>1</a:t>
+                      </a:r>
+                      <a:endParaRPr lang="en-US" sz="1400" dirty="0">
+                        <a:effectLst/>
+                        <a:latin typeface="+mj-lt"/>
+                        <a:ea typeface="Calibri" panose="020F0502020204030204" pitchFamily="34" charset="0"/>
+                        <a:cs typeface="Times New Roman" panose="02020603050405020304" pitchFamily="18" charset="0"/>
+                      </a:endParaRPr>
+                    </a:p>
+                  </a:txBody>
+                  <a:tcPr marL="68580" marR="68580" marT="0" marB="0" anchor="ctr"/>
+                </a:tc>
+                <a:tc>
+                  <a:txBody>
+                    <a:bodyPr/>
+                    <a:lstStyle/>
+                    <a:p>
+                      <a:pPr>
+                        <a:lnSpc>
+                          <a:spcPct val="107000"/>
+                        </a:lnSpc>
+                        <a:spcAft>
+                          <a:spcPts val="0"/>
+                        </a:spcAft>
+                      </a:pPr>
+                      <a:r>
+                        <a:rPr lang="en-US" sz="1400">
+                          <a:solidFill>
+                            <a:srgbClr val="000000"/>
+                          </a:solidFill>
+                          <a:effectLst/>
+                          <a:latin typeface="+mj-lt"/>
+                          <a:ea typeface="Times New Roman" panose="02020603050405020304" pitchFamily="18" charset="0"/>
+                          <a:cs typeface="Calibri" panose="020F0502020204030204" pitchFamily="34" charset="0"/>
+                        </a:rPr>
+                        <a:t>Rp. 10,000.00</a:t>
+                      </a:r>
+                      <a:endParaRPr lang="en-US" sz="1400">
+                        <a:effectLst/>
+                        <a:latin typeface="+mj-lt"/>
+                        <a:ea typeface="Calibri" panose="020F0502020204030204" pitchFamily="34" charset="0"/>
+                        <a:cs typeface="Times New Roman" panose="02020603050405020304" pitchFamily="18" charset="0"/>
+                      </a:endParaRPr>
+                    </a:p>
+                  </a:txBody>
+                  <a:tcPr marL="68580" marR="68580" marT="0" marB="0" anchor="ctr"/>
+                </a:tc>
+                <a:tc>
+                  <a:txBody>
+                    <a:bodyPr/>
+                    <a:lstStyle/>
+                    <a:p>
+                      <a:pPr>
+                        <a:lnSpc>
+                          <a:spcPct val="107000"/>
+                        </a:lnSpc>
+                        <a:spcAft>
+                          <a:spcPts val="0"/>
+                        </a:spcAft>
+                      </a:pPr>
+                      <a:r>
+                        <a:rPr lang="en-US" sz="1400">
+                          <a:solidFill>
+                            <a:srgbClr val="000000"/>
+                          </a:solidFill>
+                          <a:effectLst/>
+                          <a:latin typeface="+mj-lt"/>
+                          <a:ea typeface="Times New Roman" panose="02020603050405020304" pitchFamily="18" charset="0"/>
+                          <a:cs typeface="Calibri" panose="020F0502020204030204" pitchFamily="34" charset="0"/>
+                        </a:rPr>
+                        <a:t>Rp. 10,000.00</a:t>
+                      </a:r>
+                      <a:endParaRPr lang="en-US" sz="1400">
+                        <a:effectLst/>
+                        <a:latin typeface="+mj-lt"/>
+                        <a:ea typeface="Calibri" panose="020F0502020204030204" pitchFamily="34" charset="0"/>
+                        <a:cs typeface="Times New Roman" panose="02020603050405020304" pitchFamily="18" charset="0"/>
+                      </a:endParaRPr>
+                    </a:p>
+                  </a:txBody>
+                  <a:tcPr marL="68580" marR="68580" marT="0" marB="0" anchor="ctr"/>
+                </a:tc>
+                <a:extLst>
+                  <a:ext uri="{0D108BD9-81ED-4DB2-BD59-A6C34878D82A}">
+                    <a16:rowId xmlns:a16="http://schemas.microsoft.com/office/drawing/2014/main" val="2034183789"/>
+                  </a:ext>
+                </a:extLst>
+              </a:tr>
+              <a:tr h="258367">
+                <a:tc>
+                  <a:txBody>
+                    <a:bodyPr/>
+                    <a:lstStyle/>
+                    <a:p>
+                      <a:pPr>
+                        <a:lnSpc>
+                          <a:spcPct val="107000"/>
+                        </a:lnSpc>
+                        <a:spcAft>
+                          <a:spcPts val="0"/>
+                        </a:spcAft>
+                      </a:pPr>
+                      <a:r>
+                        <a:rPr lang="en-US" sz="1400">
+                          <a:solidFill>
+                            <a:srgbClr val="000000"/>
+                          </a:solidFill>
+                          <a:effectLst/>
+                          <a:latin typeface="+mj-lt"/>
+                          <a:ea typeface="Times New Roman" panose="02020603050405020304" pitchFamily="18" charset="0"/>
+                          <a:cs typeface="Calibri" panose="020F0502020204030204" pitchFamily="34" charset="0"/>
+                        </a:rPr>
+                        <a:t>Transistor TIP2955</a:t>
+                      </a:r>
+                      <a:endParaRPr lang="en-US" sz="1400">
+                        <a:effectLst/>
+                        <a:latin typeface="+mj-lt"/>
+                        <a:ea typeface="Calibri" panose="020F0502020204030204" pitchFamily="34" charset="0"/>
+                        <a:cs typeface="Times New Roman" panose="02020603050405020304" pitchFamily="18" charset="0"/>
+                      </a:endParaRPr>
+                    </a:p>
+                  </a:txBody>
+                  <a:tcPr marL="68580" marR="68580" marT="0" marB="0" anchor="ctr"/>
+                </a:tc>
+                <a:tc>
+                  <a:txBody>
+                    <a:bodyPr/>
+                    <a:lstStyle/>
+                    <a:p>
+                      <a:pPr algn="ctr">
+                        <a:lnSpc>
+                          <a:spcPct val="107000"/>
+                        </a:lnSpc>
+                        <a:spcAft>
+                          <a:spcPts val="0"/>
+                        </a:spcAft>
+                      </a:pPr>
+                      <a:r>
+                        <a:rPr lang="en-US" sz="1400" dirty="0">
+                          <a:solidFill>
+                            <a:srgbClr val="000000"/>
+                          </a:solidFill>
+                          <a:effectLst/>
+                          <a:latin typeface="+mj-lt"/>
+                          <a:ea typeface="Times New Roman" panose="02020603050405020304" pitchFamily="18" charset="0"/>
+                          <a:cs typeface="Calibri" panose="020F0502020204030204" pitchFamily="34" charset="0"/>
+                        </a:rPr>
+                        <a:t>1</a:t>
+                      </a:r>
+                      <a:endParaRPr lang="en-US" sz="1400" dirty="0">
+                        <a:effectLst/>
+                        <a:latin typeface="+mj-lt"/>
+                        <a:ea typeface="Calibri" panose="020F0502020204030204" pitchFamily="34" charset="0"/>
+                        <a:cs typeface="Times New Roman" panose="02020603050405020304" pitchFamily="18" charset="0"/>
+                      </a:endParaRPr>
+                    </a:p>
+                  </a:txBody>
+                  <a:tcPr marL="68580" marR="68580" marT="0" marB="0" anchor="ctr"/>
+                </a:tc>
+                <a:tc>
+                  <a:txBody>
+                    <a:bodyPr/>
+                    <a:lstStyle/>
+                    <a:p>
+                      <a:pPr>
+                        <a:lnSpc>
+                          <a:spcPct val="107000"/>
+                        </a:lnSpc>
+                        <a:spcAft>
+                          <a:spcPts val="0"/>
+                        </a:spcAft>
+                      </a:pPr>
+                      <a:r>
+                        <a:rPr lang="en-US" sz="1400" dirty="0" err="1">
+                          <a:solidFill>
+                            <a:srgbClr val="000000"/>
+                          </a:solidFill>
+                          <a:effectLst/>
+                          <a:latin typeface="+mj-lt"/>
+                          <a:ea typeface="Times New Roman" panose="02020603050405020304" pitchFamily="18" charset="0"/>
+                          <a:cs typeface="Calibri" panose="020F0502020204030204" pitchFamily="34" charset="0"/>
+                        </a:rPr>
+                        <a:t>Rp</a:t>
+                      </a:r>
+                      <a:r>
+                        <a:rPr lang="en-US" sz="1400" dirty="0">
+                          <a:solidFill>
+                            <a:srgbClr val="000000"/>
+                          </a:solidFill>
+                          <a:effectLst/>
+                          <a:latin typeface="+mj-lt"/>
+                          <a:ea typeface="Times New Roman" panose="02020603050405020304" pitchFamily="18" charset="0"/>
+                          <a:cs typeface="Calibri" panose="020F0502020204030204" pitchFamily="34" charset="0"/>
+                        </a:rPr>
+                        <a:t>. 10,000.00</a:t>
+                      </a:r>
+                      <a:endParaRPr lang="en-US" sz="1400" dirty="0">
+                        <a:effectLst/>
+                        <a:latin typeface="+mj-lt"/>
+                        <a:ea typeface="Calibri" panose="020F0502020204030204" pitchFamily="34" charset="0"/>
+                        <a:cs typeface="Times New Roman" panose="02020603050405020304" pitchFamily="18" charset="0"/>
+                      </a:endParaRPr>
+                    </a:p>
+                  </a:txBody>
+                  <a:tcPr marL="68580" marR="68580" marT="0" marB="0" anchor="ctr"/>
+                </a:tc>
+                <a:tc>
+                  <a:txBody>
+                    <a:bodyPr/>
+                    <a:lstStyle/>
+                    <a:p>
+                      <a:pPr>
+                        <a:lnSpc>
+                          <a:spcPct val="107000"/>
+                        </a:lnSpc>
+                        <a:spcAft>
+                          <a:spcPts val="0"/>
+                        </a:spcAft>
+                      </a:pPr>
+                      <a:r>
+                        <a:rPr lang="en-US" sz="1400" dirty="0" err="1">
+                          <a:solidFill>
+                            <a:srgbClr val="000000"/>
+                          </a:solidFill>
+                          <a:effectLst/>
+                          <a:latin typeface="+mj-lt"/>
+                          <a:ea typeface="Times New Roman" panose="02020603050405020304" pitchFamily="18" charset="0"/>
+                          <a:cs typeface="Calibri" panose="020F0502020204030204" pitchFamily="34" charset="0"/>
+                        </a:rPr>
+                        <a:t>Rp</a:t>
+                      </a:r>
+                      <a:r>
+                        <a:rPr lang="en-US" sz="1400" dirty="0">
+                          <a:solidFill>
+                            <a:srgbClr val="000000"/>
+                          </a:solidFill>
+                          <a:effectLst/>
+                          <a:latin typeface="+mj-lt"/>
+                          <a:ea typeface="Times New Roman" panose="02020603050405020304" pitchFamily="18" charset="0"/>
+                          <a:cs typeface="Calibri" panose="020F0502020204030204" pitchFamily="34" charset="0"/>
+                        </a:rPr>
+                        <a:t>. 10,000.00</a:t>
+                      </a:r>
+                      <a:endParaRPr lang="en-US" sz="1400" dirty="0">
+                        <a:effectLst/>
+                        <a:latin typeface="+mj-lt"/>
+                        <a:ea typeface="Calibri" panose="020F0502020204030204" pitchFamily="34" charset="0"/>
+                        <a:cs typeface="Times New Roman" panose="02020603050405020304" pitchFamily="18" charset="0"/>
+                      </a:endParaRPr>
+                    </a:p>
+                  </a:txBody>
+                  <a:tcPr marL="68580" marR="68580" marT="0" marB="0" anchor="ctr"/>
+                </a:tc>
+                <a:extLst>
+                  <a:ext uri="{0D108BD9-81ED-4DB2-BD59-A6C34878D82A}">
+                    <a16:rowId xmlns:a16="http://schemas.microsoft.com/office/drawing/2014/main" val="126457003"/>
+                  </a:ext>
+                </a:extLst>
+              </a:tr>
+              <a:tr h="258367">
+                <a:tc>
+                  <a:txBody>
+                    <a:bodyPr/>
+                    <a:lstStyle/>
+                    <a:p>
+                      <a:pPr>
+                        <a:lnSpc>
+                          <a:spcPct val="107000"/>
+                        </a:lnSpc>
+                        <a:spcAft>
+                          <a:spcPts val="0"/>
+                        </a:spcAft>
+                      </a:pPr>
+                      <a:r>
+                        <a:rPr lang="en-US" sz="1400">
+                          <a:solidFill>
+                            <a:srgbClr val="000000"/>
+                          </a:solidFill>
+                          <a:effectLst/>
+                          <a:latin typeface="+mj-lt"/>
+                          <a:ea typeface="Times New Roman" panose="02020603050405020304" pitchFamily="18" charset="0"/>
+                          <a:cs typeface="Calibri" panose="020F0502020204030204" pitchFamily="34" charset="0"/>
+                        </a:rPr>
+                        <a:t>Transistor BC547</a:t>
+                      </a:r>
+                      <a:endParaRPr lang="en-US" sz="1400">
+                        <a:effectLst/>
+                        <a:latin typeface="+mj-lt"/>
+                        <a:ea typeface="Calibri" panose="020F0502020204030204" pitchFamily="34" charset="0"/>
+                        <a:cs typeface="Times New Roman" panose="02020603050405020304" pitchFamily="18" charset="0"/>
+                      </a:endParaRPr>
+                    </a:p>
+                  </a:txBody>
+                  <a:tcPr marL="68580" marR="68580" marT="0" marB="0" anchor="ctr"/>
+                </a:tc>
+                <a:tc>
+                  <a:txBody>
+                    <a:bodyPr/>
+                    <a:lstStyle/>
+                    <a:p>
+                      <a:pPr algn="ctr">
+                        <a:lnSpc>
+                          <a:spcPct val="107000"/>
+                        </a:lnSpc>
+                        <a:spcAft>
+                          <a:spcPts val="0"/>
+                        </a:spcAft>
+                      </a:pPr>
+                      <a:r>
+                        <a:rPr lang="en-US" sz="1400" dirty="0">
+                          <a:solidFill>
+                            <a:srgbClr val="000000"/>
+                          </a:solidFill>
+                          <a:effectLst/>
+                          <a:latin typeface="+mj-lt"/>
+                          <a:ea typeface="Times New Roman" panose="02020603050405020304" pitchFamily="18" charset="0"/>
+                          <a:cs typeface="Calibri" panose="020F0502020204030204" pitchFamily="34" charset="0"/>
+                        </a:rPr>
+                        <a:t>3</a:t>
+                      </a:r>
+                      <a:endParaRPr lang="en-US" sz="1400" dirty="0">
+                        <a:effectLst/>
+                        <a:latin typeface="+mj-lt"/>
+                        <a:ea typeface="Calibri" panose="020F0502020204030204" pitchFamily="34" charset="0"/>
+                        <a:cs typeface="Times New Roman" panose="02020603050405020304" pitchFamily="18" charset="0"/>
+                      </a:endParaRPr>
+                    </a:p>
+                  </a:txBody>
+                  <a:tcPr marL="68580" marR="68580" marT="0" marB="0" anchor="ctr"/>
+                </a:tc>
+                <a:tc>
+                  <a:txBody>
+                    <a:bodyPr/>
+                    <a:lstStyle/>
+                    <a:p>
+                      <a:pPr>
+                        <a:lnSpc>
+                          <a:spcPct val="107000"/>
+                        </a:lnSpc>
+                        <a:spcAft>
+                          <a:spcPts val="0"/>
+                        </a:spcAft>
+                      </a:pPr>
+                      <a:r>
+                        <a:rPr lang="en-US" sz="1400" dirty="0" err="1">
+                          <a:solidFill>
+                            <a:srgbClr val="000000"/>
+                          </a:solidFill>
+                          <a:effectLst/>
+                          <a:latin typeface="+mj-lt"/>
+                          <a:ea typeface="Times New Roman" panose="02020603050405020304" pitchFamily="18" charset="0"/>
+                          <a:cs typeface="Calibri" panose="020F0502020204030204" pitchFamily="34" charset="0"/>
+                        </a:rPr>
+                        <a:t>Rp</a:t>
+                      </a:r>
+                      <a:r>
+                        <a:rPr lang="en-US" sz="1400" dirty="0">
+                          <a:solidFill>
+                            <a:srgbClr val="000000"/>
+                          </a:solidFill>
+                          <a:effectLst/>
+                          <a:latin typeface="+mj-lt"/>
+                          <a:ea typeface="Times New Roman" panose="02020603050405020304" pitchFamily="18" charset="0"/>
+                          <a:cs typeface="Calibri" panose="020F0502020204030204" pitchFamily="34" charset="0"/>
+                        </a:rPr>
+                        <a:t>. 2,000.00</a:t>
+                      </a:r>
+                      <a:endParaRPr lang="en-US" sz="1400" dirty="0">
+                        <a:effectLst/>
+                        <a:latin typeface="+mj-lt"/>
+                        <a:ea typeface="Calibri" panose="020F0502020204030204" pitchFamily="34" charset="0"/>
+                        <a:cs typeface="Times New Roman" panose="02020603050405020304" pitchFamily="18" charset="0"/>
+                      </a:endParaRPr>
+                    </a:p>
+                  </a:txBody>
+                  <a:tcPr marL="68580" marR="68580" marT="0" marB="0" anchor="ctr"/>
+                </a:tc>
+                <a:tc>
+                  <a:txBody>
+                    <a:bodyPr/>
+                    <a:lstStyle/>
+                    <a:p>
+                      <a:pPr>
+                        <a:lnSpc>
+                          <a:spcPct val="107000"/>
+                        </a:lnSpc>
+                        <a:spcAft>
+                          <a:spcPts val="0"/>
+                        </a:spcAft>
+                      </a:pPr>
+                      <a:r>
+                        <a:rPr lang="en-US" sz="1400" dirty="0">
+                          <a:solidFill>
+                            <a:srgbClr val="000000"/>
+                          </a:solidFill>
+                          <a:effectLst/>
+                          <a:latin typeface="+mj-lt"/>
+                          <a:ea typeface="Times New Roman" panose="02020603050405020304" pitchFamily="18" charset="0"/>
+                          <a:cs typeface="Calibri" panose="020F0502020204030204" pitchFamily="34" charset="0"/>
+                        </a:rPr>
+                        <a:t>Rp. 6,000.00</a:t>
+                      </a:r>
+                      <a:endParaRPr lang="en-US" sz="1400" dirty="0">
+                        <a:effectLst/>
+                        <a:latin typeface="+mj-lt"/>
+                        <a:ea typeface="Calibri" panose="020F0502020204030204" pitchFamily="34" charset="0"/>
+                        <a:cs typeface="Times New Roman" panose="02020603050405020304" pitchFamily="18" charset="0"/>
+                      </a:endParaRPr>
+                    </a:p>
+                  </a:txBody>
+                  <a:tcPr marL="68580" marR="68580" marT="0" marB="0" anchor="ctr"/>
+                </a:tc>
+                <a:extLst>
+                  <a:ext uri="{0D108BD9-81ED-4DB2-BD59-A6C34878D82A}">
+                    <a16:rowId xmlns:a16="http://schemas.microsoft.com/office/drawing/2014/main" val="2431895005"/>
+                  </a:ext>
+                </a:extLst>
+              </a:tr>
+              <a:tr h="258367">
+                <a:tc>
+                  <a:txBody>
+                    <a:bodyPr/>
+                    <a:lstStyle/>
+                    <a:p>
+                      <a:pPr>
+                        <a:lnSpc>
+                          <a:spcPct val="107000"/>
+                        </a:lnSpc>
+                        <a:spcAft>
+                          <a:spcPts val="0"/>
+                        </a:spcAft>
+                      </a:pPr>
+                      <a:r>
+                        <a:rPr lang="en-US" sz="1400" dirty="0" err="1">
+                          <a:effectLst/>
+                          <a:latin typeface="+mj-lt"/>
+                          <a:ea typeface="Calibri" panose="020F0502020204030204" pitchFamily="34" charset="0"/>
+                          <a:cs typeface="Times New Roman" panose="02020603050405020304" pitchFamily="18" charset="0"/>
+                        </a:rPr>
+                        <a:t>Potensio</a:t>
+                      </a:r>
+                      <a:endParaRPr lang="en-US" sz="1400" dirty="0">
+                        <a:effectLst/>
+                        <a:latin typeface="+mj-lt"/>
+                        <a:ea typeface="Calibri" panose="020F0502020204030204" pitchFamily="34" charset="0"/>
+                        <a:cs typeface="Times New Roman" panose="02020603050405020304" pitchFamily="18" charset="0"/>
+                      </a:endParaRPr>
+                    </a:p>
+                  </a:txBody>
+                  <a:tcPr marL="68580" marR="68580" marT="0" marB="0" anchor="ctr"/>
+                </a:tc>
+                <a:tc>
+                  <a:txBody>
+                    <a:bodyPr/>
+                    <a:lstStyle/>
+                    <a:p>
+                      <a:pPr algn="ctr">
+                        <a:lnSpc>
+                          <a:spcPct val="107000"/>
+                        </a:lnSpc>
+                        <a:spcAft>
+                          <a:spcPts val="0"/>
+                        </a:spcAft>
+                      </a:pPr>
+                      <a:r>
+                        <a:rPr lang="en-US" sz="1400" dirty="0">
+                          <a:effectLst/>
+                          <a:latin typeface="+mj-lt"/>
+                          <a:ea typeface="Calibri" panose="020F0502020204030204" pitchFamily="34" charset="0"/>
+                          <a:cs typeface="Times New Roman" panose="02020603050405020304" pitchFamily="18" charset="0"/>
+                        </a:rPr>
+                        <a:t>1</a:t>
+                      </a:r>
+                    </a:p>
+                  </a:txBody>
+                  <a:tcPr marL="68580" marR="68580" marT="0" marB="0" anchor="ctr"/>
+                </a:tc>
+                <a:tc>
+                  <a:txBody>
+                    <a:bodyPr/>
+                    <a:lstStyle/>
+                    <a:p>
+                      <a:pPr>
+                        <a:lnSpc>
+                          <a:spcPct val="107000"/>
+                        </a:lnSpc>
+                        <a:spcAft>
+                          <a:spcPts val="0"/>
+                        </a:spcAft>
+                      </a:pPr>
+                      <a:r>
+                        <a:rPr lang="en-US" sz="1400" dirty="0" err="1">
+                          <a:effectLst/>
+                          <a:latin typeface="+mj-lt"/>
+                          <a:ea typeface="Calibri" panose="020F0502020204030204" pitchFamily="34" charset="0"/>
+                          <a:cs typeface="Times New Roman" panose="02020603050405020304" pitchFamily="18" charset="0"/>
+                        </a:rPr>
+                        <a:t>Rp</a:t>
+                      </a:r>
+                      <a:r>
+                        <a:rPr lang="en-US" sz="1400" dirty="0">
+                          <a:effectLst/>
+                          <a:latin typeface="+mj-lt"/>
+                          <a:ea typeface="Calibri" panose="020F0502020204030204" pitchFamily="34" charset="0"/>
+                          <a:cs typeface="Times New Roman" panose="02020603050405020304" pitchFamily="18" charset="0"/>
+                        </a:rPr>
+                        <a:t>. 5,000.00</a:t>
+                      </a:r>
+                    </a:p>
+                  </a:txBody>
+                  <a:tcPr marL="68580" marR="68580" marT="0" marB="0" anchor="ctr"/>
+                </a:tc>
+                <a:tc>
+                  <a:txBody>
+                    <a:bodyPr/>
+                    <a:lstStyle/>
+                    <a:p>
+                      <a:pPr>
+                        <a:lnSpc>
+                          <a:spcPct val="107000"/>
+                        </a:lnSpc>
+                        <a:spcAft>
+                          <a:spcPts val="0"/>
+                        </a:spcAft>
+                      </a:pPr>
+                      <a:r>
+                        <a:rPr lang="en-US" sz="1400" dirty="0" err="1">
+                          <a:effectLst/>
+                          <a:latin typeface="+mj-lt"/>
+                          <a:ea typeface="Calibri" panose="020F0502020204030204" pitchFamily="34" charset="0"/>
+                          <a:cs typeface="Times New Roman" panose="02020603050405020304" pitchFamily="18" charset="0"/>
+                        </a:rPr>
+                        <a:t>Rp</a:t>
+                      </a:r>
+                      <a:r>
+                        <a:rPr lang="en-US" sz="1400" dirty="0">
+                          <a:effectLst/>
+                          <a:latin typeface="+mj-lt"/>
+                          <a:ea typeface="Calibri" panose="020F0502020204030204" pitchFamily="34" charset="0"/>
+                          <a:cs typeface="Times New Roman" panose="02020603050405020304" pitchFamily="18" charset="0"/>
+                        </a:rPr>
+                        <a:t>. 5,000.00</a:t>
+                      </a:r>
+                    </a:p>
+                  </a:txBody>
+                  <a:tcPr marL="68580" marR="68580" marT="0" marB="0" anchor="ctr"/>
+                </a:tc>
+                <a:extLst>
+                  <a:ext uri="{0D108BD9-81ED-4DB2-BD59-A6C34878D82A}">
+                    <a16:rowId xmlns:a16="http://schemas.microsoft.com/office/drawing/2014/main" val="310218720"/>
+                  </a:ext>
+                </a:extLst>
+              </a:tr>
+            </a:tbl>
+          </a:graphicData>
+        </a:graphic>
+      </p:graphicFrame>
+    </p:spTree>
+    <p:extLst>
+      <p:ext uri="{BB962C8B-B14F-4D97-AF65-F5344CB8AC3E}">
+        <p14:creationId xmlns:p14="http://schemas.microsoft.com/office/powerpoint/2010/main" val="1159739878"/>
+      </p:ext>
+    </p:extLst>
+  </p:cSld>
+  <p:clrMapOvr>
+    <a:masterClrMapping/>
+  </p:clrMapOvr>
+</p:sld>
+</file>
+
+<file path=ppt/slides/slide17.xml><?xml version="1.0" encoding="utf-8"?>
+<p:sld xmlns:a="http://schemas.openxmlformats.org/drawingml/2006/main" xmlns:r="http://schemas.openxmlformats.org/officeDocument/2006/relationships" xmlns:p="http://schemas.openxmlformats.org/presentationml/2006/main">
+  <p:cSld>
+    <p:spTree>
+      <p:nvGrpSpPr>
+        <p:cNvPr id="1" name=""/>
+        <p:cNvGrpSpPr/>
+        <p:nvPr/>
+      </p:nvGrpSpPr>
+      <p:grpSpPr>
+        <a:xfrm>
+          <a:off x="0" y="0"/>
+          <a:ext cx="0" cy="0"/>
+          <a:chOff x="0" y="0"/>
+          <a:chExt cx="0" cy="0"/>
+        </a:xfrm>
+      </p:grpSpPr>
+      <p:graphicFrame>
+        <p:nvGraphicFramePr>
+          <p:cNvPr id="3" name="Table 2"/>
+          <p:cNvGraphicFramePr>
+            <a:graphicFrameLocks noGrp="1"/>
+          </p:cNvGraphicFramePr>
+          <p:nvPr>
+            <p:extLst>
+              <p:ext uri="{D42A27DB-BD31-4B8C-83A1-F6EECF244321}">
+                <p14:modId xmlns:p14="http://schemas.microsoft.com/office/powerpoint/2010/main" val="2906843042"/>
+              </p:ext>
+            </p:extLst>
+          </p:nvPr>
+        </p:nvGraphicFramePr>
+        <p:xfrm>
+          <a:off x="2974106" y="1241425"/>
+          <a:ext cx="5338621" cy="2794039"/>
+        </p:xfrm>
+        <a:graphic>
+          <a:graphicData uri="http://schemas.openxmlformats.org/drawingml/2006/table">
+            <a:tbl>
+              <a:tblPr firstRow="1" bandRow="1">
+                <a:tableStyleId>{5940675A-B579-460E-94D1-54222C63F5DA}</a:tableStyleId>
+              </a:tblPr>
+              <a:tblGrid>
+                <a:gridCol w="1309867">
+                  <a:extLst>
+                    <a:ext uri="{9D8B030D-6E8A-4147-A177-3AD203B41FA5}">
+                      <a16:colId xmlns:a16="http://schemas.microsoft.com/office/drawing/2014/main" val="534380365"/>
+                    </a:ext>
+                  </a:extLst>
+                </a:gridCol>
+                <a:gridCol w="1342918">
+                  <a:extLst>
+                    <a:ext uri="{9D8B030D-6E8A-4147-A177-3AD203B41FA5}">
+                      <a16:colId xmlns:a16="http://schemas.microsoft.com/office/drawing/2014/main" val="1081879133"/>
+                    </a:ext>
+                  </a:extLst>
+                </a:gridCol>
+                <a:gridCol w="1342918">
+                  <a:extLst>
+                    <a:ext uri="{9D8B030D-6E8A-4147-A177-3AD203B41FA5}">
+                      <a16:colId xmlns:a16="http://schemas.microsoft.com/office/drawing/2014/main" val="2494482292"/>
+                    </a:ext>
+                  </a:extLst>
+                </a:gridCol>
+                <a:gridCol w="1342918">
+                  <a:extLst>
+                    <a:ext uri="{9D8B030D-6E8A-4147-A177-3AD203B41FA5}">
+                      <a16:colId xmlns:a16="http://schemas.microsoft.com/office/drawing/2014/main" val="4142951547"/>
+                    </a:ext>
+                  </a:extLst>
+                </a:gridCol>
+              </a:tblGrid>
+              <a:tr h="292017">
+                <a:tc>
+                  <a:txBody>
+                    <a:bodyPr/>
+                    <a:lstStyle/>
+                    <a:p>
+                      <a:pPr algn="ctr"/>
+                      <a:r>
+                        <a:rPr lang="en-US" sz="1600" dirty="0">
+                          <a:latin typeface="+mn-lt"/>
+                        </a:rPr>
+                        <a:t>Name</a:t>
+                      </a:r>
+                    </a:p>
+                  </a:txBody>
+                  <a:tcPr/>
+                </a:tc>
+                <a:tc>
+                  <a:txBody>
+                    <a:bodyPr/>
+                    <a:lstStyle/>
+                    <a:p>
+                      <a:pPr algn="ctr"/>
+                      <a:r>
+                        <a:rPr lang="en-US" sz="1600" baseline="0" dirty="0">
+                          <a:latin typeface="+mn-lt"/>
+                        </a:rPr>
+                        <a:t>amount</a:t>
+                      </a:r>
+                      <a:endParaRPr lang="en-US" sz="1600" dirty="0">
+                        <a:latin typeface="+mn-lt"/>
+                      </a:endParaRPr>
+                    </a:p>
+                  </a:txBody>
+                  <a:tcPr/>
+                </a:tc>
+                <a:tc>
+                  <a:txBody>
+                    <a:bodyPr/>
+                    <a:lstStyle/>
+                    <a:p>
+                      <a:pPr algn="ctr"/>
+                      <a:r>
+                        <a:rPr lang="en-US" sz="1600" dirty="0">
+                          <a:latin typeface="+mn-lt"/>
+                        </a:rPr>
+                        <a:t>Price</a:t>
+                      </a:r>
+                    </a:p>
+                  </a:txBody>
+                  <a:tcPr/>
+                </a:tc>
+                <a:tc>
+                  <a:txBody>
+                    <a:bodyPr/>
+                    <a:lstStyle/>
+                    <a:p>
+                      <a:pPr algn="ctr"/>
+                      <a:r>
+                        <a:rPr lang="en-US" sz="1600" dirty="0">
+                          <a:latin typeface="+mn-lt"/>
+                        </a:rPr>
+                        <a:t>Total</a:t>
+                      </a:r>
+                      <a:r>
+                        <a:rPr lang="en-US" sz="1600" baseline="0" dirty="0">
+                          <a:latin typeface="+mn-lt"/>
+                        </a:rPr>
+                        <a:t> Price</a:t>
+                      </a:r>
+                      <a:endParaRPr lang="en-US" sz="1600" dirty="0">
+                        <a:latin typeface="+mn-lt"/>
+                      </a:endParaRPr>
+                    </a:p>
+                  </a:txBody>
+                  <a:tcPr/>
+                </a:tc>
+                <a:extLst>
+                  <a:ext uri="{0D108BD9-81ED-4DB2-BD59-A6C34878D82A}">
+                    <a16:rowId xmlns:a16="http://schemas.microsoft.com/office/drawing/2014/main" val="4051914831"/>
+                  </a:ext>
+                </a:extLst>
+              </a:tr>
+              <a:tr h="292017">
+                <a:tc>
+                  <a:txBody>
+                    <a:bodyPr/>
+                    <a:lstStyle/>
+                    <a:p>
+                      <a:pPr>
+                        <a:lnSpc>
+                          <a:spcPct val="107000"/>
+                        </a:lnSpc>
+                        <a:spcAft>
+                          <a:spcPts val="0"/>
+                        </a:spcAft>
+                      </a:pPr>
+                      <a:r>
+                        <a:rPr lang="en-US" sz="1400" dirty="0">
+                          <a:effectLst/>
+                          <a:latin typeface="+mn-lt"/>
+                          <a:ea typeface="Calibri" panose="020F0502020204030204" pitchFamily="34" charset="0"/>
+                          <a:cs typeface="Times New Roman" panose="02020603050405020304" pitchFamily="18" charset="0"/>
+                        </a:rPr>
+                        <a:t>Isolator</a:t>
+                      </a:r>
+                    </a:p>
+                  </a:txBody>
+                  <a:tcPr marL="68580" marR="68580" marT="0" marB="0"/>
+                </a:tc>
+                <a:tc>
+                  <a:txBody>
+                    <a:bodyPr/>
+                    <a:lstStyle/>
+                    <a:p>
+                      <a:pPr algn="ctr">
+                        <a:lnSpc>
+                          <a:spcPct val="107000"/>
+                        </a:lnSpc>
+                        <a:spcAft>
+                          <a:spcPts val="0"/>
+                        </a:spcAft>
+                      </a:pPr>
+                      <a:r>
+                        <a:rPr lang="en-US" sz="1400" dirty="0">
+                          <a:effectLst/>
+                          <a:latin typeface="+mn-lt"/>
+                          <a:ea typeface="Calibri" panose="020F0502020204030204" pitchFamily="34" charset="0"/>
+                          <a:cs typeface="Times New Roman" panose="02020603050405020304" pitchFamily="18" charset="0"/>
+                        </a:rPr>
+                        <a:t>2</a:t>
+                      </a:r>
+                    </a:p>
+                  </a:txBody>
+                  <a:tcPr marL="68580" marR="68580" marT="0" marB="0"/>
+                </a:tc>
+                <a:tc>
+                  <a:txBody>
+                    <a:bodyPr/>
+                    <a:lstStyle/>
+                    <a:p>
+                      <a:pPr>
+                        <a:lnSpc>
+                          <a:spcPct val="107000"/>
+                        </a:lnSpc>
+                        <a:spcAft>
+                          <a:spcPts val="0"/>
+                        </a:spcAft>
+                      </a:pPr>
+                      <a:r>
+                        <a:rPr lang="en-US" sz="1400" dirty="0" err="1">
+                          <a:effectLst/>
+                          <a:latin typeface="+mn-lt"/>
+                          <a:ea typeface="Calibri" panose="020F0502020204030204" pitchFamily="34" charset="0"/>
+                          <a:cs typeface="Times New Roman" panose="02020603050405020304" pitchFamily="18" charset="0"/>
+                        </a:rPr>
+                        <a:t>Rp</a:t>
+                      </a:r>
+                      <a:r>
+                        <a:rPr lang="en-US" sz="1400" dirty="0">
+                          <a:effectLst/>
+                          <a:latin typeface="+mn-lt"/>
+                          <a:ea typeface="Calibri" panose="020F0502020204030204" pitchFamily="34" charset="0"/>
+                          <a:cs typeface="Times New Roman" panose="02020603050405020304" pitchFamily="18" charset="0"/>
+                        </a:rPr>
+                        <a:t>.</a:t>
+                      </a:r>
+                      <a:r>
+                        <a:rPr lang="en-US" sz="1400" baseline="0" dirty="0">
+                          <a:effectLst/>
+                          <a:latin typeface="+mn-lt"/>
+                          <a:ea typeface="Calibri" panose="020F0502020204030204" pitchFamily="34" charset="0"/>
+                          <a:cs typeface="Times New Roman" panose="02020603050405020304" pitchFamily="18" charset="0"/>
+                        </a:rPr>
+                        <a:t> 500.000</a:t>
+                      </a:r>
+                      <a:endParaRPr lang="en-US" sz="1400" dirty="0">
+                        <a:effectLst/>
+                        <a:latin typeface="+mn-lt"/>
+                        <a:ea typeface="Calibri" panose="020F0502020204030204" pitchFamily="34" charset="0"/>
+                        <a:cs typeface="Times New Roman" panose="02020603050405020304" pitchFamily="18" charset="0"/>
+                      </a:endParaRPr>
+                    </a:p>
+                  </a:txBody>
+                  <a:tcPr marL="68580" marR="68580" marT="0" marB="0"/>
+                </a:tc>
+                <a:tc>
+                  <a:txBody>
+                    <a:bodyPr/>
+                    <a:lstStyle/>
+                    <a:p>
+                      <a:pPr>
+                        <a:lnSpc>
+                          <a:spcPct val="107000"/>
+                        </a:lnSpc>
+                        <a:spcAft>
+                          <a:spcPts val="0"/>
+                        </a:spcAft>
+                      </a:pPr>
+                      <a:r>
+                        <a:rPr lang="en-US" sz="1400" dirty="0" err="1">
+                          <a:effectLst/>
+                          <a:latin typeface="+mn-lt"/>
+                          <a:ea typeface="Calibri" panose="020F0502020204030204" pitchFamily="34" charset="0"/>
+                          <a:cs typeface="Times New Roman" panose="02020603050405020304" pitchFamily="18" charset="0"/>
+                        </a:rPr>
+                        <a:t>Rp</a:t>
+                      </a:r>
+                      <a:r>
+                        <a:rPr lang="en-US" sz="1400" dirty="0">
+                          <a:effectLst/>
+                          <a:latin typeface="+mn-lt"/>
+                          <a:ea typeface="Calibri" panose="020F0502020204030204" pitchFamily="34" charset="0"/>
+                          <a:cs typeface="Times New Roman" panose="02020603050405020304" pitchFamily="18" charset="0"/>
+                        </a:rPr>
+                        <a:t>. 1.000.00</a:t>
+                      </a:r>
+                    </a:p>
+                  </a:txBody>
+                  <a:tcPr marL="68580" marR="68580" marT="0" marB="0"/>
+                </a:tc>
+                <a:extLst>
+                  <a:ext uri="{0D108BD9-81ED-4DB2-BD59-A6C34878D82A}">
+                    <a16:rowId xmlns:a16="http://schemas.microsoft.com/office/drawing/2014/main" val="1602338258"/>
+                  </a:ext>
+                </a:extLst>
+              </a:tr>
+              <a:tr h="292017">
+                <a:tc>
+                  <a:txBody>
+                    <a:bodyPr/>
+                    <a:lstStyle/>
+                    <a:p>
+                      <a:pPr>
+                        <a:lnSpc>
+                          <a:spcPct val="107000"/>
+                        </a:lnSpc>
+                        <a:spcAft>
+                          <a:spcPts val="0"/>
+                        </a:spcAft>
+                      </a:pPr>
+                      <a:r>
+                        <a:rPr lang="en-US" sz="1400" dirty="0">
+                          <a:effectLst/>
+                          <a:latin typeface="+mn-lt"/>
+                          <a:ea typeface="Calibri" panose="020F0502020204030204" pitchFamily="34" charset="0"/>
+                          <a:cs typeface="Times New Roman" panose="02020603050405020304" pitchFamily="18" charset="0"/>
+                        </a:rPr>
+                        <a:t>Nut &amp; Bolt</a:t>
+                      </a:r>
+                    </a:p>
+                  </a:txBody>
+                  <a:tcPr marL="68580" marR="68580" marT="0" marB="0"/>
+                </a:tc>
+                <a:tc>
+                  <a:txBody>
+                    <a:bodyPr/>
+                    <a:lstStyle/>
+                    <a:p>
+                      <a:pPr algn="ctr">
+                        <a:lnSpc>
+                          <a:spcPct val="107000"/>
+                        </a:lnSpc>
+                        <a:spcAft>
+                          <a:spcPts val="0"/>
+                        </a:spcAft>
+                      </a:pPr>
+                      <a:r>
+                        <a:rPr lang="en-US" sz="1400" dirty="0">
+                          <a:effectLst/>
+                          <a:latin typeface="+mn-lt"/>
+                          <a:ea typeface="Calibri" panose="020F0502020204030204" pitchFamily="34" charset="0"/>
+                          <a:cs typeface="Times New Roman" panose="02020603050405020304" pitchFamily="18" charset="0"/>
+                        </a:rPr>
+                        <a:t>2</a:t>
+                      </a:r>
+                    </a:p>
+                  </a:txBody>
+                  <a:tcPr marL="68580" marR="68580" marT="0" marB="0"/>
+                </a:tc>
+                <a:tc>
+                  <a:txBody>
+                    <a:bodyPr/>
+                    <a:lstStyle/>
+                    <a:p>
+                      <a:pPr>
+                        <a:lnSpc>
+                          <a:spcPct val="107000"/>
+                        </a:lnSpc>
+                        <a:spcAft>
+                          <a:spcPts val="0"/>
+                        </a:spcAft>
+                      </a:pPr>
+                      <a:r>
+                        <a:rPr lang="en-US" sz="1400" dirty="0" err="1">
+                          <a:effectLst/>
+                          <a:latin typeface="+mn-lt"/>
+                          <a:ea typeface="Calibri" panose="020F0502020204030204" pitchFamily="34" charset="0"/>
+                          <a:cs typeface="Times New Roman" panose="02020603050405020304" pitchFamily="18" charset="0"/>
+                        </a:rPr>
+                        <a:t>Rp</a:t>
+                      </a:r>
+                      <a:r>
+                        <a:rPr lang="en-US" sz="1400" dirty="0">
+                          <a:effectLst/>
+                          <a:latin typeface="+mn-lt"/>
+                          <a:ea typeface="Calibri" panose="020F0502020204030204" pitchFamily="34" charset="0"/>
+                          <a:cs typeface="Times New Roman" panose="02020603050405020304" pitchFamily="18" charset="0"/>
+                        </a:rPr>
+                        <a:t>.</a:t>
+                      </a:r>
+                      <a:r>
+                        <a:rPr lang="en-US" sz="1400" baseline="0" dirty="0">
+                          <a:effectLst/>
+                          <a:latin typeface="+mn-lt"/>
+                          <a:ea typeface="Calibri" panose="020F0502020204030204" pitchFamily="34" charset="0"/>
+                          <a:cs typeface="Times New Roman" panose="02020603050405020304" pitchFamily="18" charset="0"/>
+                        </a:rPr>
+                        <a:t> 1000.00</a:t>
+                      </a:r>
+                      <a:endParaRPr lang="en-US" sz="1400" dirty="0">
+                        <a:effectLst/>
+                        <a:latin typeface="+mn-lt"/>
+                        <a:ea typeface="Calibri" panose="020F0502020204030204" pitchFamily="34" charset="0"/>
+                        <a:cs typeface="Times New Roman" panose="02020603050405020304" pitchFamily="18" charset="0"/>
+                      </a:endParaRPr>
+                    </a:p>
+                  </a:txBody>
+                  <a:tcPr marL="68580" marR="68580" marT="0" marB="0"/>
+                </a:tc>
+                <a:tc>
+                  <a:txBody>
+                    <a:bodyPr/>
+                    <a:lstStyle/>
+                    <a:p>
+                      <a:pPr>
+                        <a:lnSpc>
+                          <a:spcPct val="107000"/>
+                        </a:lnSpc>
+                        <a:spcAft>
+                          <a:spcPts val="0"/>
+                        </a:spcAft>
+                      </a:pPr>
+                      <a:r>
+                        <a:rPr lang="en-US" sz="1400" dirty="0" err="1">
+                          <a:effectLst/>
+                          <a:latin typeface="+mn-lt"/>
+                          <a:ea typeface="Calibri" panose="020F0502020204030204" pitchFamily="34" charset="0"/>
+                          <a:cs typeface="Times New Roman" panose="02020603050405020304" pitchFamily="18" charset="0"/>
+                        </a:rPr>
+                        <a:t>Rp</a:t>
+                      </a:r>
+                      <a:r>
+                        <a:rPr lang="en-US" sz="1400" dirty="0">
+                          <a:effectLst/>
+                          <a:latin typeface="+mn-lt"/>
+                          <a:ea typeface="Calibri" panose="020F0502020204030204" pitchFamily="34" charset="0"/>
+                          <a:cs typeface="Times New Roman" panose="02020603050405020304" pitchFamily="18" charset="0"/>
+                        </a:rPr>
+                        <a:t>. 2,000.00 </a:t>
+                      </a:r>
+                    </a:p>
+                  </a:txBody>
+                  <a:tcPr marL="68580" marR="68580" marT="0" marB="0"/>
+                </a:tc>
+                <a:extLst>
+                  <a:ext uri="{0D108BD9-81ED-4DB2-BD59-A6C34878D82A}">
+                    <a16:rowId xmlns:a16="http://schemas.microsoft.com/office/drawing/2014/main" val="68494731"/>
+                  </a:ext>
+                </a:extLst>
+              </a:tr>
+              <a:tr h="292017">
+                <a:tc>
+                  <a:txBody>
+                    <a:bodyPr/>
+                    <a:lstStyle/>
+                    <a:p>
+                      <a:pPr>
+                        <a:lnSpc>
+                          <a:spcPct val="107000"/>
+                        </a:lnSpc>
+                        <a:spcAft>
+                          <a:spcPts val="0"/>
+                        </a:spcAft>
+                      </a:pPr>
+                      <a:r>
+                        <a:rPr lang="en-US" sz="1400" dirty="0">
+                          <a:effectLst/>
+                          <a:latin typeface="+mn-lt"/>
+                          <a:ea typeface="Calibri" panose="020F0502020204030204" pitchFamily="34" charset="0"/>
+                          <a:cs typeface="Times New Roman" panose="02020603050405020304" pitchFamily="18" charset="0"/>
+                        </a:rPr>
+                        <a:t>Heatsink</a:t>
+                      </a:r>
+                    </a:p>
+                  </a:txBody>
+                  <a:tcPr marL="68580" marR="68580" marT="0" marB="0"/>
+                </a:tc>
+                <a:tc>
+                  <a:txBody>
+                    <a:bodyPr/>
+                    <a:lstStyle/>
+                    <a:p>
+                      <a:pPr algn="ctr">
+                        <a:lnSpc>
+                          <a:spcPct val="107000"/>
+                        </a:lnSpc>
+                        <a:spcAft>
+                          <a:spcPts val="0"/>
+                        </a:spcAft>
+                      </a:pPr>
+                      <a:r>
+                        <a:rPr lang="en-US" sz="1400" dirty="0">
+                          <a:effectLst/>
+                          <a:latin typeface="+mn-lt"/>
+                          <a:ea typeface="Calibri" panose="020F0502020204030204" pitchFamily="34" charset="0"/>
+                          <a:cs typeface="Times New Roman" panose="02020603050405020304" pitchFamily="18" charset="0"/>
+                        </a:rPr>
+                        <a:t>1/2</a:t>
+                      </a:r>
+                    </a:p>
+                  </a:txBody>
+                  <a:tcPr marL="68580" marR="68580" marT="0" marB="0"/>
+                </a:tc>
+                <a:tc>
+                  <a:txBody>
+                    <a:bodyPr/>
+                    <a:lstStyle/>
+                    <a:p>
+                      <a:pPr>
+                        <a:lnSpc>
+                          <a:spcPct val="107000"/>
+                        </a:lnSpc>
+                        <a:spcAft>
+                          <a:spcPts val="0"/>
+                        </a:spcAft>
+                      </a:pPr>
+                      <a:r>
+                        <a:rPr lang="en-US" sz="1400" dirty="0" err="1">
+                          <a:effectLst/>
+                          <a:latin typeface="+mn-lt"/>
+                          <a:ea typeface="Calibri" panose="020F0502020204030204" pitchFamily="34" charset="0"/>
+                          <a:cs typeface="Times New Roman" panose="02020603050405020304" pitchFamily="18" charset="0"/>
+                        </a:rPr>
+                        <a:t>Rp</a:t>
+                      </a:r>
+                      <a:r>
+                        <a:rPr lang="en-US" sz="1400" dirty="0">
+                          <a:effectLst/>
+                          <a:latin typeface="+mn-lt"/>
+                          <a:ea typeface="Calibri" panose="020F0502020204030204" pitchFamily="34" charset="0"/>
+                          <a:cs typeface="Times New Roman" panose="02020603050405020304" pitchFamily="18" charset="0"/>
+                        </a:rPr>
+                        <a:t>.</a:t>
+                      </a:r>
+                      <a:r>
+                        <a:rPr lang="en-US" sz="1400" baseline="0" dirty="0">
+                          <a:effectLst/>
+                          <a:latin typeface="+mn-lt"/>
+                          <a:ea typeface="Calibri" panose="020F0502020204030204" pitchFamily="34" charset="0"/>
+                          <a:cs typeface="Times New Roman" panose="02020603050405020304" pitchFamily="18" charset="0"/>
+                        </a:rPr>
+                        <a:t> 28,000.00</a:t>
+                      </a:r>
+                      <a:endParaRPr lang="en-US" sz="1400" dirty="0">
+                        <a:effectLst/>
+                        <a:latin typeface="+mn-lt"/>
+                        <a:ea typeface="Calibri" panose="020F0502020204030204" pitchFamily="34" charset="0"/>
+                        <a:cs typeface="Times New Roman" panose="02020603050405020304" pitchFamily="18" charset="0"/>
+                      </a:endParaRPr>
+                    </a:p>
+                  </a:txBody>
+                  <a:tcPr marL="68580" marR="68580" marT="0" marB="0"/>
+                </a:tc>
+                <a:tc>
+                  <a:txBody>
+                    <a:bodyPr/>
+                    <a:lstStyle/>
+                    <a:p>
+                      <a:pPr>
+                        <a:lnSpc>
+                          <a:spcPct val="107000"/>
+                        </a:lnSpc>
+                        <a:spcAft>
+                          <a:spcPts val="0"/>
+                        </a:spcAft>
+                      </a:pPr>
+                      <a:r>
+                        <a:rPr lang="en-US" sz="1400" dirty="0" err="1">
+                          <a:effectLst/>
+                          <a:latin typeface="+mn-lt"/>
+                          <a:ea typeface="Calibri" panose="020F0502020204030204" pitchFamily="34" charset="0"/>
+                          <a:cs typeface="Times New Roman" panose="02020603050405020304" pitchFamily="18" charset="0"/>
+                        </a:rPr>
+                        <a:t>Rp</a:t>
+                      </a:r>
+                      <a:r>
+                        <a:rPr lang="en-US" sz="1400" dirty="0">
+                          <a:effectLst/>
+                          <a:latin typeface="+mn-lt"/>
+                          <a:ea typeface="Calibri" panose="020F0502020204030204" pitchFamily="34" charset="0"/>
+                          <a:cs typeface="Times New Roman" panose="02020603050405020304" pitchFamily="18" charset="0"/>
+                        </a:rPr>
+                        <a:t>. 14,000.00</a:t>
+                      </a:r>
+                    </a:p>
+                  </a:txBody>
+                  <a:tcPr marL="68580" marR="68580" marT="0" marB="0"/>
+                </a:tc>
+                <a:extLst>
+                  <a:ext uri="{0D108BD9-81ED-4DB2-BD59-A6C34878D82A}">
+                    <a16:rowId xmlns:a16="http://schemas.microsoft.com/office/drawing/2014/main" val="1117342396"/>
+                  </a:ext>
+                </a:extLst>
+              </a:tr>
+              <a:tr h="292017">
+                <a:tc>
+                  <a:txBody>
+                    <a:bodyPr/>
+                    <a:lstStyle/>
+                    <a:p>
+                      <a:pPr>
+                        <a:lnSpc>
+                          <a:spcPct val="107000"/>
+                        </a:lnSpc>
+                        <a:spcAft>
+                          <a:spcPts val="0"/>
+                        </a:spcAft>
+                      </a:pPr>
+                      <a:r>
+                        <a:rPr lang="en-US" sz="1400" dirty="0">
+                          <a:solidFill>
+                            <a:srgbClr val="000000"/>
+                          </a:solidFill>
+                          <a:effectLst/>
+                          <a:latin typeface="+mn-lt"/>
+                          <a:ea typeface="Times New Roman" panose="02020603050405020304" pitchFamily="18" charset="0"/>
+                          <a:cs typeface="Calibri" panose="020F0502020204030204" pitchFamily="34" charset="0"/>
+                        </a:rPr>
+                        <a:t>RCA socket</a:t>
+                      </a:r>
+                      <a:endParaRPr lang="en-US" sz="1400" dirty="0">
+                        <a:effectLst/>
+                        <a:latin typeface="+mn-lt"/>
+                        <a:ea typeface="Calibri" panose="020F0502020204030204" pitchFamily="34" charset="0"/>
+                        <a:cs typeface="Times New Roman" panose="02020603050405020304" pitchFamily="18" charset="0"/>
+                      </a:endParaRPr>
+                    </a:p>
+                  </a:txBody>
+                  <a:tcPr marL="68580" marR="68580" marT="0" marB="0"/>
+                </a:tc>
+                <a:tc>
+                  <a:txBody>
+                    <a:bodyPr/>
+                    <a:lstStyle/>
+                    <a:p>
+                      <a:pPr algn="ctr">
+                        <a:lnSpc>
+                          <a:spcPct val="107000"/>
+                        </a:lnSpc>
+                        <a:spcAft>
+                          <a:spcPts val="0"/>
+                        </a:spcAft>
+                      </a:pPr>
+                      <a:r>
+                        <a:rPr lang="en-US" sz="1400" dirty="0">
+                          <a:solidFill>
+                            <a:srgbClr val="000000"/>
+                          </a:solidFill>
+                          <a:effectLst/>
+                          <a:latin typeface="+mn-lt"/>
+                          <a:ea typeface="Times New Roman" panose="02020603050405020304" pitchFamily="18" charset="0"/>
+                          <a:cs typeface="Calibri" panose="020F0502020204030204" pitchFamily="34" charset="0"/>
+                        </a:rPr>
+                        <a:t>1</a:t>
+                      </a:r>
+                      <a:endParaRPr lang="en-US" sz="1400" dirty="0">
+                        <a:effectLst/>
+                        <a:latin typeface="+mn-lt"/>
+                        <a:ea typeface="Calibri" panose="020F0502020204030204" pitchFamily="34" charset="0"/>
+                        <a:cs typeface="Times New Roman" panose="02020603050405020304" pitchFamily="18" charset="0"/>
+                      </a:endParaRPr>
+                    </a:p>
+                  </a:txBody>
+                  <a:tcPr marL="68580" marR="68580" marT="0" marB="0"/>
+                </a:tc>
+                <a:tc>
+                  <a:txBody>
+                    <a:bodyPr/>
+                    <a:lstStyle/>
+                    <a:p>
+                      <a:pPr>
+                        <a:lnSpc>
+                          <a:spcPct val="107000"/>
+                        </a:lnSpc>
+                        <a:spcAft>
+                          <a:spcPts val="0"/>
+                        </a:spcAft>
+                      </a:pPr>
+                      <a:r>
+                        <a:rPr lang="en-US" sz="1400" dirty="0" err="1">
+                          <a:solidFill>
+                            <a:srgbClr val="000000"/>
+                          </a:solidFill>
+                          <a:effectLst/>
+                          <a:latin typeface="+mn-lt"/>
+                          <a:ea typeface="Times New Roman" panose="02020603050405020304" pitchFamily="18" charset="0"/>
+                          <a:cs typeface="Calibri" panose="020F0502020204030204" pitchFamily="34" charset="0"/>
+                        </a:rPr>
+                        <a:t>Rp</a:t>
+                      </a:r>
+                      <a:r>
+                        <a:rPr lang="en-US" sz="1400" dirty="0">
+                          <a:solidFill>
+                            <a:srgbClr val="000000"/>
+                          </a:solidFill>
+                          <a:effectLst/>
+                          <a:latin typeface="+mn-lt"/>
+                          <a:ea typeface="Times New Roman" panose="02020603050405020304" pitchFamily="18" charset="0"/>
+                          <a:cs typeface="Calibri" panose="020F0502020204030204" pitchFamily="34" charset="0"/>
+                        </a:rPr>
+                        <a:t>. 2,500.00</a:t>
+                      </a:r>
+                      <a:endParaRPr lang="en-US" sz="1400" dirty="0">
+                        <a:effectLst/>
+                        <a:latin typeface="+mn-lt"/>
+                        <a:ea typeface="Calibri" panose="020F0502020204030204" pitchFamily="34" charset="0"/>
+                        <a:cs typeface="Times New Roman" panose="02020603050405020304" pitchFamily="18" charset="0"/>
+                      </a:endParaRPr>
+                    </a:p>
+                  </a:txBody>
+                  <a:tcPr marL="68580" marR="68580" marT="0" marB="0"/>
+                </a:tc>
+                <a:tc>
+                  <a:txBody>
+                    <a:bodyPr/>
+                    <a:lstStyle/>
+                    <a:p>
+                      <a:pPr>
+                        <a:lnSpc>
+                          <a:spcPct val="107000"/>
+                        </a:lnSpc>
+                        <a:spcAft>
+                          <a:spcPts val="0"/>
+                        </a:spcAft>
+                      </a:pPr>
+                      <a:r>
+                        <a:rPr lang="en-US" sz="1400" dirty="0">
+                          <a:solidFill>
+                            <a:srgbClr val="000000"/>
+                          </a:solidFill>
+                          <a:effectLst/>
+                          <a:latin typeface="+mn-lt"/>
+                          <a:ea typeface="Times New Roman" panose="02020603050405020304" pitchFamily="18" charset="0"/>
+                          <a:cs typeface="Calibri" panose="020F0502020204030204" pitchFamily="34" charset="0"/>
+                        </a:rPr>
+                        <a:t>Rp. 2,500.00</a:t>
+                      </a:r>
+                      <a:endParaRPr lang="en-US" sz="1400" dirty="0">
+                        <a:effectLst/>
+                        <a:latin typeface="+mn-lt"/>
+                        <a:ea typeface="Calibri" panose="020F0502020204030204" pitchFamily="34" charset="0"/>
+                        <a:cs typeface="Times New Roman" panose="02020603050405020304" pitchFamily="18" charset="0"/>
+                      </a:endParaRPr>
+                    </a:p>
+                  </a:txBody>
+                  <a:tcPr marL="68580" marR="68580" marT="0" marB="0"/>
+                </a:tc>
+                <a:extLst>
+                  <a:ext uri="{0D108BD9-81ED-4DB2-BD59-A6C34878D82A}">
+                    <a16:rowId xmlns:a16="http://schemas.microsoft.com/office/drawing/2014/main" val="4205576042"/>
+                  </a:ext>
+                </a:extLst>
+              </a:tr>
+              <a:tr h="292017">
+                <a:tc>
+                  <a:txBody>
+                    <a:bodyPr/>
+                    <a:lstStyle/>
+                    <a:p>
+                      <a:pPr>
+                        <a:lnSpc>
+                          <a:spcPct val="107000"/>
+                        </a:lnSpc>
+                        <a:spcAft>
+                          <a:spcPts val="0"/>
+                        </a:spcAft>
+                      </a:pPr>
+                      <a:r>
+                        <a:rPr lang="en-US" sz="1400" dirty="0">
+                          <a:solidFill>
+                            <a:srgbClr val="000000"/>
+                          </a:solidFill>
+                          <a:effectLst/>
+                          <a:latin typeface="+mn-lt"/>
+                          <a:ea typeface="Times New Roman" panose="02020603050405020304" pitchFamily="18" charset="0"/>
+                          <a:cs typeface="Calibri" panose="020F0502020204030204" pitchFamily="34" charset="0"/>
+                        </a:rPr>
+                        <a:t>MP3 module</a:t>
+                      </a:r>
+                      <a:endParaRPr lang="en-US" sz="1400" dirty="0">
+                        <a:effectLst/>
+                        <a:latin typeface="+mn-lt"/>
+                        <a:ea typeface="Calibri" panose="020F0502020204030204" pitchFamily="34" charset="0"/>
+                        <a:cs typeface="Times New Roman" panose="02020603050405020304" pitchFamily="18" charset="0"/>
+                      </a:endParaRPr>
+                    </a:p>
+                  </a:txBody>
+                  <a:tcPr marL="68580" marR="68580" marT="0" marB="0"/>
+                </a:tc>
+                <a:tc>
+                  <a:txBody>
+                    <a:bodyPr/>
+                    <a:lstStyle/>
+                    <a:p>
+                      <a:pPr algn="ctr">
+                        <a:lnSpc>
+                          <a:spcPct val="107000"/>
+                        </a:lnSpc>
+                        <a:spcAft>
+                          <a:spcPts val="0"/>
+                        </a:spcAft>
+                      </a:pPr>
+                      <a:r>
+                        <a:rPr lang="en-US" sz="1400" dirty="0">
+                          <a:solidFill>
+                            <a:srgbClr val="000000"/>
+                          </a:solidFill>
+                          <a:effectLst/>
+                          <a:latin typeface="+mn-lt"/>
+                          <a:ea typeface="Times New Roman" panose="02020603050405020304" pitchFamily="18" charset="0"/>
+                          <a:cs typeface="Calibri" panose="020F0502020204030204" pitchFamily="34" charset="0"/>
+                        </a:rPr>
+                        <a:t>1</a:t>
+                      </a:r>
+                      <a:endParaRPr lang="en-US" sz="1400" dirty="0">
+                        <a:effectLst/>
+                        <a:latin typeface="+mn-lt"/>
+                        <a:ea typeface="Calibri" panose="020F0502020204030204" pitchFamily="34" charset="0"/>
+                        <a:cs typeface="Times New Roman" panose="02020603050405020304" pitchFamily="18" charset="0"/>
+                      </a:endParaRPr>
+                    </a:p>
+                  </a:txBody>
+                  <a:tcPr marL="68580" marR="68580" marT="0" marB="0"/>
+                </a:tc>
+                <a:tc>
+                  <a:txBody>
+                    <a:bodyPr/>
+                    <a:lstStyle/>
+                    <a:p>
+                      <a:pPr>
+                        <a:lnSpc>
+                          <a:spcPct val="107000"/>
+                        </a:lnSpc>
+                        <a:spcAft>
+                          <a:spcPts val="0"/>
+                        </a:spcAft>
+                      </a:pPr>
+                      <a:r>
+                        <a:rPr lang="en-US" sz="1400" dirty="0" err="1">
+                          <a:solidFill>
+                            <a:srgbClr val="000000"/>
+                          </a:solidFill>
+                          <a:effectLst/>
+                          <a:latin typeface="+mn-lt"/>
+                          <a:ea typeface="Times New Roman" panose="02020603050405020304" pitchFamily="18" charset="0"/>
+                          <a:cs typeface="Calibri" panose="020F0502020204030204" pitchFamily="34" charset="0"/>
+                        </a:rPr>
+                        <a:t>Rp</a:t>
+                      </a:r>
+                      <a:r>
+                        <a:rPr lang="en-US" sz="1400" dirty="0">
+                          <a:solidFill>
+                            <a:srgbClr val="000000"/>
+                          </a:solidFill>
+                          <a:effectLst/>
+                          <a:latin typeface="+mn-lt"/>
+                          <a:ea typeface="Times New Roman" panose="02020603050405020304" pitchFamily="18" charset="0"/>
+                          <a:cs typeface="Calibri" panose="020F0502020204030204" pitchFamily="34" charset="0"/>
+                        </a:rPr>
+                        <a:t>. 30,000.00</a:t>
+                      </a:r>
+                      <a:endParaRPr lang="en-US" sz="1400" dirty="0">
+                        <a:effectLst/>
+                        <a:latin typeface="+mn-lt"/>
+                        <a:ea typeface="Calibri" panose="020F0502020204030204" pitchFamily="34" charset="0"/>
+                        <a:cs typeface="Times New Roman" panose="02020603050405020304" pitchFamily="18" charset="0"/>
+                      </a:endParaRPr>
+                    </a:p>
+                  </a:txBody>
+                  <a:tcPr marL="68580" marR="68580" marT="0" marB="0"/>
+                </a:tc>
+                <a:tc>
+                  <a:txBody>
+                    <a:bodyPr/>
+                    <a:lstStyle/>
+                    <a:p>
+                      <a:pPr>
+                        <a:lnSpc>
+                          <a:spcPct val="107000"/>
+                        </a:lnSpc>
+                        <a:spcAft>
+                          <a:spcPts val="0"/>
+                        </a:spcAft>
+                      </a:pPr>
+                      <a:r>
+                        <a:rPr lang="en-US" sz="1400" dirty="0" err="1">
+                          <a:solidFill>
+                            <a:srgbClr val="000000"/>
+                          </a:solidFill>
+                          <a:effectLst/>
+                          <a:latin typeface="+mn-lt"/>
+                          <a:ea typeface="Times New Roman" panose="02020603050405020304" pitchFamily="18" charset="0"/>
+                          <a:cs typeface="Calibri" panose="020F0502020204030204" pitchFamily="34" charset="0"/>
+                        </a:rPr>
+                        <a:t>Rp</a:t>
+                      </a:r>
+                      <a:r>
+                        <a:rPr lang="en-US" sz="1400" dirty="0">
+                          <a:solidFill>
+                            <a:srgbClr val="000000"/>
+                          </a:solidFill>
+                          <a:effectLst/>
+                          <a:latin typeface="+mn-lt"/>
+                          <a:ea typeface="Times New Roman" panose="02020603050405020304" pitchFamily="18" charset="0"/>
+                          <a:cs typeface="Calibri" panose="020F0502020204030204" pitchFamily="34" charset="0"/>
+                        </a:rPr>
+                        <a:t>. 30,000.00</a:t>
+                      </a:r>
+                      <a:endParaRPr lang="en-US" sz="1400" dirty="0">
+                        <a:effectLst/>
+                        <a:latin typeface="+mn-lt"/>
+                        <a:ea typeface="Calibri" panose="020F0502020204030204" pitchFamily="34" charset="0"/>
+                        <a:cs typeface="Times New Roman" panose="02020603050405020304" pitchFamily="18" charset="0"/>
+                      </a:endParaRPr>
+                    </a:p>
+                  </a:txBody>
+                  <a:tcPr marL="68580" marR="68580" marT="0" marB="0"/>
+                </a:tc>
+                <a:extLst>
+                  <a:ext uri="{0D108BD9-81ED-4DB2-BD59-A6C34878D82A}">
+                    <a16:rowId xmlns:a16="http://schemas.microsoft.com/office/drawing/2014/main" val="1642940816"/>
+                  </a:ext>
+                </a:extLst>
+              </a:tr>
+              <a:tr h="292017">
+                <a:tc>
+                  <a:txBody>
+                    <a:bodyPr/>
+                    <a:lstStyle/>
+                    <a:p>
+                      <a:pPr>
+                        <a:lnSpc>
+                          <a:spcPct val="107000"/>
+                        </a:lnSpc>
+                        <a:spcAft>
+                          <a:spcPts val="0"/>
+                        </a:spcAft>
+                      </a:pPr>
+                      <a:r>
+                        <a:rPr lang="en-US" sz="1400" dirty="0">
+                          <a:effectLst/>
+                          <a:latin typeface="+mn-lt"/>
+                          <a:ea typeface="Calibri" panose="020F0502020204030204" pitchFamily="34" charset="0"/>
+                          <a:cs typeface="Times New Roman" panose="02020603050405020304" pitchFamily="18" charset="0"/>
+                        </a:rPr>
+                        <a:t>Cable</a:t>
+                      </a:r>
+                    </a:p>
+                  </a:txBody>
+                  <a:tcPr marL="68580" marR="68580" marT="0" marB="0"/>
+                </a:tc>
+                <a:tc>
+                  <a:txBody>
+                    <a:bodyPr/>
+                    <a:lstStyle/>
+                    <a:p>
+                      <a:pPr algn="ctr">
+                        <a:lnSpc>
+                          <a:spcPct val="107000"/>
+                        </a:lnSpc>
+                        <a:spcAft>
+                          <a:spcPts val="0"/>
+                        </a:spcAft>
+                      </a:pPr>
+                      <a:r>
+                        <a:rPr lang="en-US" sz="1400" dirty="0">
+                          <a:solidFill>
+                            <a:srgbClr val="000000"/>
+                          </a:solidFill>
+                          <a:effectLst/>
+                          <a:latin typeface="+mn-lt"/>
+                          <a:ea typeface="Times New Roman" panose="02020603050405020304" pitchFamily="18" charset="0"/>
+                          <a:cs typeface="Calibri" panose="020F0502020204030204" pitchFamily="34" charset="0"/>
+                        </a:rPr>
+                        <a:t>1</a:t>
+                      </a:r>
+                      <a:endParaRPr lang="en-US" sz="1400" dirty="0">
+                        <a:effectLst/>
+                        <a:latin typeface="+mn-lt"/>
+                        <a:ea typeface="Calibri" panose="020F0502020204030204" pitchFamily="34" charset="0"/>
+                        <a:cs typeface="Times New Roman" panose="02020603050405020304" pitchFamily="18" charset="0"/>
+                      </a:endParaRPr>
+                    </a:p>
+                  </a:txBody>
+                  <a:tcPr marL="68580" marR="68580" marT="0" marB="0"/>
+                </a:tc>
+                <a:tc>
+                  <a:txBody>
+                    <a:bodyPr/>
+                    <a:lstStyle/>
+                    <a:p>
+                      <a:pPr>
+                        <a:lnSpc>
+                          <a:spcPct val="107000"/>
+                        </a:lnSpc>
+                        <a:spcAft>
+                          <a:spcPts val="0"/>
+                        </a:spcAft>
+                      </a:pPr>
+                      <a:r>
+                        <a:rPr lang="en-US" sz="1400" dirty="0" err="1">
+                          <a:solidFill>
+                            <a:srgbClr val="000000"/>
+                          </a:solidFill>
+                          <a:effectLst/>
+                          <a:latin typeface="+mn-lt"/>
+                          <a:ea typeface="Times New Roman" panose="02020603050405020304" pitchFamily="18" charset="0"/>
+                          <a:cs typeface="Calibri" panose="020F0502020204030204" pitchFamily="34" charset="0"/>
+                        </a:rPr>
+                        <a:t>Rp</a:t>
+                      </a:r>
+                      <a:r>
+                        <a:rPr lang="en-US" sz="1400" dirty="0">
+                          <a:solidFill>
+                            <a:srgbClr val="000000"/>
+                          </a:solidFill>
+                          <a:effectLst/>
+                          <a:latin typeface="+mn-lt"/>
+                          <a:ea typeface="Times New Roman" panose="02020603050405020304" pitchFamily="18" charset="0"/>
+                          <a:cs typeface="Calibri" panose="020F0502020204030204" pitchFamily="34" charset="0"/>
+                        </a:rPr>
+                        <a:t>. 2,000.00</a:t>
+                      </a:r>
+                      <a:endParaRPr lang="en-US" sz="1400" dirty="0">
+                        <a:effectLst/>
+                        <a:latin typeface="+mn-lt"/>
+                        <a:ea typeface="Calibri" panose="020F0502020204030204" pitchFamily="34" charset="0"/>
+                        <a:cs typeface="Times New Roman" panose="02020603050405020304" pitchFamily="18" charset="0"/>
+                      </a:endParaRPr>
+                    </a:p>
+                  </a:txBody>
+                  <a:tcPr marL="68580" marR="68580" marT="0" marB="0"/>
+                </a:tc>
+                <a:tc>
+                  <a:txBody>
+                    <a:bodyPr/>
+                    <a:lstStyle/>
+                    <a:p>
+                      <a:pPr>
+                        <a:lnSpc>
+                          <a:spcPct val="107000"/>
+                        </a:lnSpc>
+                        <a:spcAft>
+                          <a:spcPts val="0"/>
+                        </a:spcAft>
+                      </a:pPr>
+                      <a:r>
+                        <a:rPr lang="en-US" sz="1400" dirty="0" err="1">
+                          <a:solidFill>
+                            <a:srgbClr val="000000"/>
+                          </a:solidFill>
+                          <a:effectLst/>
+                          <a:latin typeface="+mn-lt"/>
+                          <a:ea typeface="Times New Roman" panose="02020603050405020304" pitchFamily="18" charset="0"/>
+                          <a:cs typeface="Calibri" panose="020F0502020204030204" pitchFamily="34" charset="0"/>
+                        </a:rPr>
+                        <a:t>Rp</a:t>
+                      </a:r>
+                      <a:r>
+                        <a:rPr lang="en-US" sz="1400" dirty="0">
+                          <a:solidFill>
+                            <a:srgbClr val="000000"/>
+                          </a:solidFill>
+                          <a:effectLst/>
+                          <a:latin typeface="+mn-lt"/>
+                          <a:ea typeface="Times New Roman" panose="02020603050405020304" pitchFamily="18" charset="0"/>
+                          <a:cs typeface="Calibri" panose="020F0502020204030204" pitchFamily="34" charset="0"/>
+                        </a:rPr>
+                        <a:t>. 2,000.00</a:t>
+                      </a:r>
+                      <a:endParaRPr lang="en-US" sz="1400" dirty="0">
+                        <a:effectLst/>
+                        <a:latin typeface="+mn-lt"/>
+                        <a:ea typeface="Calibri" panose="020F0502020204030204" pitchFamily="34" charset="0"/>
+                        <a:cs typeface="Times New Roman" panose="02020603050405020304" pitchFamily="18" charset="0"/>
+                      </a:endParaRPr>
+                    </a:p>
+                  </a:txBody>
+                  <a:tcPr marL="68580" marR="68580" marT="0" marB="0"/>
+                </a:tc>
+                <a:extLst>
+                  <a:ext uri="{0D108BD9-81ED-4DB2-BD59-A6C34878D82A}">
+                    <a16:rowId xmlns:a16="http://schemas.microsoft.com/office/drawing/2014/main" val="3261210258"/>
+                  </a:ext>
+                </a:extLst>
+              </a:tr>
+              <a:tr h="414640">
+                <a:tc>
+                  <a:txBody>
+                    <a:bodyPr/>
+                    <a:lstStyle/>
+                    <a:p>
+                      <a:pPr>
+                        <a:lnSpc>
+                          <a:spcPct val="107000"/>
+                        </a:lnSpc>
+                        <a:spcAft>
+                          <a:spcPts val="0"/>
+                        </a:spcAft>
+                      </a:pPr>
+                      <a:r>
+                        <a:rPr lang="en-US" sz="1400" dirty="0">
+                          <a:solidFill>
+                            <a:srgbClr val="000000"/>
+                          </a:solidFill>
+                          <a:effectLst/>
+                          <a:latin typeface="+mn-lt"/>
+                          <a:ea typeface="Times New Roman" panose="02020603050405020304" pitchFamily="18" charset="0"/>
+                          <a:cs typeface="Calibri" panose="020F0502020204030204" pitchFamily="34" charset="0"/>
+                        </a:rPr>
+                        <a:t>Audio Cable</a:t>
+                      </a:r>
+                      <a:endParaRPr lang="en-US" sz="1400" dirty="0">
+                        <a:effectLst/>
+                        <a:latin typeface="+mn-lt"/>
+                        <a:ea typeface="Calibri" panose="020F0502020204030204" pitchFamily="34" charset="0"/>
+                        <a:cs typeface="Times New Roman" panose="02020603050405020304" pitchFamily="18" charset="0"/>
+                      </a:endParaRPr>
+                    </a:p>
+                  </a:txBody>
+                  <a:tcPr marL="68580" marR="68580" marT="0" marB="0"/>
+                </a:tc>
+                <a:tc>
+                  <a:txBody>
+                    <a:bodyPr/>
+                    <a:lstStyle/>
+                    <a:p>
+                      <a:pPr algn="ctr">
+                        <a:lnSpc>
+                          <a:spcPct val="107000"/>
+                        </a:lnSpc>
+                        <a:spcAft>
+                          <a:spcPts val="0"/>
+                        </a:spcAft>
+                      </a:pPr>
+                      <a:r>
+                        <a:rPr lang="en-US" sz="1400" dirty="0">
+                          <a:solidFill>
+                            <a:srgbClr val="000000"/>
+                          </a:solidFill>
+                          <a:effectLst/>
+                          <a:latin typeface="+mn-lt"/>
+                          <a:ea typeface="Times New Roman" panose="02020603050405020304" pitchFamily="18" charset="0"/>
+                          <a:cs typeface="Calibri" panose="020F0502020204030204" pitchFamily="34" charset="0"/>
+                        </a:rPr>
+                        <a:t>1</a:t>
+                      </a:r>
+                      <a:endParaRPr lang="en-US" sz="1400" dirty="0">
+                        <a:effectLst/>
+                        <a:latin typeface="+mn-lt"/>
+                        <a:ea typeface="Calibri" panose="020F0502020204030204" pitchFamily="34" charset="0"/>
+                        <a:cs typeface="Times New Roman" panose="02020603050405020304" pitchFamily="18" charset="0"/>
+                      </a:endParaRPr>
+                    </a:p>
+                  </a:txBody>
+                  <a:tcPr marL="68580" marR="68580" marT="0" marB="0"/>
+                </a:tc>
+                <a:tc>
+                  <a:txBody>
+                    <a:bodyPr/>
+                    <a:lstStyle/>
+                    <a:p>
+                      <a:pPr>
+                        <a:lnSpc>
+                          <a:spcPct val="107000"/>
+                        </a:lnSpc>
+                        <a:spcAft>
+                          <a:spcPts val="0"/>
+                        </a:spcAft>
+                      </a:pPr>
+                      <a:r>
+                        <a:rPr lang="en-US" sz="1400" dirty="0" err="1">
+                          <a:solidFill>
+                            <a:srgbClr val="000000"/>
+                          </a:solidFill>
+                          <a:effectLst/>
+                          <a:latin typeface="+mn-lt"/>
+                          <a:ea typeface="Times New Roman" panose="02020603050405020304" pitchFamily="18" charset="0"/>
+                          <a:cs typeface="Calibri" panose="020F0502020204030204" pitchFamily="34" charset="0"/>
+                        </a:rPr>
+                        <a:t>Rp</a:t>
+                      </a:r>
+                      <a:r>
+                        <a:rPr lang="en-US" sz="1400" dirty="0">
+                          <a:solidFill>
+                            <a:srgbClr val="000000"/>
+                          </a:solidFill>
+                          <a:effectLst/>
+                          <a:latin typeface="+mn-lt"/>
+                          <a:ea typeface="Times New Roman" panose="02020603050405020304" pitchFamily="18" charset="0"/>
+                          <a:cs typeface="Calibri" panose="020F0502020204030204" pitchFamily="34" charset="0"/>
+                        </a:rPr>
+                        <a:t>. 3,000.00</a:t>
+                      </a:r>
+                      <a:endParaRPr lang="en-US" sz="1400" dirty="0">
+                        <a:effectLst/>
+                        <a:latin typeface="+mn-lt"/>
+                        <a:ea typeface="Calibri" panose="020F0502020204030204" pitchFamily="34" charset="0"/>
+                        <a:cs typeface="Times New Roman" panose="02020603050405020304" pitchFamily="18" charset="0"/>
+                      </a:endParaRPr>
+                    </a:p>
+                  </a:txBody>
+                  <a:tcPr marL="68580" marR="68580" marT="0" marB="0"/>
+                </a:tc>
+                <a:tc>
+                  <a:txBody>
+                    <a:bodyPr/>
+                    <a:lstStyle/>
+                    <a:p>
+                      <a:pPr>
+                        <a:lnSpc>
+                          <a:spcPct val="107000"/>
+                        </a:lnSpc>
+                        <a:spcAft>
+                          <a:spcPts val="0"/>
+                        </a:spcAft>
+                      </a:pPr>
+                      <a:r>
+                        <a:rPr lang="en-US" sz="1400" dirty="0" err="1">
+                          <a:solidFill>
+                            <a:srgbClr val="000000"/>
+                          </a:solidFill>
+                          <a:effectLst/>
+                          <a:latin typeface="+mn-lt"/>
+                          <a:ea typeface="Times New Roman" panose="02020603050405020304" pitchFamily="18" charset="0"/>
+                          <a:cs typeface="Calibri" panose="020F0502020204030204" pitchFamily="34" charset="0"/>
+                        </a:rPr>
+                        <a:t>Rp</a:t>
+                      </a:r>
+                      <a:r>
+                        <a:rPr lang="en-US" sz="1400" dirty="0">
+                          <a:solidFill>
+                            <a:srgbClr val="000000"/>
+                          </a:solidFill>
+                          <a:effectLst/>
+                          <a:latin typeface="+mn-lt"/>
+                          <a:ea typeface="Times New Roman" panose="02020603050405020304" pitchFamily="18" charset="0"/>
+                          <a:cs typeface="Calibri" panose="020F0502020204030204" pitchFamily="34" charset="0"/>
+                        </a:rPr>
+                        <a:t>. 3,000.00</a:t>
+                      </a:r>
+                      <a:endParaRPr lang="en-US" sz="1400" dirty="0">
+                        <a:effectLst/>
+                        <a:latin typeface="+mn-lt"/>
+                        <a:ea typeface="Calibri" panose="020F0502020204030204" pitchFamily="34" charset="0"/>
+                        <a:cs typeface="Times New Roman" panose="02020603050405020304" pitchFamily="18" charset="0"/>
+                      </a:endParaRPr>
+                    </a:p>
+                  </a:txBody>
+                  <a:tcPr marL="68580" marR="68580" marT="0" marB="0"/>
+                </a:tc>
+                <a:extLst>
+                  <a:ext uri="{0D108BD9-81ED-4DB2-BD59-A6C34878D82A}">
+                    <a16:rowId xmlns:a16="http://schemas.microsoft.com/office/drawing/2014/main" val="3036511741"/>
+                  </a:ext>
+                </a:extLst>
+              </a:tr>
+              <a:tr h="292017">
+                <a:tc gridSpan="4">
+                  <a:txBody>
+                    <a:bodyPr/>
+                    <a:lstStyle/>
+                    <a:p>
+                      <a:pPr algn="r">
+                        <a:lnSpc>
+                          <a:spcPct val="107000"/>
+                        </a:lnSpc>
+                        <a:spcAft>
+                          <a:spcPts val="0"/>
+                        </a:spcAft>
+                      </a:pPr>
+                      <a:r>
+                        <a:rPr lang="en-US" sz="1400" dirty="0">
+                          <a:effectLst/>
+                          <a:latin typeface="+mn-lt"/>
+                          <a:ea typeface="Calibri" panose="020F0502020204030204" pitchFamily="34" charset="0"/>
+                          <a:cs typeface="Times New Roman" panose="02020603050405020304" pitchFamily="18" charset="0"/>
+                        </a:rPr>
+                        <a:t>Total</a:t>
+                      </a:r>
+                      <a:r>
+                        <a:rPr lang="en-US" sz="1400" baseline="0" dirty="0">
+                          <a:effectLst/>
+                          <a:latin typeface="+mn-lt"/>
+                          <a:ea typeface="Calibri" panose="020F0502020204030204" pitchFamily="34" charset="0"/>
+                          <a:cs typeface="Times New Roman" panose="02020603050405020304" pitchFamily="18" charset="0"/>
+                        </a:rPr>
+                        <a:t> : </a:t>
+                      </a:r>
+                      <a:r>
+                        <a:rPr lang="en-US" sz="1400" baseline="0" dirty="0" err="1">
+                          <a:effectLst/>
+                          <a:latin typeface="+mn-lt"/>
+                          <a:ea typeface="Calibri" panose="020F0502020204030204" pitchFamily="34" charset="0"/>
+                          <a:cs typeface="Times New Roman" panose="02020603050405020304" pitchFamily="18" charset="0"/>
+                        </a:rPr>
+                        <a:t>Rp</a:t>
+                      </a:r>
+                      <a:r>
+                        <a:rPr lang="en-US" sz="1400" baseline="0" dirty="0">
+                          <a:effectLst/>
+                          <a:latin typeface="+mn-lt"/>
+                          <a:ea typeface="Calibri" panose="020F0502020204030204" pitchFamily="34" charset="0"/>
+                          <a:cs typeface="Times New Roman" panose="02020603050405020304" pitchFamily="18" charset="0"/>
+                        </a:rPr>
+                        <a:t>. 54,000.00</a:t>
+                      </a:r>
+                      <a:endParaRPr lang="en-US" sz="1400" dirty="0">
+                        <a:effectLst/>
+                        <a:latin typeface="+mn-lt"/>
+                        <a:ea typeface="Calibri" panose="020F0502020204030204" pitchFamily="34" charset="0"/>
+                        <a:cs typeface="Times New Roman" panose="02020603050405020304" pitchFamily="18" charset="0"/>
+                      </a:endParaRPr>
+                    </a:p>
+                  </a:txBody>
+                  <a:tcPr marL="68580" marR="68580" marT="0" marB="0" anchor="ctr"/>
+                </a:tc>
+                <a:tc hMerge="1">
+                  <a:txBody>
+                    <a:bodyPr/>
+                    <a:lstStyle/>
+                    <a:p>
+                      <a:pPr algn="ctr">
+                        <a:lnSpc>
+                          <a:spcPct val="107000"/>
+                        </a:lnSpc>
+                        <a:spcAft>
+                          <a:spcPts val="0"/>
+                        </a:spcAft>
+                      </a:pPr>
+                      <a:endParaRPr lang="en-US" sz="1400" dirty="0">
+                        <a:effectLst/>
+                        <a:latin typeface="Calibri" panose="020F0502020204030204" pitchFamily="34" charset="0"/>
+                        <a:ea typeface="Calibri" panose="020F0502020204030204" pitchFamily="34" charset="0"/>
+                        <a:cs typeface="Times New Roman" panose="02020603050405020304" pitchFamily="18" charset="0"/>
+                      </a:endParaRPr>
+                    </a:p>
+                  </a:txBody>
+                  <a:tcPr marL="68580" marR="68580" marT="0" marB="0"/>
+                </a:tc>
+                <a:tc hMerge="1">
+                  <a:txBody>
+                    <a:bodyPr/>
+                    <a:lstStyle/>
+                    <a:p>
+                      <a:pPr>
+                        <a:lnSpc>
+                          <a:spcPct val="107000"/>
+                        </a:lnSpc>
+                        <a:spcAft>
+                          <a:spcPts val="0"/>
+                        </a:spcAft>
+                      </a:pPr>
+                      <a:endParaRPr lang="en-US" sz="1400" dirty="0">
+                        <a:effectLst/>
+                        <a:latin typeface="Calibri" panose="020F0502020204030204" pitchFamily="34" charset="0"/>
+                        <a:ea typeface="Calibri" panose="020F0502020204030204" pitchFamily="34" charset="0"/>
+                        <a:cs typeface="Times New Roman" panose="02020603050405020304" pitchFamily="18" charset="0"/>
+                      </a:endParaRPr>
+                    </a:p>
+                  </a:txBody>
+                  <a:tcPr marL="68580" marR="68580" marT="0" marB="0"/>
+                </a:tc>
+                <a:tc hMerge="1">
+                  <a:txBody>
+                    <a:bodyPr/>
+                    <a:lstStyle/>
+                    <a:p>
+                      <a:pPr>
+                        <a:lnSpc>
+                          <a:spcPct val="107000"/>
+                        </a:lnSpc>
+                        <a:spcAft>
+                          <a:spcPts val="0"/>
+                        </a:spcAft>
+                      </a:pPr>
+                      <a:endParaRPr lang="en-US" sz="1400" dirty="0">
+                        <a:effectLst/>
+                        <a:latin typeface="Calibri" panose="020F0502020204030204" pitchFamily="34" charset="0"/>
+                        <a:ea typeface="Calibri" panose="020F0502020204030204" pitchFamily="34" charset="0"/>
+                        <a:cs typeface="Times New Roman" panose="02020603050405020304" pitchFamily="18" charset="0"/>
+                      </a:endParaRPr>
+                    </a:p>
+                  </a:txBody>
+                  <a:tcPr marL="68580" marR="68580" marT="0" marB="0"/>
+                </a:tc>
+                <a:extLst>
+                  <a:ext uri="{0D108BD9-81ED-4DB2-BD59-A6C34878D82A}">
+                    <a16:rowId xmlns:a16="http://schemas.microsoft.com/office/drawing/2014/main" val="1834002964"/>
+                  </a:ext>
+                </a:extLst>
+              </a:tr>
+            </a:tbl>
+          </a:graphicData>
+        </a:graphic>
+      </p:graphicFrame>
+    </p:spTree>
+    <p:extLst>
+      <p:ext uri="{BB962C8B-B14F-4D97-AF65-F5344CB8AC3E}">
+        <p14:creationId xmlns:p14="http://schemas.microsoft.com/office/powerpoint/2010/main" val="3768098685"/>
+      </p:ext>
+    </p:extLst>
+  </p:cSld>
+  <p:clrMapOvr>
+    <a:masterClrMapping/>
+  </p:clrMapOvr>
+</p:sld>
+</file>
+
+<file path=ppt/slides/slide18.xml><?xml version="1.0" encoding="utf-8"?>
+<p:sld xmlns:a="http://schemas.openxmlformats.org/drawingml/2006/main" xmlns:r="http://schemas.openxmlformats.org/officeDocument/2006/relationships" xmlns:p="http://schemas.openxmlformats.org/presentationml/2006/main">
+  <p:cSld>
+    <p:spTree>
+      <p:nvGrpSpPr>
+        <p:cNvPr id="1" name=""/>
+        <p:cNvGrpSpPr/>
+        <p:nvPr/>
+      </p:nvGrpSpPr>
+      <p:grpSpPr>
+        <a:xfrm>
+          <a:off x="0" y="0"/>
+          <a:ext cx="0" cy="0"/>
+          <a:chOff x="0" y="0"/>
+          <a:chExt cx="0" cy="0"/>
+        </a:xfrm>
+      </p:grpSpPr>
+      <p:sp>
+        <p:nvSpPr>
+          <p:cNvPr id="2" name="Rectangle 1"/>
+          <p:cNvSpPr/>
+          <p:nvPr/>
+        </p:nvSpPr>
+        <p:spPr>
+          <a:xfrm>
+            <a:off x="235527" y="360218"/>
+            <a:ext cx="11956473" cy="6032421"/>
+          </a:xfrm>
+          <a:prstGeom prst="rect">
+            <a:avLst/>
+          </a:prstGeom>
+        </p:spPr>
+        <p:txBody>
+          <a:bodyPr wrap="square">
+            <a:spAutoFit/>
+          </a:bodyPr>
+          <a:lstStyle/>
+          <a:p>
+            <a:pPr algn="ctr"/>
+            <a:r>
+              <a:rPr lang="en-US" sz="2800" dirty="0"/>
+              <a:t>The Step Of The Test Using The Power Supply :</a:t>
+            </a:r>
+          </a:p>
+          <a:p>
+            <a:pPr marL="342900" indent="-342900">
+              <a:buAutoNum type="arabicPeriod"/>
+            </a:pPr>
+            <a:r>
+              <a:rPr lang="en-US" sz="2000" dirty="0"/>
+              <a:t>Prepare a power supply with symmetrical voltage output. </a:t>
+            </a:r>
+          </a:p>
+          <a:p>
+            <a:r>
+              <a:rPr lang="en-US" sz="2000" dirty="0">
+                <a:solidFill>
+                  <a:srgbClr val="FF0000"/>
+                </a:solidFill>
+              </a:rPr>
+              <a:t>(</a:t>
+            </a:r>
+            <a:r>
+              <a:rPr lang="en-US" sz="2000" dirty="0">
+                <a:solidFill>
+                  <a:srgbClr val="FF0000"/>
+                </a:solidFill>
+                <a:latin typeface="Times New Roman" panose="02020603050405020304" pitchFamily="18" charset="0"/>
+              </a:rPr>
+              <a:t>S</a:t>
+            </a:r>
+            <a:r>
+              <a:rPr lang="id-ID" sz="2000" dirty="0">
+                <a:solidFill>
+                  <a:srgbClr val="FF0000"/>
+                </a:solidFill>
+                <a:latin typeface="Times New Roman" panose="02020603050405020304" pitchFamily="18" charset="0"/>
+              </a:rPr>
+              <a:t>iapkan catu daya dengan </a:t>
+            </a:r>
+            <a:r>
+              <a:rPr lang="id-ID" sz="2000" dirty="0" err="1">
+                <a:solidFill>
+                  <a:srgbClr val="FF0000"/>
+                </a:solidFill>
+                <a:latin typeface="Times New Roman" panose="02020603050405020304" pitchFamily="18" charset="0"/>
+              </a:rPr>
+              <a:t>output</a:t>
+            </a:r>
+            <a:r>
+              <a:rPr lang="id-ID" sz="2000" dirty="0">
+                <a:solidFill>
+                  <a:srgbClr val="FF0000"/>
+                </a:solidFill>
+                <a:latin typeface="Times New Roman" panose="02020603050405020304" pitchFamily="18" charset="0"/>
+              </a:rPr>
+              <a:t> tegangan simetris</a:t>
+            </a:r>
+            <a:r>
+              <a:rPr lang="en-US" sz="2000" dirty="0">
+                <a:solidFill>
+                  <a:srgbClr val="FF0000"/>
+                </a:solidFill>
+              </a:rPr>
+              <a:t>)</a:t>
+            </a:r>
+          </a:p>
+          <a:p>
+            <a:r>
+              <a:rPr lang="en-US" sz="2000" dirty="0"/>
+              <a:t>2. Measure the power supply voltage using the Avometer.  Ground voltage to positive.  and ground to negative must be balanced </a:t>
+            </a:r>
+          </a:p>
+          <a:p>
+            <a:r>
+              <a:rPr lang="en-US" sz="2000" dirty="0">
+                <a:solidFill>
+                  <a:srgbClr val="FF0000"/>
+                </a:solidFill>
+              </a:rPr>
+              <a:t>(</a:t>
+            </a:r>
+            <a:r>
+              <a:rPr lang="en-US" sz="2000" dirty="0">
+                <a:solidFill>
+                  <a:srgbClr val="FF0000"/>
+                </a:solidFill>
+                <a:latin typeface="Times New Roman" panose="02020603050405020304" pitchFamily="18" charset="0"/>
+              </a:rPr>
+              <a:t>U</a:t>
+            </a:r>
+            <a:r>
+              <a:rPr lang="id-ID" sz="2000" dirty="0">
+                <a:solidFill>
+                  <a:srgbClr val="FF0000"/>
+                </a:solidFill>
+                <a:latin typeface="Times New Roman" panose="02020603050405020304" pitchFamily="18" charset="0"/>
+              </a:rPr>
+              <a:t>kur tegangan catu daya menggunakan </a:t>
+            </a:r>
+            <a:r>
+              <a:rPr lang="id-ID" sz="2000" dirty="0" err="1">
+                <a:solidFill>
+                  <a:srgbClr val="FF0000"/>
+                </a:solidFill>
+                <a:latin typeface="Times New Roman" panose="02020603050405020304" pitchFamily="18" charset="0"/>
+              </a:rPr>
+              <a:t>Avometer</a:t>
+            </a:r>
+            <a:r>
+              <a:rPr lang="id-ID" sz="2000" dirty="0">
+                <a:solidFill>
+                  <a:srgbClr val="FF0000"/>
+                </a:solidFill>
+                <a:latin typeface="Times New Roman" panose="02020603050405020304" pitchFamily="18" charset="0"/>
+              </a:rPr>
+              <a:t>. Tegangan </a:t>
+            </a:r>
+            <a:r>
+              <a:rPr lang="id-ID" sz="2000" dirty="0" err="1">
+                <a:solidFill>
+                  <a:srgbClr val="FF0000"/>
+                </a:solidFill>
+                <a:latin typeface="Times New Roman" panose="02020603050405020304" pitchFamily="18" charset="0"/>
+              </a:rPr>
+              <a:t>ground</a:t>
+            </a:r>
+            <a:r>
+              <a:rPr lang="id-ID" sz="2000" dirty="0">
+                <a:solidFill>
+                  <a:srgbClr val="FF0000"/>
+                </a:solidFill>
+                <a:latin typeface="Times New Roman" panose="02020603050405020304" pitchFamily="18" charset="0"/>
+              </a:rPr>
+              <a:t> ke positif dan </a:t>
+            </a:r>
+            <a:r>
+              <a:rPr lang="id-ID" sz="2000" dirty="0" err="1">
+                <a:solidFill>
+                  <a:srgbClr val="FF0000"/>
+                </a:solidFill>
+                <a:latin typeface="Times New Roman" panose="02020603050405020304" pitchFamily="18" charset="0"/>
+              </a:rPr>
+              <a:t>ground</a:t>
+            </a:r>
+            <a:r>
+              <a:rPr lang="id-ID" sz="2000" dirty="0">
+                <a:solidFill>
+                  <a:srgbClr val="FF0000"/>
+                </a:solidFill>
+                <a:latin typeface="Times New Roman" panose="02020603050405020304" pitchFamily="18" charset="0"/>
+              </a:rPr>
+              <a:t> ke </a:t>
+            </a:r>
+            <a:r>
+              <a:rPr lang="id-ID" sz="2000" dirty="0" err="1">
+                <a:solidFill>
+                  <a:srgbClr val="FF0000"/>
+                </a:solidFill>
+                <a:latin typeface="Times New Roman" panose="02020603050405020304" pitchFamily="18" charset="0"/>
+              </a:rPr>
+              <a:t>negative</a:t>
+            </a:r>
+            <a:r>
+              <a:rPr lang="id-ID" sz="2000" dirty="0">
+                <a:solidFill>
+                  <a:srgbClr val="FF0000"/>
+                </a:solidFill>
+                <a:latin typeface="Times New Roman" panose="02020603050405020304" pitchFamily="18" charset="0"/>
+              </a:rPr>
+              <a:t> harus seimbang</a:t>
+            </a:r>
+            <a:r>
+              <a:rPr lang="en-US" sz="2000" dirty="0">
+                <a:solidFill>
+                  <a:srgbClr val="FF0000"/>
+                </a:solidFill>
+                <a:latin typeface="Times New Roman" panose="02020603050405020304" pitchFamily="18" charset="0"/>
+              </a:rPr>
+              <a:t>)</a:t>
+            </a:r>
+            <a:endParaRPr lang="en-US" sz="2000" dirty="0">
+              <a:solidFill>
+                <a:srgbClr val="FF0000"/>
+              </a:solidFill>
+            </a:endParaRPr>
+          </a:p>
+          <a:p>
+            <a:pPr marL="342900" indent="-342900">
+              <a:buAutoNum type="arabicPeriod" startAt="3"/>
+            </a:pPr>
+            <a:r>
+              <a:rPr lang="en-US" sz="2000" dirty="0"/>
+              <a:t>Connect the power supply cable to the power amplifier. </a:t>
+            </a:r>
+          </a:p>
+          <a:p>
+            <a:r>
+              <a:rPr lang="en-US" sz="2000" dirty="0">
+                <a:solidFill>
+                  <a:srgbClr val="FF0000"/>
+                </a:solidFill>
+              </a:rPr>
+              <a:t>(</a:t>
+            </a:r>
+            <a:r>
+              <a:rPr lang="en-US" sz="2000" dirty="0">
+                <a:solidFill>
+                  <a:srgbClr val="FF0000"/>
+                </a:solidFill>
+                <a:latin typeface="Times New Roman" panose="02020603050405020304" pitchFamily="18" charset="0"/>
+              </a:rPr>
+              <a:t>P</a:t>
+            </a:r>
+            <a:r>
+              <a:rPr lang="id-ID" sz="2000" dirty="0" err="1">
+                <a:solidFill>
+                  <a:srgbClr val="FF0000"/>
+                </a:solidFill>
+                <a:latin typeface="Times New Roman" panose="02020603050405020304" pitchFamily="18" charset="0"/>
+              </a:rPr>
+              <a:t>asang</a:t>
+            </a:r>
+            <a:r>
+              <a:rPr lang="id-ID" sz="2000" dirty="0">
+                <a:solidFill>
+                  <a:srgbClr val="FF0000"/>
+                </a:solidFill>
+                <a:latin typeface="Times New Roman" panose="02020603050405020304" pitchFamily="18" charset="0"/>
+              </a:rPr>
+              <a:t> kabel catu daya dengan </a:t>
+            </a:r>
+            <a:r>
+              <a:rPr lang="id-ID" sz="2000" dirty="0" err="1">
+                <a:solidFill>
+                  <a:srgbClr val="FF0000"/>
+                </a:solidFill>
+                <a:latin typeface="Times New Roman" panose="02020603050405020304" pitchFamily="18" charset="0"/>
+              </a:rPr>
+              <a:t>power</a:t>
+            </a:r>
+            <a:r>
+              <a:rPr lang="id-ID" sz="2000" dirty="0">
+                <a:solidFill>
+                  <a:srgbClr val="FF0000"/>
+                </a:solidFill>
+                <a:latin typeface="Times New Roman" panose="02020603050405020304" pitchFamily="18" charset="0"/>
+              </a:rPr>
+              <a:t> </a:t>
+            </a:r>
+            <a:r>
+              <a:rPr lang="id-ID" sz="2000" dirty="0" err="1">
+                <a:solidFill>
+                  <a:srgbClr val="FF0000"/>
+                </a:solidFill>
+                <a:latin typeface="Times New Roman" panose="02020603050405020304" pitchFamily="18" charset="0"/>
+              </a:rPr>
+              <a:t>amplifier</a:t>
+            </a:r>
+            <a:r>
+              <a:rPr lang="en-US" sz="2000" dirty="0">
+                <a:solidFill>
+                  <a:srgbClr val="FF0000"/>
+                </a:solidFill>
+                <a:latin typeface="Times New Roman" panose="02020603050405020304" pitchFamily="18" charset="0"/>
+              </a:rPr>
+              <a:t>)</a:t>
+            </a:r>
+            <a:endParaRPr lang="en-US" sz="2000" dirty="0">
+              <a:solidFill>
+                <a:srgbClr val="FF0000"/>
+              </a:solidFill>
+            </a:endParaRPr>
+          </a:p>
+          <a:p>
+            <a:r>
+              <a:rPr lang="en-US" sz="2000" dirty="0"/>
+              <a:t>4. Measure the amplifier output with a 10V DC scale Avometer, positive probe to the amplifier output, negative probe to ground. </a:t>
+            </a:r>
+          </a:p>
+          <a:p>
+            <a:r>
+              <a:rPr lang="en-US" sz="2000" dirty="0">
+                <a:solidFill>
+                  <a:srgbClr val="FF0000"/>
+                </a:solidFill>
+              </a:rPr>
+              <a:t>(</a:t>
+            </a:r>
+            <a:r>
+              <a:rPr lang="en-US" sz="2000" dirty="0">
+                <a:solidFill>
+                  <a:srgbClr val="FF0000"/>
+                </a:solidFill>
+                <a:latin typeface="Times New Roman" panose="02020603050405020304" pitchFamily="18" charset="0"/>
+              </a:rPr>
+              <a:t>U</a:t>
+            </a:r>
+            <a:r>
+              <a:rPr lang="id-ID" sz="2000" dirty="0">
+                <a:solidFill>
+                  <a:srgbClr val="FF0000"/>
+                </a:solidFill>
+                <a:latin typeface="Times New Roman" panose="02020603050405020304" pitchFamily="18" charset="0"/>
+              </a:rPr>
+              <a:t>kur </a:t>
+            </a:r>
+            <a:r>
+              <a:rPr lang="id-ID" sz="2000" dirty="0" err="1">
+                <a:solidFill>
+                  <a:srgbClr val="FF0000"/>
+                </a:solidFill>
+                <a:latin typeface="Times New Roman" panose="02020603050405020304" pitchFamily="18" charset="0"/>
+              </a:rPr>
+              <a:t>output</a:t>
+            </a:r>
+            <a:r>
+              <a:rPr lang="id-ID" sz="2000" dirty="0">
+                <a:solidFill>
+                  <a:srgbClr val="FF0000"/>
+                </a:solidFill>
+                <a:latin typeface="Times New Roman" panose="02020603050405020304" pitchFamily="18" charset="0"/>
+              </a:rPr>
+              <a:t> </a:t>
+            </a:r>
+            <a:r>
+              <a:rPr lang="id-ID" sz="2000" dirty="0" err="1">
+                <a:solidFill>
+                  <a:srgbClr val="FF0000"/>
+                </a:solidFill>
+                <a:latin typeface="Times New Roman" panose="02020603050405020304" pitchFamily="18" charset="0"/>
+              </a:rPr>
+              <a:t>amplifier</a:t>
+            </a:r>
+            <a:r>
+              <a:rPr lang="id-ID" sz="2000" dirty="0">
+                <a:solidFill>
+                  <a:srgbClr val="FF0000"/>
+                </a:solidFill>
+                <a:latin typeface="Times New Roman" panose="02020603050405020304" pitchFamily="18" charset="0"/>
+              </a:rPr>
+              <a:t> dengan </a:t>
+            </a:r>
+            <a:r>
+              <a:rPr lang="id-ID" sz="2000" dirty="0" err="1">
+                <a:solidFill>
+                  <a:srgbClr val="FF0000"/>
+                </a:solidFill>
+                <a:latin typeface="Times New Roman" panose="02020603050405020304" pitchFamily="18" charset="0"/>
+              </a:rPr>
+              <a:t>Avometer</a:t>
+            </a:r>
+            <a:r>
+              <a:rPr lang="id-ID" sz="2000" dirty="0">
+                <a:solidFill>
+                  <a:srgbClr val="FF0000"/>
+                </a:solidFill>
+                <a:latin typeface="Times New Roman" panose="02020603050405020304" pitchFamily="18" charset="0"/>
+              </a:rPr>
+              <a:t> skala DC 10V, </a:t>
+            </a:r>
+            <a:r>
+              <a:rPr lang="id-ID" sz="2000" dirty="0" err="1">
+                <a:solidFill>
+                  <a:srgbClr val="FF0000"/>
+                </a:solidFill>
+                <a:latin typeface="Times New Roman" panose="02020603050405020304" pitchFamily="18" charset="0"/>
+              </a:rPr>
+              <a:t>probe</a:t>
+            </a:r>
+            <a:r>
+              <a:rPr lang="id-ID" sz="2000" dirty="0">
+                <a:solidFill>
+                  <a:srgbClr val="FF0000"/>
+                </a:solidFill>
+                <a:latin typeface="Times New Roman" panose="02020603050405020304" pitchFamily="18" charset="0"/>
+              </a:rPr>
+              <a:t> positif ke </a:t>
+            </a:r>
+            <a:r>
+              <a:rPr lang="id-ID" sz="2000" dirty="0" err="1">
+                <a:solidFill>
+                  <a:srgbClr val="FF0000"/>
+                </a:solidFill>
+                <a:latin typeface="Times New Roman" panose="02020603050405020304" pitchFamily="18" charset="0"/>
+              </a:rPr>
+              <a:t>output</a:t>
+            </a:r>
+            <a:r>
+              <a:rPr lang="id-ID" sz="2000" dirty="0">
+                <a:solidFill>
+                  <a:srgbClr val="FF0000"/>
+                </a:solidFill>
+                <a:latin typeface="Times New Roman" panose="02020603050405020304" pitchFamily="18" charset="0"/>
+              </a:rPr>
+              <a:t> </a:t>
+            </a:r>
+            <a:r>
+              <a:rPr lang="id-ID" sz="2000" dirty="0" err="1">
+                <a:solidFill>
+                  <a:srgbClr val="FF0000"/>
+                </a:solidFill>
+                <a:latin typeface="Times New Roman" panose="02020603050405020304" pitchFamily="18" charset="0"/>
+              </a:rPr>
+              <a:t>amplifier</a:t>
+            </a:r>
+            <a:r>
+              <a:rPr lang="id-ID" sz="2000" dirty="0">
+                <a:solidFill>
+                  <a:srgbClr val="FF0000"/>
+                </a:solidFill>
+                <a:latin typeface="Times New Roman" panose="02020603050405020304" pitchFamily="18" charset="0"/>
+              </a:rPr>
+              <a:t>, </a:t>
+            </a:r>
+            <a:r>
+              <a:rPr lang="id-ID" sz="2000" dirty="0" err="1">
+                <a:solidFill>
+                  <a:srgbClr val="FF0000"/>
+                </a:solidFill>
+                <a:latin typeface="Times New Roman" panose="02020603050405020304" pitchFamily="18" charset="0"/>
+              </a:rPr>
+              <a:t>probe</a:t>
+            </a:r>
+            <a:r>
+              <a:rPr lang="id-ID" sz="2000" dirty="0">
+                <a:solidFill>
+                  <a:srgbClr val="FF0000"/>
+                </a:solidFill>
+                <a:latin typeface="Times New Roman" panose="02020603050405020304" pitchFamily="18" charset="0"/>
+              </a:rPr>
+              <a:t> </a:t>
+            </a:r>
+            <a:r>
+              <a:rPr lang="id-ID" sz="2000" dirty="0" err="1">
+                <a:solidFill>
+                  <a:srgbClr val="FF0000"/>
+                </a:solidFill>
+                <a:latin typeface="Times New Roman" panose="02020603050405020304" pitchFamily="18" charset="0"/>
+              </a:rPr>
+              <a:t>negative</a:t>
+            </a:r>
+            <a:r>
+              <a:rPr lang="id-ID" sz="2000" dirty="0">
+                <a:solidFill>
+                  <a:srgbClr val="FF0000"/>
+                </a:solidFill>
+                <a:latin typeface="Times New Roman" panose="02020603050405020304" pitchFamily="18" charset="0"/>
+              </a:rPr>
+              <a:t> ke </a:t>
+            </a:r>
+            <a:r>
+              <a:rPr lang="id-ID" sz="2000" dirty="0" err="1">
+                <a:solidFill>
+                  <a:srgbClr val="FF0000"/>
+                </a:solidFill>
+                <a:latin typeface="Times New Roman" panose="02020603050405020304" pitchFamily="18" charset="0"/>
+              </a:rPr>
+              <a:t>ground</a:t>
+            </a:r>
+            <a:r>
+              <a:rPr lang="en-US" sz="2000" dirty="0">
+                <a:solidFill>
+                  <a:srgbClr val="FF0000"/>
+                </a:solidFill>
+                <a:latin typeface="Times New Roman" panose="02020603050405020304" pitchFamily="18" charset="0"/>
+              </a:rPr>
+              <a:t>)</a:t>
+            </a:r>
+            <a:endParaRPr lang="en-US" sz="2000" dirty="0">
+              <a:solidFill>
+                <a:srgbClr val="FF0000"/>
+              </a:solidFill>
+            </a:endParaRPr>
+          </a:p>
+          <a:p>
+            <a:r>
+              <a:rPr lang="en-US" sz="2000" dirty="0"/>
+              <a:t>5. If there is no DC current that means the power amplifier is functioning normally.  </a:t>
+            </a:r>
+          </a:p>
+          <a:p>
+            <a:r>
+              <a:rPr lang="en-US" sz="2000" dirty="0">
+                <a:solidFill>
+                  <a:srgbClr val="FF0000"/>
+                </a:solidFill>
+              </a:rPr>
+              <a:t>(</a:t>
+            </a:r>
+            <a:r>
+              <a:rPr lang="en-US" sz="2000" dirty="0">
+                <a:solidFill>
+                  <a:srgbClr val="FF0000"/>
+                </a:solidFill>
+                <a:latin typeface="Times New Roman" panose="02020603050405020304" pitchFamily="18" charset="0"/>
+              </a:rPr>
+              <a:t>J</a:t>
+            </a:r>
+            <a:r>
+              <a:rPr lang="id-ID" sz="2000" dirty="0" err="1">
+                <a:solidFill>
+                  <a:srgbClr val="FF0000"/>
+                </a:solidFill>
+                <a:latin typeface="Times New Roman" panose="02020603050405020304" pitchFamily="18" charset="0"/>
+              </a:rPr>
+              <a:t>ika</a:t>
+            </a:r>
+            <a:r>
+              <a:rPr lang="id-ID" sz="2000" dirty="0">
+                <a:solidFill>
+                  <a:srgbClr val="FF0000"/>
+                </a:solidFill>
+                <a:latin typeface="Times New Roman" panose="02020603050405020304" pitchFamily="18" charset="0"/>
+              </a:rPr>
+              <a:t> tidak ada arus dc yang keluar berarti </a:t>
+            </a:r>
+            <a:r>
+              <a:rPr lang="id-ID" sz="2000" dirty="0" err="1">
+                <a:solidFill>
+                  <a:srgbClr val="FF0000"/>
+                </a:solidFill>
+                <a:latin typeface="Times New Roman" panose="02020603050405020304" pitchFamily="18" charset="0"/>
+              </a:rPr>
+              <a:t>power</a:t>
+            </a:r>
+            <a:r>
+              <a:rPr lang="id-ID" sz="2000" dirty="0">
+                <a:solidFill>
+                  <a:srgbClr val="FF0000"/>
+                </a:solidFill>
+                <a:latin typeface="Times New Roman" panose="02020603050405020304" pitchFamily="18" charset="0"/>
+              </a:rPr>
+              <a:t> </a:t>
+            </a:r>
+            <a:r>
+              <a:rPr lang="id-ID" sz="2000" dirty="0" err="1">
+                <a:solidFill>
+                  <a:srgbClr val="FF0000"/>
+                </a:solidFill>
+                <a:latin typeface="Times New Roman" panose="02020603050405020304" pitchFamily="18" charset="0"/>
+              </a:rPr>
+              <a:t>amplifier</a:t>
+            </a:r>
+            <a:r>
+              <a:rPr lang="id-ID" sz="2000" dirty="0">
+                <a:solidFill>
+                  <a:srgbClr val="FF0000"/>
+                </a:solidFill>
+                <a:latin typeface="Times New Roman" panose="02020603050405020304" pitchFamily="18" charset="0"/>
+              </a:rPr>
+              <a:t> berfungsi normal</a:t>
+            </a:r>
+            <a:r>
+              <a:rPr lang="en-US" sz="2000" dirty="0">
+                <a:solidFill>
+                  <a:srgbClr val="FF0000"/>
+                </a:solidFill>
+                <a:latin typeface="Times New Roman" panose="02020603050405020304" pitchFamily="18" charset="0"/>
+              </a:rPr>
+              <a:t>)</a:t>
+            </a:r>
+            <a:endParaRPr lang="en-US" sz="2000" dirty="0">
+              <a:solidFill>
+                <a:srgbClr val="FF0000"/>
+              </a:solidFill>
+            </a:endParaRPr>
+          </a:p>
+          <a:p>
+            <a:r>
+              <a:rPr lang="en-US" sz="2000" dirty="0"/>
+              <a:t>6. If there is a DC current, it means there was an error when installing the components.</a:t>
+            </a:r>
+          </a:p>
+          <a:p>
+            <a:r>
+              <a:rPr lang="en-US" sz="2000" dirty="0">
+                <a:solidFill>
+                  <a:srgbClr val="FF0000"/>
+                </a:solidFill>
+                <a:latin typeface="Times New Roman" panose="02020603050405020304" pitchFamily="18" charset="0"/>
+              </a:rPr>
+              <a:t>(j</a:t>
+            </a:r>
+            <a:r>
+              <a:rPr lang="id-ID" sz="2000" dirty="0" err="1">
+                <a:solidFill>
+                  <a:srgbClr val="FF0000"/>
+                </a:solidFill>
+                <a:latin typeface="Times New Roman" panose="02020603050405020304" pitchFamily="18" charset="0"/>
+              </a:rPr>
+              <a:t>ika</a:t>
+            </a:r>
+            <a:r>
+              <a:rPr lang="id-ID" sz="2000" dirty="0">
+                <a:solidFill>
+                  <a:srgbClr val="FF0000"/>
+                </a:solidFill>
+                <a:latin typeface="Times New Roman" panose="02020603050405020304" pitchFamily="18" charset="0"/>
+              </a:rPr>
+              <a:t> terdapat arus DC berarti ada kesalahan saat pemasangan komponen</a:t>
+            </a:r>
+            <a:r>
+              <a:rPr lang="en-US" sz="2000" dirty="0">
+                <a:solidFill>
+                  <a:srgbClr val="FF0000"/>
+                </a:solidFill>
+                <a:latin typeface="Times New Roman" panose="02020603050405020304" pitchFamily="18" charset="0"/>
+              </a:rPr>
+              <a:t>)</a:t>
+            </a:r>
+            <a:endParaRPr lang="en-US" sz="2000" dirty="0">
+              <a:solidFill>
+                <a:srgbClr val="FF0000"/>
+              </a:solidFill>
+            </a:endParaRPr>
+          </a:p>
+          <a:p>
+            <a:endParaRPr lang="en-US" sz="2000" dirty="0"/>
+          </a:p>
+          <a:p>
+            <a:endParaRPr lang="en-US" dirty="0"/>
+          </a:p>
+        </p:txBody>
+      </p:sp>
+    </p:spTree>
+    <p:extLst>
+      <p:ext uri="{BB962C8B-B14F-4D97-AF65-F5344CB8AC3E}">
+        <p14:creationId xmlns:p14="http://schemas.microsoft.com/office/powerpoint/2010/main" val="4159051157"/>
       </p:ext>
     </p:extLst>
   </p:cSld>
@@ -10284,10 +17468,10 @@
       </p:sp>
       <p:pic>
         <p:nvPicPr>
-          <p:cNvPr id="5" name="Picture 4">
+          <p:cNvPr id="17" name="Picture 16">
             <a:extLst>
               <a:ext uri="{FF2B5EF4-FFF2-40B4-BE49-F238E27FC236}">
-                <a16:creationId xmlns:a16="http://schemas.microsoft.com/office/drawing/2014/main" id="{6123B62A-AEB2-4AB4-9F1F-9EFA99BCE6D6}"/>
+                <a16:creationId xmlns:a16="http://schemas.microsoft.com/office/drawing/2014/main" id="{DF091469-3F88-44B0-B66F-AE9AEEE42A50}"/>
               </a:ext>
             </a:extLst>
           </p:cNvPr>
@@ -10302,53 +17486,6 @@
               <a:ext uri="{BEBA8EAE-BF5A-486C-A8C5-ECC9F3942E4B}">
                 <a14:imgProps xmlns:a14="http://schemas.microsoft.com/office/drawing/2010/main">
                   <a14:imgLayer r:embed="rId3">
-                    <a14:imgEffect>
-                      <a14:backgroundRemoval t="0" b="90000" l="2500" r="100000">
-                        <a14:foregroundMark x1="44167" y1="69167" x2="18333" y2="85833"/>
-                      </a14:backgroundRemoval>
-                    </a14:imgEffect>
-                  </a14:imgLayer>
-                </a14:imgProps>
-              </a:ext>
-              <a:ext uri="{28A0092B-C50C-407E-A947-70E740481C1C}">
-                <a14:useLocalDpi xmlns:a14="http://schemas.microsoft.com/office/drawing/2010/main" val="0"/>
-              </a:ext>
-            </a:extLst>
-          </a:blip>
-          <a:stretch>
-            <a:fillRect/>
-          </a:stretch>
-        </p:blipFill>
-        <p:spPr>
-          <a:xfrm>
-            <a:off x="2574315" y="1855218"/>
-            <a:ext cx="1905000" cy="1905000"/>
-          </a:xfrm>
-          <a:prstGeom prst="rect">
-            <a:avLst/>
-          </a:prstGeom>
-        </p:spPr>
-      </p:pic>
-      <p:pic>
-        <p:nvPicPr>
-          <p:cNvPr id="17" name="Picture 16">
-            <a:extLst>
-              <a:ext uri="{FF2B5EF4-FFF2-40B4-BE49-F238E27FC236}">
-                <a16:creationId xmlns:a16="http://schemas.microsoft.com/office/drawing/2014/main" id="{DF091469-3F88-44B0-B66F-AE9AEEE42A50}"/>
-              </a:ext>
-            </a:extLst>
-          </p:cNvPr>
-          <p:cNvPicPr>
-            <a:picLocks noChangeAspect="1"/>
-          </p:cNvPicPr>
-          <p:nvPr/>
-        </p:nvPicPr>
-        <p:blipFill>
-          <a:blip r:embed="rId4">
-            <a:extLst>
-              <a:ext uri="{BEBA8EAE-BF5A-486C-A8C5-ECC9F3942E4B}">
-                <a14:imgProps xmlns:a14="http://schemas.microsoft.com/office/drawing/2010/main">
-                  <a14:imgLayer r:embed="rId5">
                     <a14:imgEffect>
                       <a14:backgroundRemoval t="1596" b="98404" l="1064" r="97872">
                         <a14:foregroundMark x1="46277" y1="54787" x2="9043" y2="92021"/>
@@ -10368,7 +17505,7 @@
         </p:blipFill>
         <p:spPr>
           <a:xfrm>
-            <a:off x="9384421" y="2113547"/>
+            <a:off x="7979497" y="1921566"/>
             <a:ext cx="1790700" cy="1790700"/>
           </a:xfrm>
           <a:prstGeom prst="rect">
@@ -10391,11 +17528,11 @@
           <p:nvPr/>
         </p:nvPicPr>
         <p:blipFill>
-          <a:blip r:embed="rId6">
+          <a:blip r:embed="rId4">
             <a:extLst>
               <a:ext uri="{BEBA8EAE-BF5A-486C-A8C5-ECC9F3942E4B}">
                 <a14:imgProps xmlns:a14="http://schemas.microsoft.com/office/drawing/2010/main">
-                  <a14:imgLayer r:embed="rId7">
+                  <a14:imgLayer r:embed="rId5">
                     <a14:imgEffect>
                       <a14:backgroundRemoval t="10145" b="100000" l="0" r="100000">
                         <a14:foregroundMark x1="19324" y1="65700" x2="4348" y2="78261"/>
@@ -10415,7 +17552,7 @@
         </p:blipFill>
         <p:spPr>
           <a:xfrm>
-            <a:off x="5838672" y="1855218"/>
+            <a:off x="5904829" y="1719690"/>
             <a:ext cx="2140825" cy="2140825"/>
           </a:xfrm>
           <a:prstGeom prst="rect">
@@ -10438,11 +17575,11 @@
           <p:nvPr/>
         </p:nvPicPr>
         <p:blipFill>
-          <a:blip r:embed="rId8">
+          <a:blip r:embed="rId6">
             <a:extLst>
               <a:ext uri="{BEBA8EAE-BF5A-486C-A8C5-ECC9F3942E4B}">
                 <a14:imgProps xmlns:a14="http://schemas.microsoft.com/office/drawing/2010/main">
-                  <a14:imgLayer r:embed="rId9">
+                  <a14:imgLayer r:embed="rId7">
                     <a14:imgEffect>
                       <a14:backgroundRemoval t="4000" b="90000" l="10000" r="90000"/>
                     </a14:imgEffect>
@@ -10460,7 +17597,7 @@
         </p:blipFill>
         <p:spPr>
           <a:xfrm>
-            <a:off x="7567886" y="3650726"/>
+            <a:off x="7639901" y="3672407"/>
             <a:ext cx="2130296" cy="2130296"/>
           </a:xfrm>
           <a:prstGeom prst="rect">
@@ -10483,11 +17620,11 @@
           <p:nvPr/>
         </p:nvPicPr>
         <p:blipFill>
-          <a:blip r:embed="rId10">
+          <a:blip r:embed="rId8">
             <a:extLst>
               <a:ext uri="{BEBA8EAE-BF5A-486C-A8C5-ECC9F3942E4B}">
                 <a14:imgProps xmlns:a14="http://schemas.microsoft.com/office/drawing/2010/main">
-                  <a14:imgLayer r:embed="rId11">
+                  <a14:imgLayer r:embed="rId9">
                     <a14:imgEffect>
                       <a14:backgroundRemoval t="1364" b="100000" l="0" r="98352"/>
                     </a14:imgEffect>
@@ -10505,8 +17642,43 @@
         </p:blipFill>
         <p:spPr>
           <a:xfrm>
-            <a:off x="4143094" y="3693870"/>
+            <a:off x="3760178" y="3650726"/>
             <a:ext cx="1575955" cy="1905000"/>
+          </a:xfrm>
+          <a:prstGeom prst="rect">
+            <a:avLst/>
+          </a:prstGeom>
+        </p:spPr>
+      </p:pic>
+      <p:pic>
+        <p:nvPicPr>
+          <p:cNvPr id="7" name="Picture 6">
+            <a:extLst>
+              <a:ext uri="{FF2B5EF4-FFF2-40B4-BE49-F238E27FC236}">
+                <a16:creationId xmlns:a16="http://schemas.microsoft.com/office/drawing/2014/main" id="{B354BEA5-FB88-4DF4-94CA-1A4F5068E5D2}"/>
+              </a:ext>
+            </a:extLst>
+          </p:cNvPr>
+          <p:cNvPicPr>
+            <a:picLocks noChangeAspect="1"/>
+          </p:cNvPicPr>
+          <p:nvPr/>
+        </p:nvPicPr>
+        <p:blipFill rotWithShape="1">
+          <a:blip r:embed="rId10">
+            <a:extLst>
+              <a:ext uri="{28A0092B-C50C-407E-A947-70E740481C1C}">
+                <a14:useLocalDpi xmlns:a14="http://schemas.microsoft.com/office/drawing/2010/main" val="0"/>
+              </a:ext>
+            </a:extLst>
+          </a:blip>
+          <a:srcRect l="49506" t="28162" r="23222" b="39063"/>
+          <a:stretch/>
+        </p:blipFill>
+        <p:spPr>
+          <a:xfrm>
+            <a:off x="3222822" y="1259129"/>
+            <a:ext cx="2682007" cy="2302217"/>
           </a:xfrm>
           <a:prstGeom prst="rect">
             <a:avLst/>
@@ -11330,9 +18502,28 @@
           <a:p>
             <a:r>
               <a:rPr lang="en-ID" dirty="0"/>
-              <a:t>testing</a:t>
-            </a:r>
-            <a:endParaRPr lang="id-ID" dirty="0"/>
+              <a:t>Testing</a:t>
+            </a:r>
+            <a:br>
+              <a:rPr lang="en-ID" dirty="0"/>
+            </a:br>
+            <a:r>
+              <a:rPr lang="en-ID" dirty="0"/>
+              <a:t>	</a:t>
+            </a:r>
+            <a:r>
+              <a:rPr lang="en-ID" dirty="0" err="1">
+                <a:solidFill>
+                  <a:srgbClr val="FF0000"/>
+                </a:solidFill>
+              </a:rPr>
+              <a:t>pengujian</a:t>
+            </a:r>
+            <a:endParaRPr lang="id-ID" dirty="0">
+              <a:solidFill>
+                <a:srgbClr val="FF0000"/>
+              </a:solidFill>
+            </a:endParaRPr>
           </a:p>
         </p:txBody>
       </p:sp>
@@ -11357,21 +18548,150 @@
           <a:bodyPr/>
           <a:lstStyle/>
           <a:p>
+            <a:pPr>
+              <a:lnSpc>
+                <a:spcPct val="100000"/>
+              </a:lnSpc>
+            </a:pPr>
             <a:r>
               <a:rPr lang="en-ID" dirty="0"/>
               <a:t>Prepare the power supply</a:t>
             </a:r>
           </a:p>
           <a:p>
+            <a:pPr marL="0" indent="0">
+              <a:buNone/>
+            </a:pPr>
+            <a:r>
+              <a:rPr lang="en-ID" dirty="0"/>
+              <a:t>   </a:t>
+            </a:r>
+            <a:r>
+              <a:rPr lang="en-ID" dirty="0">
+                <a:solidFill>
+                  <a:srgbClr val="FF0000"/>
+                </a:solidFill>
+              </a:rPr>
+              <a:t>(</a:t>
+            </a:r>
+            <a:r>
+              <a:rPr lang="en-ID" dirty="0" err="1">
+                <a:solidFill>
+                  <a:srgbClr val="FF0000"/>
+                </a:solidFill>
+              </a:rPr>
+              <a:t>Persiapkan</a:t>
+            </a:r>
+            <a:r>
+              <a:rPr lang="en-ID" dirty="0">
+                <a:solidFill>
+                  <a:srgbClr val="FF0000"/>
+                </a:solidFill>
+              </a:rPr>
+              <a:t> power supply)</a:t>
+            </a:r>
+          </a:p>
+          <a:p>
+            <a:pPr>
+              <a:lnSpc>
+                <a:spcPct val="100000"/>
+              </a:lnSpc>
+            </a:pPr>
             <a:r>
               <a:rPr lang="en-ID" dirty="0"/>
               <a:t>Measure the amplifier output</a:t>
             </a:r>
           </a:p>
           <a:p>
+            <a:pPr marL="0" indent="0">
+              <a:lnSpc>
+                <a:spcPct val="100000"/>
+              </a:lnSpc>
+              <a:buNone/>
+            </a:pPr>
+            <a:r>
+              <a:rPr lang="en-ID" dirty="0"/>
+              <a:t>   </a:t>
+            </a:r>
+            <a:r>
+              <a:rPr lang="en-ID" dirty="0">
+                <a:solidFill>
+                  <a:srgbClr val="FF0000"/>
+                </a:solidFill>
+              </a:rPr>
+              <a:t>(</a:t>
+            </a:r>
+            <a:r>
+              <a:rPr lang="en-ID" dirty="0" err="1">
+                <a:solidFill>
+                  <a:srgbClr val="FF0000"/>
+                </a:solidFill>
+              </a:rPr>
+              <a:t>Ukur</a:t>
+            </a:r>
+            <a:r>
+              <a:rPr lang="en-ID" dirty="0">
+                <a:solidFill>
+                  <a:srgbClr val="FF0000"/>
+                </a:solidFill>
+              </a:rPr>
+              <a:t> output amplifier)</a:t>
+            </a:r>
+          </a:p>
+          <a:p>
+            <a:pPr>
+              <a:lnSpc>
+                <a:spcPct val="100000"/>
+              </a:lnSpc>
+            </a:pPr>
             <a:r>
               <a:rPr lang="en-ID" dirty="0"/>
               <a:t>Test with music</a:t>
+            </a:r>
+          </a:p>
+          <a:p>
+            <a:pPr marL="0" indent="0">
+              <a:buNone/>
+            </a:pPr>
+            <a:r>
+              <a:rPr lang="en-ID" dirty="0">
+                <a:solidFill>
+                  <a:srgbClr val="FF0000"/>
+                </a:solidFill>
+              </a:rPr>
+              <a:t>   (</a:t>
+            </a:r>
+            <a:r>
+              <a:rPr lang="en-ID" dirty="0" err="1">
+                <a:solidFill>
+                  <a:srgbClr val="FF0000"/>
+                </a:solidFill>
+              </a:rPr>
+              <a:t>Coba</a:t>
+            </a:r>
+            <a:r>
+              <a:rPr lang="en-ID" dirty="0">
+                <a:solidFill>
+                  <a:srgbClr val="FF0000"/>
+                </a:solidFill>
+              </a:rPr>
+              <a:t> </a:t>
+            </a:r>
+            <a:r>
+              <a:rPr lang="en-ID" dirty="0" err="1">
+                <a:solidFill>
+                  <a:srgbClr val="FF0000"/>
+                </a:solidFill>
+              </a:rPr>
+              <a:t>putar</a:t>
+            </a:r>
+            <a:r>
+              <a:rPr lang="en-ID" dirty="0">
+                <a:solidFill>
+                  <a:srgbClr val="FF0000"/>
+                </a:solidFill>
+              </a:rPr>
+              <a:t> music)</a:t>
             </a:r>
           </a:p>
         </p:txBody>
@@ -11408,662 +18728,275 @@
       </p:grpSpPr>
       <p:sp>
         <p:nvSpPr>
-          <p:cNvPr id="2" name="Rectangle 1"/>
-          <p:cNvSpPr/>
-          <p:nvPr/>
+          <p:cNvPr id="2" name="Title 1">
+            <a:extLst>
+              <a:ext uri="{FF2B5EF4-FFF2-40B4-BE49-F238E27FC236}">
+                <a16:creationId xmlns:a16="http://schemas.microsoft.com/office/drawing/2014/main" id="{16E1CA86-ED1E-438A-B00B-CF3E966A9266}"/>
+              </a:ext>
+            </a:extLst>
+          </p:cNvPr>
+          <p:cNvSpPr>
+            <a:spLocks noGrp="1"/>
+          </p:cNvSpPr>
+          <p:nvPr>
+            <p:ph type="title"/>
+          </p:nvPr>
         </p:nvSpPr>
         <p:spPr>
           <a:xfrm>
-            <a:off x="235527" y="360218"/>
-            <a:ext cx="11956473" cy="6032421"/>
+            <a:off x="1446585" y="-90012"/>
+            <a:ext cx="3273099" cy="1777972"/>
+          </a:xfrm>
+        </p:spPr>
+        <p:txBody>
+          <a:bodyPr/>
+          <a:lstStyle/>
+          <a:p>
+            <a:r>
+              <a:rPr lang="en-ID" dirty="0"/>
+              <a:t>Prepare the power supply</a:t>
+            </a:r>
+            <a:endParaRPr lang="id-ID" dirty="0"/>
+          </a:p>
+        </p:txBody>
+      </p:sp>
+      <p:sp>
+        <p:nvSpPr>
+          <p:cNvPr id="4" name="Text Placeholder 3">
+            <a:extLst>
+              <a:ext uri="{FF2B5EF4-FFF2-40B4-BE49-F238E27FC236}">
+                <a16:creationId xmlns:a16="http://schemas.microsoft.com/office/drawing/2014/main" id="{203407EF-7BE5-4BA1-AC6F-468967B35420}"/>
+              </a:ext>
+            </a:extLst>
+          </p:cNvPr>
+          <p:cNvSpPr>
+            <a:spLocks noGrp="1"/>
+          </p:cNvSpPr>
+          <p:nvPr>
+            <p:ph type="body" sz="half" idx="2"/>
+          </p:nvPr>
+        </p:nvSpPr>
+        <p:spPr>
+          <a:xfrm>
+            <a:off x="1444671" y="3205491"/>
+            <a:ext cx="3275013" cy="2250912"/>
+          </a:xfrm>
+        </p:spPr>
+        <p:txBody>
+          <a:bodyPr/>
+          <a:lstStyle/>
+          <a:p>
+            <a:r>
+              <a:rPr lang="en-ID" dirty="0"/>
+              <a:t>Type : Symmetrical Output</a:t>
+            </a:r>
+          </a:p>
+          <a:p>
+            <a:r>
+              <a:rPr lang="en-ID" dirty="0"/>
+              <a:t>Materials : </a:t>
+            </a:r>
+          </a:p>
+          <a:p>
+            <a:pPr marL="285750" indent="-285750">
+              <a:buFontTx/>
+              <a:buChar char="-"/>
+            </a:pPr>
+            <a:r>
+              <a:rPr lang="en-ID" dirty="0"/>
+              <a:t>Step down </a:t>
+            </a:r>
+            <a:r>
+              <a:rPr lang="en-ID" dirty="0" err="1"/>
+              <a:t>transformator</a:t>
+            </a:r>
+            <a:endParaRPr lang="en-ID" dirty="0"/>
+          </a:p>
+          <a:p>
+            <a:pPr marL="285750" indent="-285750">
+              <a:buFontTx/>
+              <a:buChar char="-"/>
+            </a:pPr>
+            <a:r>
+              <a:rPr lang="en-ID" dirty="0"/>
+              <a:t>Diode</a:t>
+            </a:r>
+          </a:p>
+          <a:p>
+            <a:pPr marL="285750" indent="-285750">
+              <a:buFontTx/>
+              <a:buChar char="-"/>
+            </a:pPr>
+            <a:r>
+              <a:rPr lang="en-ID" dirty="0" err="1"/>
+              <a:t>Elco</a:t>
+            </a:r>
+            <a:r>
+              <a:rPr lang="en-ID" dirty="0"/>
+              <a:t> </a:t>
+            </a:r>
+            <a:endParaRPr lang="id-ID" dirty="0"/>
+          </a:p>
+        </p:txBody>
+      </p:sp>
+      <p:pic>
+        <p:nvPicPr>
+          <p:cNvPr id="7" name="Picture 6">
+            <a:extLst>
+              <a:ext uri="{FF2B5EF4-FFF2-40B4-BE49-F238E27FC236}">
+                <a16:creationId xmlns:a16="http://schemas.microsoft.com/office/drawing/2014/main" id="{C1B8F52C-0873-4301-95C5-0ACBA3C6DCAE}"/>
+              </a:ext>
+            </a:extLst>
+          </p:cNvPr>
+          <p:cNvPicPr>
+            <a:picLocks noChangeAspect="1"/>
+          </p:cNvPicPr>
+          <p:nvPr/>
+        </p:nvPicPr>
+        <p:blipFill rotWithShape="1">
+          <a:blip r:embed="rId2"/>
+          <a:srcRect t="7224"/>
+          <a:stretch/>
+        </p:blipFill>
+        <p:spPr>
+          <a:xfrm>
+            <a:off x="5043714" y="1687960"/>
+            <a:ext cx="5703615" cy="2250912"/>
           </a:xfrm>
           <a:prstGeom prst="rect">
             <a:avLst/>
           </a:prstGeom>
         </p:spPr>
+      </p:pic>
+      <p:sp>
+        <p:nvSpPr>
+          <p:cNvPr id="8" name="Content Placeholder 7">
+            <a:extLst>
+              <a:ext uri="{FF2B5EF4-FFF2-40B4-BE49-F238E27FC236}">
+                <a16:creationId xmlns:a16="http://schemas.microsoft.com/office/drawing/2014/main" id="{C10B5F32-080B-4D2D-89E1-7FB9211634F8}"/>
+              </a:ext>
+            </a:extLst>
+          </p:cNvPr>
+          <p:cNvSpPr>
+            <a:spLocks noGrp="1"/>
+          </p:cNvSpPr>
+          <p:nvPr>
+            <p:ph idx="1"/>
+          </p:nvPr>
+        </p:nvSpPr>
+        <p:spPr>
+          <a:xfrm>
+            <a:off x="5043714" y="798974"/>
+            <a:ext cx="5703615" cy="1019435"/>
+          </a:xfrm>
+        </p:spPr>
         <p:txBody>
-          <a:bodyPr wrap="square">
-            <a:spAutoFit/>
-          </a:bodyPr>
+          <a:bodyPr/>
           <a:lstStyle/>
           <a:p>
-            <a:pPr algn="ctr"/>
-            <a:r>
-              <a:rPr lang="en-US" sz="2800" dirty="0"/>
-              <a:t>The Step Of The Test Using The Power Supply :</a:t>
-            </a:r>
-          </a:p>
-          <a:p>
-            <a:pPr marL="342900" indent="-342900">
-              <a:buAutoNum type="arabicPeriod"/>
+            <a:pPr marL="0" indent="0">
+              <a:buNone/>
             </a:pPr>
             <a:r>
-              <a:rPr lang="en-US" sz="2000" dirty="0"/>
-              <a:t>Prepare a power supply with symmetrical voltage output. </a:t>
-            </a:r>
-          </a:p>
-          <a:p>
-            <a:r>
-              <a:rPr lang="en-US" sz="2000" dirty="0">
-                <a:solidFill>
-                  <a:srgbClr val="FF0000"/>
-                </a:solidFill>
-              </a:rPr>
-              <a:t>(</a:t>
-            </a:r>
-            <a:r>
-              <a:rPr lang="en-US" sz="2000" dirty="0">
-                <a:solidFill>
-                  <a:srgbClr val="FF0000"/>
-                </a:solidFill>
-                <a:latin typeface="Times New Roman" panose="02020603050405020304" pitchFamily="18" charset="0"/>
-              </a:rPr>
-              <a:t>S</a:t>
-            </a:r>
-            <a:r>
-              <a:rPr lang="id-ID" sz="2000" dirty="0">
-                <a:solidFill>
-                  <a:srgbClr val="FF0000"/>
-                </a:solidFill>
-                <a:latin typeface="Times New Roman" panose="02020603050405020304" pitchFamily="18" charset="0"/>
-              </a:rPr>
-              <a:t>iapkan catu daya dengan </a:t>
-            </a:r>
-            <a:r>
-              <a:rPr lang="id-ID" sz="2000" dirty="0" err="1">
-                <a:solidFill>
-                  <a:srgbClr val="FF0000"/>
-                </a:solidFill>
-                <a:latin typeface="Times New Roman" panose="02020603050405020304" pitchFamily="18" charset="0"/>
-              </a:rPr>
-              <a:t>output</a:t>
-            </a:r>
-            <a:r>
-              <a:rPr lang="id-ID" sz="2000" dirty="0">
-                <a:solidFill>
-                  <a:srgbClr val="FF0000"/>
-                </a:solidFill>
-                <a:latin typeface="Times New Roman" panose="02020603050405020304" pitchFamily="18" charset="0"/>
-              </a:rPr>
-              <a:t> tegangan simetris</a:t>
-            </a:r>
-            <a:r>
-              <a:rPr lang="en-US" sz="2000" dirty="0">
-                <a:solidFill>
-                  <a:srgbClr val="FF0000"/>
-                </a:solidFill>
-              </a:rPr>
-              <a:t>)</a:t>
-            </a:r>
-          </a:p>
-          <a:p>
-            <a:r>
-              <a:rPr lang="en-US" sz="2000" dirty="0"/>
-              <a:t>2. Measure the power supply voltage using the Avometer.  Ground voltage to positive.  and ground to negative must be balanced </a:t>
-            </a:r>
-          </a:p>
-          <a:p>
-            <a:r>
-              <a:rPr lang="en-US" sz="2000" dirty="0">
-                <a:solidFill>
-                  <a:srgbClr val="FF0000"/>
-                </a:solidFill>
-              </a:rPr>
-              <a:t>(</a:t>
-            </a:r>
-            <a:r>
-              <a:rPr lang="en-US" sz="2000" dirty="0">
-                <a:solidFill>
-                  <a:srgbClr val="FF0000"/>
-                </a:solidFill>
-                <a:latin typeface="Times New Roman" panose="02020603050405020304" pitchFamily="18" charset="0"/>
-              </a:rPr>
-              <a:t>U</a:t>
-            </a:r>
-            <a:r>
-              <a:rPr lang="id-ID" sz="2000" dirty="0">
-                <a:solidFill>
-                  <a:srgbClr val="FF0000"/>
-                </a:solidFill>
-                <a:latin typeface="Times New Roman" panose="02020603050405020304" pitchFamily="18" charset="0"/>
-              </a:rPr>
-              <a:t>kur tegangan catu daya menggunakan </a:t>
-            </a:r>
-            <a:r>
-              <a:rPr lang="id-ID" sz="2000" dirty="0" err="1">
-                <a:solidFill>
-                  <a:srgbClr val="FF0000"/>
-                </a:solidFill>
-                <a:latin typeface="Times New Roman" panose="02020603050405020304" pitchFamily="18" charset="0"/>
-              </a:rPr>
-              <a:t>Avometer</a:t>
-            </a:r>
-            <a:r>
-              <a:rPr lang="id-ID" sz="2000" dirty="0">
-                <a:solidFill>
-                  <a:srgbClr val="FF0000"/>
-                </a:solidFill>
-                <a:latin typeface="Times New Roman" panose="02020603050405020304" pitchFamily="18" charset="0"/>
-              </a:rPr>
-              <a:t>. Tegangan </a:t>
-            </a:r>
-            <a:r>
-              <a:rPr lang="id-ID" sz="2000" dirty="0" err="1">
-                <a:solidFill>
-                  <a:srgbClr val="FF0000"/>
-                </a:solidFill>
-                <a:latin typeface="Times New Roman" panose="02020603050405020304" pitchFamily="18" charset="0"/>
-              </a:rPr>
-              <a:t>ground</a:t>
-            </a:r>
-            <a:r>
-              <a:rPr lang="id-ID" sz="2000" dirty="0">
-                <a:solidFill>
-                  <a:srgbClr val="FF0000"/>
-                </a:solidFill>
-                <a:latin typeface="Times New Roman" panose="02020603050405020304" pitchFamily="18" charset="0"/>
-              </a:rPr>
-              <a:t> ke positif dan </a:t>
-            </a:r>
-            <a:r>
-              <a:rPr lang="id-ID" sz="2000" dirty="0" err="1">
-                <a:solidFill>
-                  <a:srgbClr val="FF0000"/>
-                </a:solidFill>
-                <a:latin typeface="Times New Roman" panose="02020603050405020304" pitchFamily="18" charset="0"/>
-              </a:rPr>
-              <a:t>ground</a:t>
-            </a:r>
-            <a:r>
-              <a:rPr lang="id-ID" sz="2000" dirty="0">
-                <a:solidFill>
-                  <a:srgbClr val="FF0000"/>
-                </a:solidFill>
-                <a:latin typeface="Times New Roman" panose="02020603050405020304" pitchFamily="18" charset="0"/>
-              </a:rPr>
-              <a:t> ke </a:t>
-            </a:r>
-            <a:r>
-              <a:rPr lang="id-ID" sz="2000" dirty="0" err="1">
-                <a:solidFill>
-                  <a:srgbClr val="FF0000"/>
-                </a:solidFill>
-                <a:latin typeface="Times New Roman" panose="02020603050405020304" pitchFamily="18" charset="0"/>
-              </a:rPr>
-              <a:t>negative</a:t>
-            </a:r>
-            <a:r>
-              <a:rPr lang="id-ID" sz="2000" dirty="0">
-                <a:solidFill>
-                  <a:srgbClr val="FF0000"/>
-                </a:solidFill>
-                <a:latin typeface="Times New Roman" panose="02020603050405020304" pitchFamily="18" charset="0"/>
-              </a:rPr>
-              <a:t> harus seimbang</a:t>
-            </a:r>
-            <a:r>
-              <a:rPr lang="en-US" sz="2000" dirty="0">
-                <a:solidFill>
-                  <a:srgbClr val="FF0000"/>
-                </a:solidFill>
-                <a:latin typeface="Times New Roman" panose="02020603050405020304" pitchFamily="18" charset="0"/>
-              </a:rPr>
-              <a:t>)</a:t>
-            </a:r>
-            <a:endParaRPr lang="en-US" sz="2000" dirty="0">
-              <a:solidFill>
-                <a:srgbClr val="FF0000"/>
-              </a:solidFill>
-            </a:endParaRPr>
-          </a:p>
-          <a:p>
-            <a:pPr marL="342900" indent="-342900">
-              <a:buAutoNum type="arabicPeriod" startAt="3"/>
-            </a:pPr>
-            <a:r>
-              <a:rPr lang="en-US" sz="2000" dirty="0"/>
-              <a:t>Connect the power supply cable to the power amplifier. </a:t>
-            </a:r>
-          </a:p>
-          <a:p>
-            <a:r>
-              <a:rPr lang="en-US" sz="2000" dirty="0">
-                <a:solidFill>
-                  <a:srgbClr val="FF0000"/>
-                </a:solidFill>
-              </a:rPr>
-              <a:t>(</a:t>
-            </a:r>
-            <a:r>
-              <a:rPr lang="en-US" sz="2000" dirty="0">
-                <a:solidFill>
-                  <a:srgbClr val="FF0000"/>
-                </a:solidFill>
-                <a:latin typeface="Times New Roman" panose="02020603050405020304" pitchFamily="18" charset="0"/>
-              </a:rPr>
-              <a:t>P</a:t>
-            </a:r>
-            <a:r>
-              <a:rPr lang="id-ID" sz="2000" dirty="0" err="1">
-                <a:solidFill>
-                  <a:srgbClr val="FF0000"/>
-                </a:solidFill>
-                <a:latin typeface="Times New Roman" panose="02020603050405020304" pitchFamily="18" charset="0"/>
-              </a:rPr>
-              <a:t>asang</a:t>
-            </a:r>
-            <a:r>
-              <a:rPr lang="id-ID" sz="2000" dirty="0">
-                <a:solidFill>
-                  <a:srgbClr val="FF0000"/>
-                </a:solidFill>
-                <a:latin typeface="Times New Roman" panose="02020603050405020304" pitchFamily="18" charset="0"/>
-              </a:rPr>
-              <a:t> kabel catu daya dengan </a:t>
-            </a:r>
-            <a:r>
-              <a:rPr lang="id-ID" sz="2000" dirty="0" err="1">
-                <a:solidFill>
-                  <a:srgbClr val="FF0000"/>
-                </a:solidFill>
-                <a:latin typeface="Times New Roman" panose="02020603050405020304" pitchFamily="18" charset="0"/>
-              </a:rPr>
-              <a:t>power</a:t>
-            </a:r>
-            <a:r>
-              <a:rPr lang="id-ID" sz="2000" dirty="0">
-                <a:solidFill>
-                  <a:srgbClr val="FF0000"/>
-                </a:solidFill>
-                <a:latin typeface="Times New Roman" panose="02020603050405020304" pitchFamily="18" charset="0"/>
-              </a:rPr>
-              <a:t> </a:t>
-            </a:r>
-            <a:r>
-              <a:rPr lang="id-ID" sz="2000" dirty="0" err="1">
-                <a:solidFill>
-                  <a:srgbClr val="FF0000"/>
-                </a:solidFill>
-                <a:latin typeface="Times New Roman" panose="02020603050405020304" pitchFamily="18" charset="0"/>
-              </a:rPr>
-              <a:t>amplifier</a:t>
-            </a:r>
-            <a:r>
-              <a:rPr lang="en-US" sz="2000" dirty="0">
-                <a:solidFill>
-                  <a:srgbClr val="FF0000"/>
-                </a:solidFill>
-                <a:latin typeface="Times New Roman" panose="02020603050405020304" pitchFamily="18" charset="0"/>
-              </a:rPr>
-              <a:t>)</a:t>
-            </a:r>
-            <a:endParaRPr lang="en-US" sz="2000" dirty="0">
-              <a:solidFill>
-                <a:srgbClr val="FF0000"/>
-              </a:solidFill>
-            </a:endParaRPr>
-          </a:p>
-          <a:p>
-            <a:r>
-              <a:rPr lang="en-US" sz="2000" dirty="0"/>
-              <a:t>4. Measure the amplifier output with a 10V DC scale Avometer, positive probe to the amplifier output, negative probe to ground. </a:t>
-            </a:r>
-          </a:p>
-          <a:p>
-            <a:r>
-              <a:rPr lang="en-US" sz="2000" dirty="0">
-                <a:solidFill>
-                  <a:srgbClr val="FF0000"/>
-                </a:solidFill>
-              </a:rPr>
-              <a:t>(</a:t>
-            </a:r>
-            <a:r>
-              <a:rPr lang="en-US" sz="2000" dirty="0">
-                <a:solidFill>
-                  <a:srgbClr val="FF0000"/>
-                </a:solidFill>
-                <a:latin typeface="Times New Roman" panose="02020603050405020304" pitchFamily="18" charset="0"/>
-              </a:rPr>
-              <a:t>U</a:t>
-            </a:r>
-            <a:r>
-              <a:rPr lang="id-ID" sz="2000" dirty="0">
-                <a:solidFill>
-                  <a:srgbClr val="FF0000"/>
-                </a:solidFill>
-                <a:latin typeface="Times New Roman" panose="02020603050405020304" pitchFamily="18" charset="0"/>
-              </a:rPr>
-              <a:t>kur </a:t>
-            </a:r>
-            <a:r>
-              <a:rPr lang="id-ID" sz="2000" dirty="0" err="1">
-                <a:solidFill>
-                  <a:srgbClr val="FF0000"/>
-                </a:solidFill>
-                <a:latin typeface="Times New Roman" panose="02020603050405020304" pitchFamily="18" charset="0"/>
-              </a:rPr>
-              <a:t>output</a:t>
-            </a:r>
-            <a:r>
-              <a:rPr lang="id-ID" sz="2000" dirty="0">
-                <a:solidFill>
-                  <a:srgbClr val="FF0000"/>
-                </a:solidFill>
-                <a:latin typeface="Times New Roman" panose="02020603050405020304" pitchFamily="18" charset="0"/>
-              </a:rPr>
-              <a:t> </a:t>
-            </a:r>
-            <a:r>
-              <a:rPr lang="id-ID" sz="2000" dirty="0" err="1">
-                <a:solidFill>
-                  <a:srgbClr val="FF0000"/>
-                </a:solidFill>
-                <a:latin typeface="Times New Roman" panose="02020603050405020304" pitchFamily="18" charset="0"/>
-              </a:rPr>
-              <a:t>amplifier</a:t>
-            </a:r>
-            <a:r>
-              <a:rPr lang="id-ID" sz="2000" dirty="0">
-                <a:solidFill>
-                  <a:srgbClr val="FF0000"/>
-                </a:solidFill>
-                <a:latin typeface="Times New Roman" panose="02020603050405020304" pitchFamily="18" charset="0"/>
-              </a:rPr>
-              <a:t> dengan </a:t>
-            </a:r>
-            <a:r>
-              <a:rPr lang="id-ID" sz="2000" dirty="0" err="1">
-                <a:solidFill>
-                  <a:srgbClr val="FF0000"/>
-                </a:solidFill>
-                <a:latin typeface="Times New Roman" panose="02020603050405020304" pitchFamily="18" charset="0"/>
-              </a:rPr>
-              <a:t>Avometer</a:t>
-            </a:r>
-            <a:r>
-              <a:rPr lang="id-ID" sz="2000" dirty="0">
-                <a:solidFill>
-                  <a:srgbClr val="FF0000"/>
-                </a:solidFill>
-                <a:latin typeface="Times New Roman" panose="02020603050405020304" pitchFamily="18" charset="0"/>
-              </a:rPr>
-              <a:t> skala DC 10V, </a:t>
-            </a:r>
-            <a:r>
-              <a:rPr lang="id-ID" sz="2000" dirty="0" err="1">
-                <a:solidFill>
-                  <a:srgbClr val="FF0000"/>
-                </a:solidFill>
-                <a:latin typeface="Times New Roman" panose="02020603050405020304" pitchFamily="18" charset="0"/>
-              </a:rPr>
-              <a:t>probe</a:t>
-            </a:r>
-            <a:r>
-              <a:rPr lang="id-ID" sz="2000" dirty="0">
-                <a:solidFill>
-                  <a:srgbClr val="FF0000"/>
-                </a:solidFill>
-                <a:latin typeface="Times New Roman" panose="02020603050405020304" pitchFamily="18" charset="0"/>
-              </a:rPr>
-              <a:t> positif ke </a:t>
-            </a:r>
-            <a:r>
-              <a:rPr lang="id-ID" sz="2000" dirty="0" err="1">
-                <a:solidFill>
-                  <a:srgbClr val="FF0000"/>
-                </a:solidFill>
-                <a:latin typeface="Times New Roman" panose="02020603050405020304" pitchFamily="18" charset="0"/>
-              </a:rPr>
-              <a:t>output</a:t>
-            </a:r>
-            <a:r>
-              <a:rPr lang="id-ID" sz="2000" dirty="0">
-                <a:solidFill>
-                  <a:srgbClr val="FF0000"/>
-                </a:solidFill>
-                <a:latin typeface="Times New Roman" panose="02020603050405020304" pitchFamily="18" charset="0"/>
-              </a:rPr>
-              <a:t> </a:t>
-            </a:r>
-            <a:r>
-              <a:rPr lang="id-ID" sz="2000" dirty="0" err="1">
-                <a:solidFill>
-                  <a:srgbClr val="FF0000"/>
-                </a:solidFill>
-                <a:latin typeface="Times New Roman" panose="02020603050405020304" pitchFamily="18" charset="0"/>
-              </a:rPr>
-              <a:t>amplifier</a:t>
-            </a:r>
-            <a:r>
-              <a:rPr lang="id-ID" sz="2000" dirty="0">
-                <a:solidFill>
-                  <a:srgbClr val="FF0000"/>
-                </a:solidFill>
-                <a:latin typeface="Times New Roman" panose="02020603050405020304" pitchFamily="18" charset="0"/>
-              </a:rPr>
-              <a:t>, </a:t>
-            </a:r>
-            <a:r>
-              <a:rPr lang="id-ID" sz="2000" dirty="0" err="1">
-                <a:solidFill>
-                  <a:srgbClr val="FF0000"/>
-                </a:solidFill>
-                <a:latin typeface="Times New Roman" panose="02020603050405020304" pitchFamily="18" charset="0"/>
-              </a:rPr>
-              <a:t>probe</a:t>
-            </a:r>
-            <a:r>
-              <a:rPr lang="id-ID" sz="2000" dirty="0">
-                <a:solidFill>
-                  <a:srgbClr val="FF0000"/>
-                </a:solidFill>
-                <a:latin typeface="Times New Roman" panose="02020603050405020304" pitchFamily="18" charset="0"/>
-              </a:rPr>
-              <a:t> </a:t>
-            </a:r>
-            <a:r>
-              <a:rPr lang="id-ID" sz="2000" dirty="0" err="1">
-                <a:solidFill>
-                  <a:srgbClr val="FF0000"/>
-                </a:solidFill>
-                <a:latin typeface="Times New Roman" panose="02020603050405020304" pitchFamily="18" charset="0"/>
-              </a:rPr>
-              <a:t>negative</a:t>
-            </a:r>
-            <a:r>
-              <a:rPr lang="id-ID" sz="2000" dirty="0">
-                <a:solidFill>
-                  <a:srgbClr val="FF0000"/>
-                </a:solidFill>
-                <a:latin typeface="Times New Roman" panose="02020603050405020304" pitchFamily="18" charset="0"/>
-              </a:rPr>
-              <a:t> ke </a:t>
-            </a:r>
-            <a:r>
-              <a:rPr lang="id-ID" sz="2000" dirty="0" err="1">
-                <a:solidFill>
-                  <a:srgbClr val="FF0000"/>
-                </a:solidFill>
-                <a:latin typeface="Times New Roman" panose="02020603050405020304" pitchFamily="18" charset="0"/>
-              </a:rPr>
-              <a:t>ground</a:t>
-            </a:r>
-            <a:r>
-              <a:rPr lang="en-US" sz="2000" dirty="0">
-                <a:solidFill>
-                  <a:srgbClr val="FF0000"/>
-                </a:solidFill>
-                <a:latin typeface="Times New Roman" panose="02020603050405020304" pitchFamily="18" charset="0"/>
-              </a:rPr>
-              <a:t>)</a:t>
-            </a:r>
-            <a:endParaRPr lang="en-US" sz="2000" dirty="0">
-              <a:solidFill>
-                <a:srgbClr val="FF0000"/>
-              </a:solidFill>
-            </a:endParaRPr>
-          </a:p>
-          <a:p>
-            <a:r>
-              <a:rPr lang="en-US" sz="2000" dirty="0"/>
-              <a:t>5. If there is no DC current that means the power amplifier is functioning normally.  </a:t>
-            </a:r>
-          </a:p>
-          <a:p>
-            <a:r>
-              <a:rPr lang="en-US" sz="2000" dirty="0">
-                <a:solidFill>
-                  <a:srgbClr val="FF0000"/>
-                </a:solidFill>
-              </a:rPr>
-              <a:t>(</a:t>
-            </a:r>
-            <a:r>
-              <a:rPr lang="en-US" sz="2000" dirty="0">
-                <a:solidFill>
-                  <a:srgbClr val="FF0000"/>
-                </a:solidFill>
-                <a:latin typeface="Times New Roman" panose="02020603050405020304" pitchFamily="18" charset="0"/>
-              </a:rPr>
-              <a:t>J</a:t>
-            </a:r>
-            <a:r>
-              <a:rPr lang="id-ID" sz="2000" dirty="0" err="1">
-                <a:solidFill>
-                  <a:srgbClr val="FF0000"/>
-                </a:solidFill>
-                <a:latin typeface="Times New Roman" panose="02020603050405020304" pitchFamily="18" charset="0"/>
-              </a:rPr>
-              <a:t>ika</a:t>
-            </a:r>
-            <a:r>
-              <a:rPr lang="id-ID" sz="2000" dirty="0">
-                <a:solidFill>
-                  <a:srgbClr val="FF0000"/>
-                </a:solidFill>
-                <a:latin typeface="Times New Roman" panose="02020603050405020304" pitchFamily="18" charset="0"/>
-              </a:rPr>
-              <a:t> tidak ada arus dc yang keluar berarti </a:t>
-            </a:r>
-            <a:r>
-              <a:rPr lang="id-ID" sz="2000" dirty="0" err="1">
-                <a:solidFill>
-                  <a:srgbClr val="FF0000"/>
-                </a:solidFill>
-                <a:latin typeface="Times New Roman" panose="02020603050405020304" pitchFamily="18" charset="0"/>
-              </a:rPr>
-              <a:t>power</a:t>
-            </a:r>
-            <a:r>
-              <a:rPr lang="id-ID" sz="2000" dirty="0">
-                <a:solidFill>
-                  <a:srgbClr val="FF0000"/>
-                </a:solidFill>
-                <a:latin typeface="Times New Roman" panose="02020603050405020304" pitchFamily="18" charset="0"/>
-              </a:rPr>
-              <a:t> </a:t>
-            </a:r>
-            <a:r>
-              <a:rPr lang="id-ID" sz="2000" dirty="0" err="1">
-                <a:solidFill>
-                  <a:srgbClr val="FF0000"/>
-                </a:solidFill>
-                <a:latin typeface="Times New Roman" panose="02020603050405020304" pitchFamily="18" charset="0"/>
-              </a:rPr>
-              <a:t>amplifier</a:t>
-            </a:r>
-            <a:r>
-              <a:rPr lang="id-ID" sz="2000" dirty="0">
-                <a:solidFill>
-                  <a:srgbClr val="FF0000"/>
-                </a:solidFill>
-                <a:latin typeface="Times New Roman" panose="02020603050405020304" pitchFamily="18" charset="0"/>
-              </a:rPr>
-              <a:t> berfungsi normal</a:t>
-            </a:r>
-            <a:r>
-              <a:rPr lang="en-US" sz="2000" dirty="0">
-                <a:solidFill>
-                  <a:srgbClr val="FF0000"/>
-                </a:solidFill>
-                <a:latin typeface="Times New Roman" panose="02020603050405020304" pitchFamily="18" charset="0"/>
-              </a:rPr>
-              <a:t>)</a:t>
-            </a:r>
-            <a:endParaRPr lang="en-US" sz="2000" dirty="0">
-              <a:solidFill>
-                <a:srgbClr val="FF0000"/>
-              </a:solidFill>
-            </a:endParaRPr>
-          </a:p>
-          <a:p>
-            <a:r>
-              <a:rPr lang="en-US" sz="2000" dirty="0"/>
-              <a:t>6. If there is a DC current, it means there was an error when installing the components.</a:t>
-            </a:r>
-          </a:p>
-          <a:p>
-            <a:r>
-              <a:rPr lang="en-US" sz="2000" dirty="0">
-                <a:solidFill>
-                  <a:srgbClr val="FF0000"/>
-                </a:solidFill>
-                <a:latin typeface="Times New Roman" panose="02020603050405020304" pitchFamily="18" charset="0"/>
-              </a:rPr>
-              <a:t>(j</a:t>
-            </a:r>
-            <a:r>
-              <a:rPr lang="id-ID" sz="2000" dirty="0" err="1">
-                <a:solidFill>
-                  <a:srgbClr val="FF0000"/>
-                </a:solidFill>
-                <a:latin typeface="Times New Roman" panose="02020603050405020304" pitchFamily="18" charset="0"/>
-              </a:rPr>
-              <a:t>ika</a:t>
-            </a:r>
-            <a:r>
-              <a:rPr lang="id-ID" sz="2000" dirty="0">
-                <a:solidFill>
-                  <a:srgbClr val="FF0000"/>
-                </a:solidFill>
-                <a:latin typeface="Times New Roman" panose="02020603050405020304" pitchFamily="18" charset="0"/>
-              </a:rPr>
-              <a:t> terdapat arus DC berarti ada kesalahan saat pemasangan komponen</a:t>
-            </a:r>
-            <a:r>
-              <a:rPr lang="en-US" sz="2000" dirty="0">
-                <a:solidFill>
-                  <a:srgbClr val="FF0000"/>
-                </a:solidFill>
-                <a:latin typeface="Times New Roman" panose="02020603050405020304" pitchFamily="18" charset="0"/>
-              </a:rPr>
-              <a:t>)</a:t>
-            </a:r>
-            <a:endParaRPr lang="en-US" sz="2000" dirty="0">
-              <a:solidFill>
-                <a:srgbClr val="FF0000"/>
-              </a:solidFill>
-            </a:endParaRPr>
-          </a:p>
-          <a:p>
-            <a:endParaRPr lang="en-US" sz="2000" dirty="0"/>
-          </a:p>
-          <a:p>
-            <a:endParaRPr lang="en-US" dirty="0"/>
+              <a:rPr lang="en-ID" dirty="0"/>
+              <a:t>Measure Output Power Supply</a:t>
+            </a:r>
           </a:p>
         </p:txBody>
       </p:sp>
     </p:spTree>
     <p:extLst>
       <p:ext uri="{BB962C8B-B14F-4D97-AF65-F5344CB8AC3E}">
-        <p14:creationId xmlns:p14="http://schemas.microsoft.com/office/powerpoint/2010/main" val="4159051157"/>
+        <p14:creationId xmlns:p14="http://schemas.microsoft.com/office/powerpoint/2010/main" val="3874364527"/>
       </p:ext>
     </p:extLst>
   </p:cSld>
   <p:clrMapOvr>
     <a:masterClrMapping/>
   </p:clrMapOvr>
+  <p:timing>
+    <p:tnLst>
+      <p:par>
+        <p:cTn id="1" dur="indefinite" restart="never" nodeType="tmRoot">
+          <p:childTnLst>
+            <p:seq concurrent="1" nextAc="seek">
+              <p:cTn id="2" dur="indefinite" nodeType="mainSeq">
+                <p:childTnLst>
+                  <p:par>
+                    <p:cTn id="3" fill="hold">
+                      <p:stCondLst>
+                        <p:cond delay="indefinite"/>
+                      </p:stCondLst>
+                      <p:childTnLst>
+                        <p:par>
+                          <p:cTn id="4" fill="hold">
+                            <p:stCondLst>
+                              <p:cond delay="0"/>
+                            </p:stCondLst>
+                            <p:childTnLst>
+                              <p:par>
+                                <p:cTn id="5" presetID="10" presetClass="entr" presetSubtype="0" fill="hold" nodeType="clickEffect">
+                                  <p:stCondLst>
+                                    <p:cond delay="0"/>
+                                  </p:stCondLst>
+                                  <p:childTnLst>
+                                    <p:set>
+                                      <p:cBhvr>
+                                        <p:cTn id="6" dur="1" fill="hold">
+                                          <p:stCondLst>
+                                            <p:cond delay="0"/>
+                                          </p:stCondLst>
+                                        </p:cTn>
+                                        <p:tgtEl>
+                                          <p:spTgt spid="7"/>
+                                        </p:tgtEl>
+                                        <p:attrNameLst>
+                                          <p:attrName>style.visibility</p:attrName>
+                                        </p:attrNameLst>
+                                      </p:cBhvr>
+                                      <p:to>
+                                        <p:strVal val="visible"/>
+                                      </p:to>
+                                    </p:set>
+                                    <p:animEffect transition="in" filter="fade">
+                                      <p:cBhvr>
+                                        <p:cTn id="7" dur="500"/>
+                                        <p:tgtEl>
+                                          <p:spTgt spid="7"/>
+                                        </p:tgtEl>
+                                      </p:cBhvr>
+                                    </p:animEffect>
+                                  </p:childTnLst>
+                                </p:cTn>
+                              </p:par>
+                            </p:childTnLst>
+                          </p:cTn>
+                        </p:par>
+                      </p:childTnLst>
+                    </p:cTn>
+                  </p:par>
+                </p:childTnLst>
+              </p:cTn>
+              <p:prevCondLst>
+                <p:cond evt="onPrev" delay="0">
+                  <p:tgtEl>
+                    <p:sldTgt/>
+                  </p:tgtEl>
+                </p:cond>
+              </p:prevCondLst>
+              <p:nextCondLst>
+                <p:cond evt="onNext" delay="0">
+                  <p:tgtEl>
+                    <p:sldTgt/>
+                  </p:tgtEl>
+                </p:cond>
+              </p:nextCondLst>
+            </p:seq>
+          </p:childTnLst>
+        </p:cTn>
+      </p:par>
+    </p:tnLst>
+  </p:timing>
 </p:sld>
 </file>
 
